--- a/Web Frameworks/React/Session 1 - Introduction and Slides/Introduction to React.pptx
+++ b/Web Frameworks/React/Session 1 - Introduction and Slides/Introduction to React.pptx
@@ -6,28 +6,42 @@
     <p:sldMasterId id="2147483663" r:id="rId2"/>
   </p:sldMasterIdLst>
   <p:notesMasterIdLst>
-    <p:notesMasterId r:id="rId22"/>
+    <p:notesMasterId r:id="rId36"/>
   </p:notesMasterIdLst>
   <p:sldIdLst>
     <p:sldId id="256" r:id="rId3"/>
-    <p:sldId id="301" r:id="rId4"/>
-    <p:sldId id="322" r:id="rId5"/>
-    <p:sldId id="323" r:id="rId6"/>
-    <p:sldId id="324" r:id="rId7"/>
-    <p:sldId id="325" r:id="rId8"/>
-    <p:sldId id="326" r:id="rId9"/>
-    <p:sldId id="334" r:id="rId10"/>
-    <p:sldId id="327" r:id="rId11"/>
-    <p:sldId id="328" r:id="rId12"/>
-    <p:sldId id="335" r:id="rId13"/>
-    <p:sldId id="329" r:id="rId14"/>
-    <p:sldId id="330" r:id="rId15"/>
-    <p:sldId id="336" r:id="rId16"/>
-    <p:sldId id="332" r:id="rId17"/>
-    <p:sldId id="337" r:id="rId18"/>
-    <p:sldId id="333" r:id="rId19"/>
-    <p:sldId id="295" r:id="rId20"/>
-    <p:sldId id="299" r:id="rId21"/>
+    <p:sldId id="338" r:id="rId4"/>
+    <p:sldId id="323" r:id="rId5"/>
+    <p:sldId id="324" r:id="rId6"/>
+    <p:sldId id="325" r:id="rId7"/>
+    <p:sldId id="326" r:id="rId8"/>
+    <p:sldId id="334" r:id="rId9"/>
+    <p:sldId id="327" r:id="rId10"/>
+    <p:sldId id="328" r:id="rId11"/>
+    <p:sldId id="335" r:id="rId12"/>
+    <p:sldId id="329" r:id="rId13"/>
+    <p:sldId id="330" r:id="rId14"/>
+    <p:sldId id="336" r:id="rId15"/>
+    <p:sldId id="332" r:id="rId16"/>
+    <p:sldId id="337" r:id="rId17"/>
+    <p:sldId id="333" r:id="rId18"/>
+    <p:sldId id="339" r:id="rId19"/>
+    <p:sldId id="340" r:id="rId20"/>
+    <p:sldId id="341" r:id="rId21"/>
+    <p:sldId id="342" r:id="rId22"/>
+    <p:sldId id="343" r:id="rId23"/>
+    <p:sldId id="344" r:id="rId24"/>
+    <p:sldId id="345" r:id="rId25"/>
+    <p:sldId id="346" r:id="rId26"/>
+    <p:sldId id="347" r:id="rId27"/>
+    <p:sldId id="348" r:id="rId28"/>
+    <p:sldId id="349" r:id="rId29"/>
+    <p:sldId id="350" r:id="rId30"/>
+    <p:sldId id="352" r:id="rId31"/>
+    <p:sldId id="353" r:id="rId32"/>
+    <p:sldId id="354" r:id="rId33"/>
+    <p:sldId id="355" r:id="rId34"/>
+    <p:sldId id="299" r:id="rId35"/>
   </p:sldIdLst>
   <p:sldSz cx="12192000" cy="6858000"/>
   <p:notesSz cx="6858000" cy="9144000"/>
@@ -216,7 +230,7 @@
           <a:p>
             <a:fld id="{49B60EF2-7028-489F-85D8-FE86CD7CF2A0}" type="datetimeFigureOut">
               <a:rPr lang="en-US" smtClean="0"/>
-              <a:t>3/23/2017</a:t>
+              <a:t>3/31/2017</a:t>
             </a:fld>
             <a:endParaRPr lang="en-US"/>
           </a:p>
@@ -641,7 +655,7 @@
     </p:spTree>
     <p:extLst>
       <p:ext uri="{BB962C8B-B14F-4D97-AF65-F5344CB8AC3E}">
-        <p14:creationId xmlns:p14="http://schemas.microsoft.com/office/powerpoint/2010/main" val="1193889925"/>
+        <p14:creationId xmlns:p14="http://schemas.microsoft.com/office/powerpoint/2010/main" val="2020125564"/>
       </p:ext>
     </p:extLst>
   </p:cSld>
@@ -725,7 +739,7 @@
     </p:spTree>
     <p:extLst>
       <p:ext uri="{BB962C8B-B14F-4D97-AF65-F5344CB8AC3E}">
-        <p14:creationId xmlns:p14="http://schemas.microsoft.com/office/powerpoint/2010/main" val="2020125564"/>
+        <p14:creationId xmlns:p14="http://schemas.microsoft.com/office/powerpoint/2010/main" val="200580847"/>
       </p:ext>
     </p:extLst>
   </p:cSld>
@@ -809,7 +823,7 @@
     </p:spTree>
     <p:extLst>
       <p:ext uri="{BB962C8B-B14F-4D97-AF65-F5344CB8AC3E}">
-        <p14:creationId xmlns:p14="http://schemas.microsoft.com/office/powerpoint/2010/main" val="200580847"/>
+        <p14:creationId xmlns:p14="http://schemas.microsoft.com/office/powerpoint/2010/main" val="1136396043"/>
       </p:ext>
     </p:extLst>
   </p:cSld>
@@ -893,7 +907,7 @@
     </p:spTree>
     <p:extLst>
       <p:ext uri="{BB962C8B-B14F-4D97-AF65-F5344CB8AC3E}">
-        <p14:creationId xmlns:p14="http://schemas.microsoft.com/office/powerpoint/2010/main" val="1136396043"/>
+        <p14:creationId xmlns:p14="http://schemas.microsoft.com/office/powerpoint/2010/main" val="1161862202"/>
       </p:ext>
     </p:extLst>
   </p:cSld>
@@ -977,7 +991,7 @@
     </p:spTree>
     <p:extLst>
       <p:ext uri="{BB962C8B-B14F-4D97-AF65-F5344CB8AC3E}">
-        <p14:creationId xmlns:p14="http://schemas.microsoft.com/office/powerpoint/2010/main" val="1161862202"/>
+        <p14:creationId xmlns:p14="http://schemas.microsoft.com/office/powerpoint/2010/main" val="255340106"/>
       </p:ext>
     </p:extLst>
   </p:cSld>
@@ -1061,7 +1075,7 @@
     </p:spTree>
     <p:extLst>
       <p:ext uri="{BB962C8B-B14F-4D97-AF65-F5344CB8AC3E}">
-        <p14:creationId xmlns:p14="http://schemas.microsoft.com/office/powerpoint/2010/main" val="255340106"/>
+        <p14:creationId xmlns:p14="http://schemas.microsoft.com/office/powerpoint/2010/main" val="1124349815"/>
       </p:ext>
     </p:extLst>
   </p:cSld>
@@ -1145,7 +1159,7 @@
     </p:spTree>
     <p:extLst>
       <p:ext uri="{BB962C8B-B14F-4D97-AF65-F5344CB8AC3E}">
-        <p14:creationId xmlns:p14="http://schemas.microsoft.com/office/powerpoint/2010/main" val="1124349815"/>
+        <p14:creationId xmlns:p14="http://schemas.microsoft.com/office/powerpoint/2010/main" val="1928762029"/>
       </p:ext>
     </p:extLst>
   </p:cSld>
@@ -1199,6 +1213,22 @@
           <a:bodyPr/>
           <a:lstStyle/>
           <a:p>
+            <a:r>
+              <a:rPr lang="en-US" dirty="0" smtClean="0"/>
+              <a:t>Redux is open-source and lives at http://redux.js.org/. </a:t>
+            </a:r>
+            <a:r>
+              <a:rPr lang="en-US" dirty="0" err="1" smtClean="0"/>
+              <a:t>Ot</a:t>
+            </a:r>
+            <a:r>
+              <a:rPr lang="en-US" dirty="0" smtClean="0"/>
+              <a:t> is frequently</a:t>
+            </a:r>
+            <a:r>
+              <a:rPr lang="en-US" baseline="0" dirty="0" smtClean="0"/>
+              <a:t> paired with React, but works with other JavaScript libraries as well.</a:t>
+            </a:r>
             <a:endParaRPr lang="en-US" dirty="0"/>
           </a:p>
         </p:txBody>
@@ -1229,7 +1259,175 @@
     </p:spTree>
     <p:extLst>
       <p:ext uri="{BB962C8B-B14F-4D97-AF65-F5344CB8AC3E}">
-        <p14:creationId xmlns:p14="http://schemas.microsoft.com/office/powerpoint/2010/main" val="1928762029"/>
+        <p14:creationId xmlns:p14="http://schemas.microsoft.com/office/powerpoint/2010/main" val="452436996"/>
+      </p:ext>
+    </p:extLst>
+  </p:cSld>
+  <p:clrMapOvr>
+    <a:masterClrMapping/>
+  </p:clrMapOvr>
+</p:notes>
+</file>
+
+<file path=ppt/notesSlides/notesSlide18.xml><?xml version="1.0" encoding="utf-8"?>
+<p:notes xmlns:a="http://schemas.openxmlformats.org/drawingml/2006/main" xmlns:r="http://schemas.openxmlformats.org/officeDocument/2006/relationships" xmlns:p="http://schemas.openxmlformats.org/presentationml/2006/main">
+  <p:cSld>
+    <p:spTree>
+      <p:nvGrpSpPr>
+        <p:cNvPr id="1" name=""/>
+        <p:cNvGrpSpPr/>
+        <p:nvPr/>
+      </p:nvGrpSpPr>
+      <p:grpSpPr>
+        <a:xfrm>
+          <a:off x="0" y="0"/>
+          <a:ext cx="0" cy="0"/>
+          <a:chOff x="0" y="0"/>
+          <a:chExt cx="0" cy="0"/>
+        </a:xfrm>
+      </p:grpSpPr>
+      <p:sp>
+        <p:nvSpPr>
+          <p:cNvPr id="2" name="Slide Image Placeholder 1"/>
+          <p:cNvSpPr>
+            <a:spLocks noGrp="1" noRot="1" noChangeAspect="1"/>
+          </p:cNvSpPr>
+          <p:nvPr>
+            <p:ph type="sldImg"/>
+          </p:nvPr>
+        </p:nvSpPr>
+        <p:spPr/>
+      </p:sp>
+      <p:sp>
+        <p:nvSpPr>
+          <p:cNvPr id="3" name="Notes Placeholder 2"/>
+          <p:cNvSpPr>
+            <a:spLocks noGrp="1"/>
+          </p:cNvSpPr>
+          <p:nvPr>
+            <p:ph type="body" idx="1"/>
+          </p:nvPr>
+        </p:nvSpPr>
+        <p:spPr/>
+        <p:txBody>
+          <a:bodyPr/>
+          <a:lstStyle/>
+          <a:p>
+            <a:endParaRPr lang="en-US" dirty="0"/>
+          </a:p>
+        </p:txBody>
+      </p:sp>
+      <p:sp>
+        <p:nvSpPr>
+          <p:cNvPr id="4" name="Slide Number Placeholder 3"/>
+          <p:cNvSpPr>
+            <a:spLocks noGrp="1"/>
+          </p:cNvSpPr>
+          <p:nvPr>
+            <p:ph type="sldNum" sz="quarter" idx="10"/>
+          </p:nvPr>
+        </p:nvSpPr>
+        <p:spPr/>
+        <p:txBody>
+          <a:bodyPr/>
+          <a:lstStyle/>
+          <a:p>
+            <a:fld id="{01283FAC-A721-45A3-BBDE-EAF2B09B7CD9}" type="slidenum">
+              <a:rPr lang="en-US" smtClean="0"/>
+              <a:t>18</a:t>
+            </a:fld>
+            <a:endParaRPr lang="en-US"/>
+          </a:p>
+        </p:txBody>
+      </p:sp>
+    </p:spTree>
+    <p:extLst>
+      <p:ext uri="{BB962C8B-B14F-4D97-AF65-F5344CB8AC3E}">
+        <p14:creationId xmlns:p14="http://schemas.microsoft.com/office/powerpoint/2010/main" val="1204294465"/>
+      </p:ext>
+    </p:extLst>
+  </p:cSld>
+  <p:clrMapOvr>
+    <a:masterClrMapping/>
+  </p:clrMapOvr>
+</p:notes>
+</file>
+
+<file path=ppt/notesSlides/notesSlide19.xml><?xml version="1.0" encoding="utf-8"?>
+<p:notes xmlns:a="http://schemas.openxmlformats.org/drawingml/2006/main" xmlns:r="http://schemas.openxmlformats.org/officeDocument/2006/relationships" xmlns:p="http://schemas.openxmlformats.org/presentationml/2006/main">
+  <p:cSld>
+    <p:spTree>
+      <p:nvGrpSpPr>
+        <p:cNvPr id="1" name=""/>
+        <p:cNvGrpSpPr/>
+        <p:nvPr/>
+      </p:nvGrpSpPr>
+      <p:grpSpPr>
+        <a:xfrm>
+          <a:off x="0" y="0"/>
+          <a:ext cx="0" cy="0"/>
+          <a:chOff x="0" y="0"/>
+          <a:chExt cx="0" cy="0"/>
+        </a:xfrm>
+      </p:grpSpPr>
+      <p:sp>
+        <p:nvSpPr>
+          <p:cNvPr id="2" name="Slide Image Placeholder 1"/>
+          <p:cNvSpPr>
+            <a:spLocks noGrp="1" noRot="1" noChangeAspect="1"/>
+          </p:cNvSpPr>
+          <p:nvPr>
+            <p:ph type="sldImg"/>
+          </p:nvPr>
+        </p:nvSpPr>
+        <p:spPr/>
+      </p:sp>
+      <p:sp>
+        <p:nvSpPr>
+          <p:cNvPr id="3" name="Notes Placeholder 2"/>
+          <p:cNvSpPr>
+            <a:spLocks noGrp="1"/>
+          </p:cNvSpPr>
+          <p:nvPr>
+            <p:ph type="body" idx="1"/>
+          </p:nvPr>
+        </p:nvSpPr>
+        <p:spPr/>
+        <p:txBody>
+          <a:bodyPr/>
+          <a:lstStyle/>
+          <a:p>
+            <a:endParaRPr lang="en-US" dirty="0"/>
+          </a:p>
+        </p:txBody>
+      </p:sp>
+      <p:sp>
+        <p:nvSpPr>
+          <p:cNvPr id="4" name="Slide Number Placeholder 3"/>
+          <p:cNvSpPr>
+            <a:spLocks noGrp="1"/>
+          </p:cNvSpPr>
+          <p:nvPr>
+            <p:ph type="sldNum" sz="quarter" idx="10"/>
+          </p:nvPr>
+        </p:nvSpPr>
+        <p:spPr/>
+        <p:txBody>
+          <a:bodyPr/>
+          <a:lstStyle/>
+          <a:p>
+            <a:fld id="{01283FAC-A721-45A3-BBDE-EAF2B09B7CD9}" type="slidenum">
+              <a:rPr lang="en-US" smtClean="0"/>
+              <a:t>19</a:t>
+            </a:fld>
+            <a:endParaRPr lang="en-US"/>
+          </a:p>
+        </p:txBody>
+      </p:sp>
+    </p:spTree>
+    <p:extLst>
+      <p:ext uri="{BB962C8B-B14F-4D97-AF65-F5344CB8AC3E}">
+        <p14:creationId xmlns:p14="http://schemas.microsoft.com/office/powerpoint/2010/main" val="17842683"/>
       </p:ext>
     </p:extLst>
   </p:cSld>
@@ -1283,6 +1481,104 @@
           <a:bodyPr/>
           <a:lstStyle/>
           <a:p>
+            <a:r>
+              <a:rPr lang="en-US" dirty="0" smtClean="0"/>
+              <a:t>React was created by Facebook. It is open-source and lives on GitHub</a:t>
+            </a:r>
+            <a:r>
+              <a:rPr lang="en-US" baseline="0" dirty="0" smtClean="0"/>
+              <a:t> at https://facebook.github.io/react/.</a:t>
+            </a:r>
+          </a:p>
+          <a:p>
+            <a:endParaRPr lang="en-US" baseline="0" dirty="0" smtClean="0"/>
+          </a:p>
+          <a:p>
+            <a:r>
+              <a:rPr lang="en-US" dirty="0" smtClean="0"/>
+              <a:t>React is NOT a framework. It does not:</a:t>
+            </a:r>
+            <a:endParaRPr lang="en-US" baseline="0" dirty="0" smtClean="0"/>
+          </a:p>
+          <a:p>
+            <a:endParaRPr lang="en-US" baseline="0" dirty="0" smtClean="0"/>
+          </a:p>
+          <a:p>
+            <a:pPr marL="171450" indent="-171450">
+              <a:buFont typeface="Arial" panose="020B0604020202020204" pitchFamily="34" charset="0"/>
+              <a:buChar char="•"/>
+            </a:pPr>
+            <a:r>
+              <a:rPr lang="en-US" dirty="0" smtClean="0"/>
+              <a:t>Manage application state</a:t>
+            </a:r>
+          </a:p>
+          <a:p>
+            <a:pPr marL="171450" indent="-171450">
+              <a:buFont typeface="Arial" panose="020B0604020202020204" pitchFamily="34" charset="0"/>
+              <a:buChar char="•"/>
+            </a:pPr>
+            <a:r>
+              <a:rPr lang="en-US" dirty="0" smtClean="0"/>
+              <a:t>Manage asynchronous operations</a:t>
+            </a:r>
+          </a:p>
+          <a:p>
+            <a:pPr marL="171450" indent="-171450">
+              <a:buFont typeface="Arial" panose="020B0604020202020204" pitchFamily="34" charset="0"/>
+              <a:buChar char="•"/>
+            </a:pPr>
+            <a:r>
+              <a:rPr lang="en-US" dirty="0" smtClean="0"/>
+              <a:t>Process business logic</a:t>
+            </a:r>
+          </a:p>
+          <a:p>
+            <a:pPr marL="171450" indent="-171450">
+              <a:buFont typeface="Arial" panose="020B0604020202020204" pitchFamily="34" charset="0"/>
+              <a:buChar char="•"/>
+            </a:pPr>
+            <a:r>
+              <a:rPr lang="en-US" dirty="0" smtClean="0"/>
+              <a:t>Provide a controller, routing or other such similar features</a:t>
+            </a:r>
+          </a:p>
+          <a:p>
+            <a:pPr marL="171450" indent="-171450">
+              <a:buFont typeface="Arial" panose="020B0604020202020204" pitchFamily="34" charset="0"/>
+              <a:buChar char="•"/>
+            </a:pPr>
+            <a:r>
+              <a:rPr lang="en-US" dirty="0" smtClean="0"/>
+              <a:t>Provides local storage mechanisms</a:t>
+            </a:r>
+          </a:p>
+          <a:p>
+            <a:pPr marL="171450" indent="-171450">
+              <a:buFont typeface="Arial" panose="020B0604020202020204" pitchFamily="34" charset="0"/>
+              <a:buChar char="•"/>
+            </a:pPr>
+            <a:r>
+              <a:rPr lang="en-US" dirty="0" smtClean="0"/>
+              <a:t>Provides a mechanism for services and dependency injection</a:t>
+            </a:r>
+          </a:p>
+          <a:p>
+            <a:endParaRPr lang="en-US" dirty="0" smtClean="0"/>
+          </a:p>
+          <a:p>
+            <a:r>
+              <a:rPr lang="en-US" dirty="0" smtClean="0"/>
+              <a:t>React is </a:t>
+            </a:r>
+            <a:r>
+              <a:rPr lang="en-US" baseline="0" dirty="0" smtClean="0"/>
+              <a:t>i</a:t>
+            </a:r>
+            <a:r>
+              <a:rPr lang="en-US" dirty="0" smtClean="0"/>
+              <a:t>t is for coding UI elements.</a:t>
+            </a:r>
             <a:endParaRPr lang="en-US" dirty="0"/>
           </a:p>
         </p:txBody>
@@ -1313,7 +1609,847 @@
     </p:spTree>
     <p:extLst>
       <p:ext uri="{BB962C8B-B14F-4D97-AF65-F5344CB8AC3E}">
-        <p14:creationId xmlns:p14="http://schemas.microsoft.com/office/powerpoint/2010/main" val="4174952318"/>
+        <p14:creationId xmlns:p14="http://schemas.microsoft.com/office/powerpoint/2010/main" val="467279208"/>
+      </p:ext>
+    </p:extLst>
+  </p:cSld>
+  <p:clrMapOvr>
+    <a:masterClrMapping/>
+  </p:clrMapOvr>
+</p:notes>
+</file>
+
+<file path=ppt/notesSlides/notesSlide20.xml><?xml version="1.0" encoding="utf-8"?>
+<p:notes xmlns:a="http://schemas.openxmlformats.org/drawingml/2006/main" xmlns:r="http://schemas.openxmlformats.org/officeDocument/2006/relationships" xmlns:p="http://schemas.openxmlformats.org/presentationml/2006/main">
+  <p:cSld>
+    <p:spTree>
+      <p:nvGrpSpPr>
+        <p:cNvPr id="1" name=""/>
+        <p:cNvGrpSpPr/>
+        <p:nvPr/>
+      </p:nvGrpSpPr>
+      <p:grpSpPr>
+        <a:xfrm>
+          <a:off x="0" y="0"/>
+          <a:ext cx="0" cy="0"/>
+          <a:chOff x="0" y="0"/>
+          <a:chExt cx="0" cy="0"/>
+        </a:xfrm>
+      </p:grpSpPr>
+      <p:sp>
+        <p:nvSpPr>
+          <p:cNvPr id="2" name="Slide Image Placeholder 1"/>
+          <p:cNvSpPr>
+            <a:spLocks noGrp="1" noRot="1" noChangeAspect="1"/>
+          </p:cNvSpPr>
+          <p:nvPr>
+            <p:ph type="sldImg"/>
+          </p:nvPr>
+        </p:nvSpPr>
+        <p:spPr/>
+      </p:sp>
+      <p:sp>
+        <p:nvSpPr>
+          <p:cNvPr id="3" name="Notes Placeholder 2"/>
+          <p:cNvSpPr>
+            <a:spLocks noGrp="1"/>
+          </p:cNvSpPr>
+          <p:nvPr>
+            <p:ph type="body" idx="1"/>
+          </p:nvPr>
+        </p:nvSpPr>
+        <p:spPr/>
+        <p:txBody>
+          <a:bodyPr/>
+          <a:lstStyle/>
+          <a:p>
+            <a:endParaRPr lang="en-US" dirty="0"/>
+          </a:p>
+        </p:txBody>
+      </p:sp>
+      <p:sp>
+        <p:nvSpPr>
+          <p:cNvPr id="4" name="Slide Number Placeholder 3"/>
+          <p:cNvSpPr>
+            <a:spLocks noGrp="1"/>
+          </p:cNvSpPr>
+          <p:nvPr>
+            <p:ph type="sldNum" sz="quarter" idx="10"/>
+          </p:nvPr>
+        </p:nvSpPr>
+        <p:spPr/>
+        <p:txBody>
+          <a:bodyPr/>
+          <a:lstStyle/>
+          <a:p>
+            <a:fld id="{01283FAC-A721-45A3-BBDE-EAF2B09B7CD9}" type="slidenum">
+              <a:rPr lang="en-US" smtClean="0"/>
+              <a:t>20</a:t>
+            </a:fld>
+            <a:endParaRPr lang="en-US"/>
+          </a:p>
+        </p:txBody>
+      </p:sp>
+    </p:spTree>
+    <p:extLst>
+      <p:ext uri="{BB962C8B-B14F-4D97-AF65-F5344CB8AC3E}">
+        <p14:creationId xmlns:p14="http://schemas.microsoft.com/office/powerpoint/2010/main" val="121031478"/>
+      </p:ext>
+    </p:extLst>
+  </p:cSld>
+  <p:clrMapOvr>
+    <a:masterClrMapping/>
+  </p:clrMapOvr>
+</p:notes>
+</file>
+
+<file path=ppt/notesSlides/notesSlide21.xml><?xml version="1.0" encoding="utf-8"?>
+<p:notes xmlns:a="http://schemas.openxmlformats.org/drawingml/2006/main" xmlns:r="http://schemas.openxmlformats.org/officeDocument/2006/relationships" xmlns:p="http://schemas.openxmlformats.org/presentationml/2006/main">
+  <p:cSld>
+    <p:spTree>
+      <p:nvGrpSpPr>
+        <p:cNvPr id="1" name=""/>
+        <p:cNvGrpSpPr/>
+        <p:nvPr/>
+      </p:nvGrpSpPr>
+      <p:grpSpPr>
+        <a:xfrm>
+          <a:off x="0" y="0"/>
+          <a:ext cx="0" cy="0"/>
+          <a:chOff x="0" y="0"/>
+          <a:chExt cx="0" cy="0"/>
+        </a:xfrm>
+      </p:grpSpPr>
+      <p:sp>
+        <p:nvSpPr>
+          <p:cNvPr id="2" name="Slide Image Placeholder 1"/>
+          <p:cNvSpPr>
+            <a:spLocks noGrp="1" noRot="1" noChangeAspect="1"/>
+          </p:cNvSpPr>
+          <p:nvPr>
+            <p:ph type="sldImg"/>
+          </p:nvPr>
+        </p:nvSpPr>
+        <p:spPr/>
+      </p:sp>
+      <p:sp>
+        <p:nvSpPr>
+          <p:cNvPr id="3" name="Notes Placeholder 2"/>
+          <p:cNvSpPr>
+            <a:spLocks noGrp="1"/>
+          </p:cNvSpPr>
+          <p:nvPr>
+            <p:ph type="body" idx="1"/>
+          </p:nvPr>
+        </p:nvSpPr>
+        <p:spPr/>
+        <p:txBody>
+          <a:bodyPr/>
+          <a:lstStyle/>
+          <a:p>
+            <a:endParaRPr lang="en-US" dirty="0"/>
+          </a:p>
+        </p:txBody>
+      </p:sp>
+      <p:sp>
+        <p:nvSpPr>
+          <p:cNvPr id="4" name="Slide Number Placeholder 3"/>
+          <p:cNvSpPr>
+            <a:spLocks noGrp="1"/>
+          </p:cNvSpPr>
+          <p:nvPr>
+            <p:ph type="sldNum" sz="quarter" idx="10"/>
+          </p:nvPr>
+        </p:nvSpPr>
+        <p:spPr/>
+        <p:txBody>
+          <a:bodyPr/>
+          <a:lstStyle/>
+          <a:p>
+            <a:fld id="{01283FAC-A721-45A3-BBDE-EAF2B09B7CD9}" type="slidenum">
+              <a:rPr lang="en-US" smtClean="0"/>
+              <a:t>21</a:t>
+            </a:fld>
+            <a:endParaRPr lang="en-US"/>
+          </a:p>
+        </p:txBody>
+      </p:sp>
+    </p:spTree>
+    <p:extLst>
+      <p:ext uri="{BB962C8B-B14F-4D97-AF65-F5344CB8AC3E}">
+        <p14:creationId xmlns:p14="http://schemas.microsoft.com/office/powerpoint/2010/main" val="1958114858"/>
+      </p:ext>
+    </p:extLst>
+  </p:cSld>
+  <p:clrMapOvr>
+    <a:masterClrMapping/>
+  </p:clrMapOvr>
+</p:notes>
+</file>
+
+<file path=ppt/notesSlides/notesSlide22.xml><?xml version="1.0" encoding="utf-8"?>
+<p:notes xmlns:a="http://schemas.openxmlformats.org/drawingml/2006/main" xmlns:r="http://schemas.openxmlformats.org/officeDocument/2006/relationships" xmlns:p="http://schemas.openxmlformats.org/presentationml/2006/main">
+  <p:cSld>
+    <p:spTree>
+      <p:nvGrpSpPr>
+        <p:cNvPr id="1" name=""/>
+        <p:cNvGrpSpPr/>
+        <p:nvPr/>
+      </p:nvGrpSpPr>
+      <p:grpSpPr>
+        <a:xfrm>
+          <a:off x="0" y="0"/>
+          <a:ext cx="0" cy="0"/>
+          <a:chOff x="0" y="0"/>
+          <a:chExt cx="0" cy="0"/>
+        </a:xfrm>
+      </p:grpSpPr>
+      <p:sp>
+        <p:nvSpPr>
+          <p:cNvPr id="2" name="Slide Image Placeholder 1"/>
+          <p:cNvSpPr>
+            <a:spLocks noGrp="1" noRot="1" noChangeAspect="1"/>
+          </p:cNvSpPr>
+          <p:nvPr>
+            <p:ph type="sldImg"/>
+          </p:nvPr>
+        </p:nvSpPr>
+        <p:spPr/>
+      </p:sp>
+      <p:sp>
+        <p:nvSpPr>
+          <p:cNvPr id="3" name="Notes Placeholder 2"/>
+          <p:cNvSpPr>
+            <a:spLocks noGrp="1"/>
+          </p:cNvSpPr>
+          <p:nvPr>
+            <p:ph type="body" idx="1"/>
+          </p:nvPr>
+        </p:nvSpPr>
+        <p:spPr/>
+        <p:txBody>
+          <a:bodyPr/>
+          <a:lstStyle/>
+          <a:p>
+            <a:endParaRPr lang="en-US" dirty="0"/>
+          </a:p>
+        </p:txBody>
+      </p:sp>
+      <p:sp>
+        <p:nvSpPr>
+          <p:cNvPr id="4" name="Slide Number Placeholder 3"/>
+          <p:cNvSpPr>
+            <a:spLocks noGrp="1"/>
+          </p:cNvSpPr>
+          <p:nvPr>
+            <p:ph type="sldNum" sz="quarter" idx="10"/>
+          </p:nvPr>
+        </p:nvSpPr>
+        <p:spPr/>
+        <p:txBody>
+          <a:bodyPr/>
+          <a:lstStyle/>
+          <a:p>
+            <a:fld id="{01283FAC-A721-45A3-BBDE-EAF2B09B7CD9}" type="slidenum">
+              <a:rPr lang="en-US" smtClean="0"/>
+              <a:t>22</a:t>
+            </a:fld>
+            <a:endParaRPr lang="en-US"/>
+          </a:p>
+        </p:txBody>
+      </p:sp>
+    </p:spTree>
+    <p:extLst>
+      <p:ext uri="{BB962C8B-B14F-4D97-AF65-F5344CB8AC3E}">
+        <p14:creationId xmlns:p14="http://schemas.microsoft.com/office/powerpoint/2010/main" val="884463924"/>
+      </p:ext>
+    </p:extLst>
+  </p:cSld>
+  <p:clrMapOvr>
+    <a:masterClrMapping/>
+  </p:clrMapOvr>
+</p:notes>
+</file>
+
+<file path=ppt/notesSlides/notesSlide23.xml><?xml version="1.0" encoding="utf-8"?>
+<p:notes xmlns:a="http://schemas.openxmlformats.org/drawingml/2006/main" xmlns:r="http://schemas.openxmlformats.org/officeDocument/2006/relationships" xmlns:p="http://schemas.openxmlformats.org/presentationml/2006/main">
+  <p:cSld>
+    <p:spTree>
+      <p:nvGrpSpPr>
+        <p:cNvPr id="1" name=""/>
+        <p:cNvGrpSpPr/>
+        <p:nvPr/>
+      </p:nvGrpSpPr>
+      <p:grpSpPr>
+        <a:xfrm>
+          <a:off x="0" y="0"/>
+          <a:ext cx="0" cy="0"/>
+          <a:chOff x="0" y="0"/>
+          <a:chExt cx="0" cy="0"/>
+        </a:xfrm>
+      </p:grpSpPr>
+      <p:sp>
+        <p:nvSpPr>
+          <p:cNvPr id="2" name="Slide Image Placeholder 1"/>
+          <p:cNvSpPr>
+            <a:spLocks noGrp="1" noRot="1" noChangeAspect="1"/>
+          </p:cNvSpPr>
+          <p:nvPr>
+            <p:ph type="sldImg"/>
+          </p:nvPr>
+        </p:nvSpPr>
+        <p:spPr/>
+      </p:sp>
+      <p:sp>
+        <p:nvSpPr>
+          <p:cNvPr id="3" name="Notes Placeholder 2"/>
+          <p:cNvSpPr>
+            <a:spLocks noGrp="1"/>
+          </p:cNvSpPr>
+          <p:nvPr>
+            <p:ph type="body" idx="1"/>
+          </p:nvPr>
+        </p:nvSpPr>
+        <p:spPr/>
+        <p:txBody>
+          <a:bodyPr/>
+          <a:lstStyle/>
+          <a:p>
+            <a:endParaRPr lang="en-US" dirty="0"/>
+          </a:p>
+        </p:txBody>
+      </p:sp>
+      <p:sp>
+        <p:nvSpPr>
+          <p:cNvPr id="4" name="Slide Number Placeholder 3"/>
+          <p:cNvSpPr>
+            <a:spLocks noGrp="1"/>
+          </p:cNvSpPr>
+          <p:nvPr>
+            <p:ph type="sldNum" sz="quarter" idx="10"/>
+          </p:nvPr>
+        </p:nvSpPr>
+        <p:spPr/>
+        <p:txBody>
+          <a:bodyPr/>
+          <a:lstStyle/>
+          <a:p>
+            <a:fld id="{01283FAC-A721-45A3-BBDE-EAF2B09B7CD9}" type="slidenum">
+              <a:rPr lang="en-US" smtClean="0"/>
+              <a:t>23</a:t>
+            </a:fld>
+            <a:endParaRPr lang="en-US"/>
+          </a:p>
+        </p:txBody>
+      </p:sp>
+    </p:spTree>
+    <p:extLst>
+      <p:ext uri="{BB962C8B-B14F-4D97-AF65-F5344CB8AC3E}">
+        <p14:creationId xmlns:p14="http://schemas.microsoft.com/office/powerpoint/2010/main" val="548436160"/>
+      </p:ext>
+    </p:extLst>
+  </p:cSld>
+  <p:clrMapOvr>
+    <a:masterClrMapping/>
+  </p:clrMapOvr>
+</p:notes>
+</file>
+
+<file path=ppt/notesSlides/notesSlide24.xml><?xml version="1.0" encoding="utf-8"?>
+<p:notes xmlns:a="http://schemas.openxmlformats.org/drawingml/2006/main" xmlns:r="http://schemas.openxmlformats.org/officeDocument/2006/relationships" xmlns:p="http://schemas.openxmlformats.org/presentationml/2006/main">
+  <p:cSld>
+    <p:spTree>
+      <p:nvGrpSpPr>
+        <p:cNvPr id="1" name=""/>
+        <p:cNvGrpSpPr/>
+        <p:nvPr/>
+      </p:nvGrpSpPr>
+      <p:grpSpPr>
+        <a:xfrm>
+          <a:off x="0" y="0"/>
+          <a:ext cx="0" cy="0"/>
+          <a:chOff x="0" y="0"/>
+          <a:chExt cx="0" cy="0"/>
+        </a:xfrm>
+      </p:grpSpPr>
+      <p:sp>
+        <p:nvSpPr>
+          <p:cNvPr id="2" name="Slide Image Placeholder 1"/>
+          <p:cNvSpPr>
+            <a:spLocks noGrp="1" noRot="1" noChangeAspect="1"/>
+          </p:cNvSpPr>
+          <p:nvPr>
+            <p:ph type="sldImg"/>
+          </p:nvPr>
+        </p:nvSpPr>
+        <p:spPr/>
+      </p:sp>
+      <p:sp>
+        <p:nvSpPr>
+          <p:cNvPr id="3" name="Notes Placeholder 2"/>
+          <p:cNvSpPr>
+            <a:spLocks noGrp="1"/>
+          </p:cNvSpPr>
+          <p:nvPr>
+            <p:ph type="body" idx="1"/>
+          </p:nvPr>
+        </p:nvSpPr>
+        <p:spPr/>
+        <p:txBody>
+          <a:bodyPr/>
+          <a:lstStyle/>
+          <a:p>
+            <a:endParaRPr lang="en-US" dirty="0"/>
+          </a:p>
+        </p:txBody>
+      </p:sp>
+      <p:sp>
+        <p:nvSpPr>
+          <p:cNvPr id="4" name="Slide Number Placeholder 3"/>
+          <p:cNvSpPr>
+            <a:spLocks noGrp="1"/>
+          </p:cNvSpPr>
+          <p:nvPr>
+            <p:ph type="sldNum" sz="quarter" idx="10"/>
+          </p:nvPr>
+        </p:nvSpPr>
+        <p:spPr/>
+        <p:txBody>
+          <a:bodyPr/>
+          <a:lstStyle/>
+          <a:p>
+            <a:fld id="{01283FAC-A721-45A3-BBDE-EAF2B09B7CD9}" type="slidenum">
+              <a:rPr lang="en-US" smtClean="0"/>
+              <a:t>24</a:t>
+            </a:fld>
+            <a:endParaRPr lang="en-US"/>
+          </a:p>
+        </p:txBody>
+      </p:sp>
+    </p:spTree>
+    <p:extLst>
+      <p:ext uri="{BB962C8B-B14F-4D97-AF65-F5344CB8AC3E}">
+        <p14:creationId xmlns:p14="http://schemas.microsoft.com/office/powerpoint/2010/main" val="343114157"/>
+      </p:ext>
+    </p:extLst>
+  </p:cSld>
+  <p:clrMapOvr>
+    <a:masterClrMapping/>
+  </p:clrMapOvr>
+</p:notes>
+</file>
+
+<file path=ppt/notesSlides/notesSlide25.xml><?xml version="1.0" encoding="utf-8"?>
+<p:notes xmlns:a="http://schemas.openxmlformats.org/drawingml/2006/main" xmlns:r="http://schemas.openxmlformats.org/officeDocument/2006/relationships" xmlns:p="http://schemas.openxmlformats.org/presentationml/2006/main">
+  <p:cSld>
+    <p:spTree>
+      <p:nvGrpSpPr>
+        <p:cNvPr id="1" name=""/>
+        <p:cNvGrpSpPr/>
+        <p:nvPr/>
+      </p:nvGrpSpPr>
+      <p:grpSpPr>
+        <a:xfrm>
+          <a:off x="0" y="0"/>
+          <a:ext cx="0" cy="0"/>
+          <a:chOff x="0" y="0"/>
+          <a:chExt cx="0" cy="0"/>
+        </a:xfrm>
+      </p:grpSpPr>
+      <p:sp>
+        <p:nvSpPr>
+          <p:cNvPr id="2" name="Slide Image Placeholder 1"/>
+          <p:cNvSpPr>
+            <a:spLocks noGrp="1" noRot="1" noChangeAspect="1"/>
+          </p:cNvSpPr>
+          <p:nvPr>
+            <p:ph type="sldImg"/>
+          </p:nvPr>
+        </p:nvSpPr>
+        <p:spPr/>
+      </p:sp>
+      <p:sp>
+        <p:nvSpPr>
+          <p:cNvPr id="3" name="Notes Placeholder 2"/>
+          <p:cNvSpPr>
+            <a:spLocks noGrp="1"/>
+          </p:cNvSpPr>
+          <p:nvPr>
+            <p:ph type="body" idx="1"/>
+          </p:nvPr>
+        </p:nvSpPr>
+        <p:spPr/>
+        <p:txBody>
+          <a:bodyPr/>
+          <a:lstStyle/>
+          <a:p>
+            <a:endParaRPr lang="en-US" dirty="0"/>
+          </a:p>
+        </p:txBody>
+      </p:sp>
+      <p:sp>
+        <p:nvSpPr>
+          <p:cNvPr id="4" name="Slide Number Placeholder 3"/>
+          <p:cNvSpPr>
+            <a:spLocks noGrp="1"/>
+          </p:cNvSpPr>
+          <p:nvPr>
+            <p:ph type="sldNum" sz="quarter" idx="10"/>
+          </p:nvPr>
+        </p:nvSpPr>
+        <p:spPr/>
+        <p:txBody>
+          <a:bodyPr/>
+          <a:lstStyle/>
+          <a:p>
+            <a:fld id="{01283FAC-A721-45A3-BBDE-EAF2B09B7CD9}" type="slidenum">
+              <a:rPr lang="en-US" smtClean="0"/>
+              <a:t>25</a:t>
+            </a:fld>
+            <a:endParaRPr lang="en-US"/>
+          </a:p>
+        </p:txBody>
+      </p:sp>
+    </p:spTree>
+    <p:extLst>
+      <p:ext uri="{BB962C8B-B14F-4D97-AF65-F5344CB8AC3E}">
+        <p14:creationId xmlns:p14="http://schemas.microsoft.com/office/powerpoint/2010/main" val="627896474"/>
+      </p:ext>
+    </p:extLst>
+  </p:cSld>
+  <p:clrMapOvr>
+    <a:masterClrMapping/>
+  </p:clrMapOvr>
+</p:notes>
+</file>
+
+<file path=ppt/notesSlides/notesSlide26.xml><?xml version="1.0" encoding="utf-8"?>
+<p:notes xmlns:a="http://schemas.openxmlformats.org/drawingml/2006/main" xmlns:r="http://schemas.openxmlformats.org/officeDocument/2006/relationships" xmlns:p="http://schemas.openxmlformats.org/presentationml/2006/main">
+  <p:cSld>
+    <p:spTree>
+      <p:nvGrpSpPr>
+        <p:cNvPr id="1" name=""/>
+        <p:cNvGrpSpPr/>
+        <p:nvPr/>
+      </p:nvGrpSpPr>
+      <p:grpSpPr>
+        <a:xfrm>
+          <a:off x="0" y="0"/>
+          <a:ext cx="0" cy="0"/>
+          <a:chOff x="0" y="0"/>
+          <a:chExt cx="0" cy="0"/>
+        </a:xfrm>
+      </p:grpSpPr>
+      <p:sp>
+        <p:nvSpPr>
+          <p:cNvPr id="2" name="Slide Image Placeholder 1"/>
+          <p:cNvSpPr>
+            <a:spLocks noGrp="1" noRot="1" noChangeAspect="1"/>
+          </p:cNvSpPr>
+          <p:nvPr>
+            <p:ph type="sldImg"/>
+          </p:nvPr>
+        </p:nvSpPr>
+        <p:spPr/>
+      </p:sp>
+      <p:sp>
+        <p:nvSpPr>
+          <p:cNvPr id="3" name="Notes Placeholder 2"/>
+          <p:cNvSpPr>
+            <a:spLocks noGrp="1"/>
+          </p:cNvSpPr>
+          <p:nvPr>
+            <p:ph type="body" idx="1"/>
+          </p:nvPr>
+        </p:nvSpPr>
+        <p:spPr/>
+        <p:txBody>
+          <a:bodyPr/>
+          <a:lstStyle/>
+          <a:p>
+            <a:endParaRPr lang="en-US" dirty="0"/>
+          </a:p>
+        </p:txBody>
+      </p:sp>
+      <p:sp>
+        <p:nvSpPr>
+          <p:cNvPr id="4" name="Slide Number Placeholder 3"/>
+          <p:cNvSpPr>
+            <a:spLocks noGrp="1"/>
+          </p:cNvSpPr>
+          <p:nvPr>
+            <p:ph type="sldNum" sz="quarter" idx="10"/>
+          </p:nvPr>
+        </p:nvSpPr>
+        <p:spPr/>
+        <p:txBody>
+          <a:bodyPr/>
+          <a:lstStyle/>
+          <a:p>
+            <a:fld id="{01283FAC-A721-45A3-BBDE-EAF2B09B7CD9}" type="slidenum">
+              <a:rPr lang="en-US" smtClean="0"/>
+              <a:t>26</a:t>
+            </a:fld>
+            <a:endParaRPr lang="en-US"/>
+          </a:p>
+        </p:txBody>
+      </p:sp>
+    </p:spTree>
+    <p:extLst>
+      <p:ext uri="{BB962C8B-B14F-4D97-AF65-F5344CB8AC3E}">
+        <p14:creationId xmlns:p14="http://schemas.microsoft.com/office/powerpoint/2010/main" val="800695915"/>
+      </p:ext>
+    </p:extLst>
+  </p:cSld>
+  <p:clrMapOvr>
+    <a:masterClrMapping/>
+  </p:clrMapOvr>
+</p:notes>
+</file>
+
+<file path=ppt/notesSlides/notesSlide27.xml><?xml version="1.0" encoding="utf-8"?>
+<p:notes xmlns:a="http://schemas.openxmlformats.org/drawingml/2006/main" xmlns:r="http://schemas.openxmlformats.org/officeDocument/2006/relationships" xmlns:p="http://schemas.openxmlformats.org/presentationml/2006/main">
+  <p:cSld>
+    <p:spTree>
+      <p:nvGrpSpPr>
+        <p:cNvPr id="1" name=""/>
+        <p:cNvGrpSpPr/>
+        <p:nvPr/>
+      </p:nvGrpSpPr>
+      <p:grpSpPr>
+        <a:xfrm>
+          <a:off x="0" y="0"/>
+          <a:ext cx="0" cy="0"/>
+          <a:chOff x="0" y="0"/>
+          <a:chExt cx="0" cy="0"/>
+        </a:xfrm>
+      </p:grpSpPr>
+      <p:sp>
+        <p:nvSpPr>
+          <p:cNvPr id="2" name="Slide Image Placeholder 1"/>
+          <p:cNvSpPr>
+            <a:spLocks noGrp="1" noRot="1" noChangeAspect="1"/>
+          </p:cNvSpPr>
+          <p:nvPr>
+            <p:ph type="sldImg"/>
+          </p:nvPr>
+        </p:nvSpPr>
+        <p:spPr/>
+      </p:sp>
+      <p:sp>
+        <p:nvSpPr>
+          <p:cNvPr id="3" name="Notes Placeholder 2"/>
+          <p:cNvSpPr>
+            <a:spLocks noGrp="1"/>
+          </p:cNvSpPr>
+          <p:nvPr>
+            <p:ph type="body" idx="1"/>
+          </p:nvPr>
+        </p:nvSpPr>
+        <p:spPr/>
+        <p:txBody>
+          <a:bodyPr/>
+          <a:lstStyle/>
+          <a:p>
+            <a:endParaRPr lang="en-US" dirty="0"/>
+          </a:p>
+        </p:txBody>
+      </p:sp>
+      <p:sp>
+        <p:nvSpPr>
+          <p:cNvPr id="4" name="Slide Number Placeholder 3"/>
+          <p:cNvSpPr>
+            <a:spLocks noGrp="1"/>
+          </p:cNvSpPr>
+          <p:nvPr>
+            <p:ph type="sldNum" sz="quarter" idx="10"/>
+          </p:nvPr>
+        </p:nvSpPr>
+        <p:spPr/>
+        <p:txBody>
+          <a:bodyPr/>
+          <a:lstStyle/>
+          <a:p>
+            <a:fld id="{01283FAC-A721-45A3-BBDE-EAF2B09B7CD9}" type="slidenum">
+              <a:rPr lang="en-US" smtClean="0"/>
+              <a:t>27</a:t>
+            </a:fld>
+            <a:endParaRPr lang="en-US"/>
+          </a:p>
+        </p:txBody>
+      </p:sp>
+    </p:spTree>
+    <p:extLst>
+      <p:ext uri="{BB962C8B-B14F-4D97-AF65-F5344CB8AC3E}">
+        <p14:creationId xmlns:p14="http://schemas.microsoft.com/office/powerpoint/2010/main" val="1362296292"/>
+      </p:ext>
+    </p:extLst>
+  </p:cSld>
+  <p:clrMapOvr>
+    <a:masterClrMapping/>
+  </p:clrMapOvr>
+</p:notes>
+</file>
+
+<file path=ppt/notesSlides/notesSlide28.xml><?xml version="1.0" encoding="utf-8"?>
+<p:notes xmlns:a="http://schemas.openxmlformats.org/drawingml/2006/main" xmlns:r="http://schemas.openxmlformats.org/officeDocument/2006/relationships" xmlns:p="http://schemas.openxmlformats.org/presentationml/2006/main">
+  <p:cSld>
+    <p:spTree>
+      <p:nvGrpSpPr>
+        <p:cNvPr id="1" name=""/>
+        <p:cNvGrpSpPr/>
+        <p:nvPr/>
+      </p:nvGrpSpPr>
+      <p:grpSpPr>
+        <a:xfrm>
+          <a:off x="0" y="0"/>
+          <a:ext cx="0" cy="0"/>
+          <a:chOff x="0" y="0"/>
+          <a:chExt cx="0" cy="0"/>
+        </a:xfrm>
+      </p:grpSpPr>
+      <p:sp>
+        <p:nvSpPr>
+          <p:cNvPr id="2" name="Slide Image Placeholder 1"/>
+          <p:cNvSpPr>
+            <a:spLocks noGrp="1" noRot="1" noChangeAspect="1"/>
+          </p:cNvSpPr>
+          <p:nvPr>
+            <p:ph type="sldImg"/>
+          </p:nvPr>
+        </p:nvSpPr>
+        <p:spPr/>
+      </p:sp>
+      <p:sp>
+        <p:nvSpPr>
+          <p:cNvPr id="3" name="Notes Placeholder 2"/>
+          <p:cNvSpPr>
+            <a:spLocks noGrp="1"/>
+          </p:cNvSpPr>
+          <p:nvPr>
+            <p:ph type="body" idx="1"/>
+          </p:nvPr>
+        </p:nvSpPr>
+        <p:spPr/>
+        <p:txBody>
+          <a:bodyPr/>
+          <a:lstStyle/>
+          <a:p>
+            <a:endParaRPr lang="en-US" dirty="0"/>
+          </a:p>
+        </p:txBody>
+      </p:sp>
+      <p:sp>
+        <p:nvSpPr>
+          <p:cNvPr id="4" name="Slide Number Placeholder 3"/>
+          <p:cNvSpPr>
+            <a:spLocks noGrp="1"/>
+          </p:cNvSpPr>
+          <p:nvPr>
+            <p:ph type="sldNum" sz="quarter" idx="10"/>
+          </p:nvPr>
+        </p:nvSpPr>
+        <p:spPr/>
+        <p:txBody>
+          <a:bodyPr/>
+          <a:lstStyle/>
+          <a:p>
+            <a:fld id="{01283FAC-A721-45A3-BBDE-EAF2B09B7CD9}" type="slidenum">
+              <a:rPr lang="en-US" smtClean="0"/>
+              <a:t>28</a:t>
+            </a:fld>
+            <a:endParaRPr lang="en-US"/>
+          </a:p>
+        </p:txBody>
+      </p:sp>
+    </p:spTree>
+    <p:extLst>
+      <p:ext uri="{BB962C8B-B14F-4D97-AF65-F5344CB8AC3E}">
+        <p14:creationId xmlns:p14="http://schemas.microsoft.com/office/powerpoint/2010/main" val="97317381"/>
+      </p:ext>
+    </p:extLst>
+  </p:cSld>
+  <p:clrMapOvr>
+    <a:masterClrMapping/>
+  </p:clrMapOvr>
+</p:notes>
+</file>
+
+<file path=ppt/notesSlides/notesSlide29.xml><?xml version="1.0" encoding="utf-8"?>
+<p:notes xmlns:a="http://schemas.openxmlformats.org/drawingml/2006/main" xmlns:r="http://schemas.openxmlformats.org/officeDocument/2006/relationships" xmlns:p="http://schemas.openxmlformats.org/presentationml/2006/main">
+  <p:cSld>
+    <p:spTree>
+      <p:nvGrpSpPr>
+        <p:cNvPr id="1" name=""/>
+        <p:cNvGrpSpPr/>
+        <p:nvPr/>
+      </p:nvGrpSpPr>
+      <p:grpSpPr>
+        <a:xfrm>
+          <a:off x="0" y="0"/>
+          <a:ext cx="0" cy="0"/>
+          <a:chOff x="0" y="0"/>
+          <a:chExt cx="0" cy="0"/>
+        </a:xfrm>
+      </p:grpSpPr>
+      <p:sp>
+        <p:nvSpPr>
+          <p:cNvPr id="2" name="Slide Image Placeholder 1"/>
+          <p:cNvSpPr>
+            <a:spLocks noGrp="1" noRot="1" noChangeAspect="1"/>
+          </p:cNvSpPr>
+          <p:nvPr>
+            <p:ph type="sldImg"/>
+          </p:nvPr>
+        </p:nvSpPr>
+        <p:spPr/>
+      </p:sp>
+      <p:sp>
+        <p:nvSpPr>
+          <p:cNvPr id="3" name="Notes Placeholder 2"/>
+          <p:cNvSpPr>
+            <a:spLocks noGrp="1"/>
+          </p:cNvSpPr>
+          <p:nvPr>
+            <p:ph type="body" idx="1"/>
+          </p:nvPr>
+        </p:nvSpPr>
+        <p:spPr/>
+        <p:txBody>
+          <a:bodyPr/>
+          <a:lstStyle/>
+          <a:p>
+            <a:endParaRPr lang="en-US" dirty="0"/>
+          </a:p>
+        </p:txBody>
+      </p:sp>
+      <p:sp>
+        <p:nvSpPr>
+          <p:cNvPr id="4" name="Slide Number Placeholder 3"/>
+          <p:cNvSpPr>
+            <a:spLocks noGrp="1"/>
+          </p:cNvSpPr>
+          <p:nvPr>
+            <p:ph type="sldNum" sz="quarter" idx="10"/>
+          </p:nvPr>
+        </p:nvSpPr>
+        <p:spPr/>
+        <p:txBody>
+          <a:bodyPr/>
+          <a:lstStyle/>
+          <a:p>
+            <a:fld id="{01283FAC-A721-45A3-BBDE-EAF2B09B7CD9}" type="slidenum">
+              <a:rPr lang="en-US" smtClean="0"/>
+              <a:t>29</a:t>
+            </a:fld>
+            <a:endParaRPr lang="en-US"/>
+          </a:p>
+        </p:txBody>
+      </p:sp>
+    </p:spTree>
+    <p:extLst>
+      <p:ext uri="{BB962C8B-B14F-4D97-AF65-F5344CB8AC3E}">
+        <p14:creationId xmlns:p14="http://schemas.microsoft.com/office/powerpoint/2010/main" val="398173415"/>
       </p:ext>
     </p:extLst>
   </p:cSld>
@@ -1397,7 +2533,138 @@
     </p:spTree>
     <p:extLst>
       <p:ext uri="{BB962C8B-B14F-4D97-AF65-F5344CB8AC3E}">
-        <p14:creationId xmlns:p14="http://schemas.microsoft.com/office/powerpoint/2010/main" val="230774264"/>
+        <p14:creationId xmlns:p14="http://schemas.microsoft.com/office/powerpoint/2010/main" val="551930135"/>
+      </p:ext>
+    </p:extLst>
+  </p:cSld>
+  <p:clrMapOvr>
+    <a:masterClrMapping/>
+  </p:clrMapOvr>
+</p:notes>
+</file>
+
+<file path=ppt/notesSlides/notesSlide30.xml><?xml version="1.0" encoding="utf-8"?>
+<p:notes xmlns:a="http://schemas.openxmlformats.org/drawingml/2006/main" xmlns:r="http://schemas.openxmlformats.org/officeDocument/2006/relationships" xmlns:p="http://schemas.openxmlformats.org/presentationml/2006/main">
+  <p:cSld>
+    <p:spTree>
+      <p:nvGrpSpPr>
+        <p:cNvPr id="1" name=""/>
+        <p:cNvGrpSpPr/>
+        <p:nvPr/>
+      </p:nvGrpSpPr>
+      <p:grpSpPr>
+        <a:xfrm>
+          <a:off x="0" y="0"/>
+          <a:ext cx="0" cy="0"/>
+          <a:chOff x="0" y="0"/>
+          <a:chExt cx="0" cy="0"/>
+        </a:xfrm>
+      </p:grpSpPr>
+      <p:sp>
+        <p:nvSpPr>
+          <p:cNvPr id="2" name="Slide Image Placeholder 1"/>
+          <p:cNvSpPr>
+            <a:spLocks noGrp="1" noRot="1" noChangeAspect="1"/>
+          </p:cNvSpPr>
+          <p:nvPr>
+            <p:ph type="sldImg"/>
+          </p:nvPr>
+        </p:nvSpPr>
+        <p:spPr/>
+      </p:sp>
+      <p:sp>
+        <p:nvSpPr>
+          <p:cNvPr id="3" name="Notes Placeholder 2"/>
+          <p:cNvSpPr>
+            <a:spLocks noGrp="1"/>
+          </p:cNvSpPr>
+          <p:nvPr>
+            <p:ph type="body" idx="1"/>
+          </p:nvPr>
+        </p:nvSpPr>
+        <p:spPr/>
+        <p:txBody>
+          <a:bodyPr/>
+          <a:lstStyle/>
+          <a:p>
+            <a:endParaRPr lang="en-US" dirty="0"/>
+          </a:p>
+        </p:txBody>
+      </p:sp>
+      <p:sp>
+        <p:nvSpPr>
+          <p:cNvPr id="4" name="Header Placeholder 3"/>
+          <p:cNvSpPr>
+            <a:spLocks noGrp="1"/>
+          </p:cNvSpPr>
+          <p:nvPr>
+            <p:ph type="hdr" sz="quarter" idx="10"/>
+          </p:nvPr>
+        </p:nvSpPr>
+        <p:spPr/>
+        <p:txBody>
+          <a:bodyPr/>
+          <a:lstStyle/>
+          <a:p>
+            <a:r>
+              <a:rPr lang="en-US"/>
+              <a:t>WintellectNOW</a:t>
+            </a:r>
+            <a:endParaRPr lang="en-US" dirty="0"/>
+          </a:p>
+        </p:txBody>
+      </p:sp>
+      <p:sp>
+        <p:nvSpPr>
+          <p:cNvPr id="5" name="Date Placeholder 4"/>
+          <p:cNvSpPr>
+            <a:spLocks noGrp="1"/>
+          </p:cNvSpPr>
+          <p:nvPr>
+            <p:ph type="dt" idx="11"/>
+          </p:nvPr>
+        </p:nvSpPr>
+        <p:spPr/>
+        <p:txBody>
+          <a:bodyPr/>
+          <a:lstStyle/>
+          <a:p>
+            <a:fld id="{38EEC551-8CDA-4EB6-89BB-2A86C9F091C8}" type="datetime8">
+              <a:rPr lang="en-US" smtClean="0"/>
+              <a:t>3/31/2017 7:49 AM</a:t>
+            </a:fld>
+            <a:endParaRPr lang="en-US" dirty="0"/>
+          </a:p>
+        </p:txBody>
+      </p:sp>
+      <p:sp>
+        <p:nvSpPr>
+          <p:cNvPr id="6" name="Slide Number Placeholder 5"/>
+          <p:cNvSpPr>
+            <a:spLocks noGrp="1"/>
+          </p:cNvSpPr>
+          <p:nvPr>
+            <p:ph type="sldNum" sz="quarter" idx="12"/>
+          </p:nvPr>
+        </p:nvSpPr>
+        <p:spPr/>
+        <p:txBody>
+          <a:bodyPr/>
+          <a:lstStyle/>
+          <a:p>
+            <a:fld id="{B4008EB6-D09E-4580-8CD6-DDB14511944F}" type="slidenum">
+              <a:rPr lang="en-US" smtClean="0"/>
+              <a:pPr/>
+              <a:t>32</a:t>
+            </a:fld>
+            <a:endParaRPr lang="en-US" dirty="0"/>
+          </a:p>
+        </p:txBody>
+      </p:sp>
+    </p:spTree>
+    <p:extLst>
+      <p:ext uri="{BB962C8B-B14F-4D97-AF65-F5344CB8AC3E}">
+        <p14:creationId xmlns:p14="http://schemas.microsoft.com/office/powerpoint/2010/main" val="1316491907"/>
       </p:ext>
     </p:extLst>
   </p:cSld>
@@ -1481,7 +2748,7 @@
     </p:spTree>
     <p:extLst>
       <p:ext uri="{BB962C8B-B14F-4D97-AF65-F5344CB8AC3E}">
-        <p14:creationId xmlns:p14="http://schemas.microsoft.com/office/powerpoint/2010/main" val="551930135"/>
+        <p14:creationId xmlns:p14="http://schemas.microsoft.com/office/powerpoint/2010/main" val="987494059"/>
       </p:ext>
     </p:extLst>
   </p:cSld>
@@ -1565,7 +2832,7 @@
     </p:spTree>
     <p:extLst>
       <p:ext uri="{BB962C8B-B14F-4D97-AF65-F5344CB8AC3E}">
-        <p14:creationId xmlns:p14="http://schemas.microsoft.com/office/powerpoint/2010/main" val="987494059"/>
+        <p14:creationId xmlns:p14="http://schemas.microsoft.com/office/powerpoint/2010/main" val="698742443"/>
       </p:ext>
     </p:extLst>
   </p:cSld>
@@ -1649,7 +2916,7 @@
     </p:spTree>
     <p:extLst>
       <p:ext uri="{BB962C8B-B14F-4D97-AF65-F5344CB8AC3E}">
-        <p14:creationId xmlns:p14="http://schemas.microsoft.com/office/powerpoint/2010/main" val="698742443"/>
+        <p14:creationId xmlns:p14="http://schemas.microsoft.com/office/powerpoint/2010/main" val="172783347"/>
       </p:ext>
     </p:extLst>
   </p:cSld>
@@ -1733,7 +3000,7 @@
     </p:spTree>
     <p:extLst>
       <p:ext uri="{BB962C8B-B14F-4D97-AF65-F5344CB8AC3E}">
-        <p14:creationId xmlns:p14="http://schemas.microsoft.com/office/powerpoint/2010/main" val="172783347"/>
+        <p14:creationId xmlns:p14="http://schemas.microsoft.com/office/powerpoint/2010/main" val="242996097"/>
       </p:ext>
     </p:extLst>
   </p:cSld>
@@ -1817,7 +3084,7 @@
     </p:spTree>
     <p:extLst>
       <p:ext uri="{BB962C8B-B14F-4D97-AF65-F5344CB8AC3E}">
-        <p14:creationId xmlns:p14="http://schemas.microsoft.com/office/powerpoint/2010/main" val="242996097"/>
+        <p14:creationId xmlns:p14="http://schemas.microsoft.com/office/powerpoint/2010/main" val="579654181"/>
       </p:ext>
     </p:extLst>
   </p:cSld>
@@ -1901,7 +3168,7 @@
     </p:spTree>
     <p:extLst>
       <p:ext uri="{BB962C8B-B14F-4D97-AF65-F5344CB8AC3E}">
-        <p14:creationId xmlns:p14="http://schemas.microsoft.com/office/powerpoint/2010/main" val="579654181"/>
+        <p14:creationId xmlns:p14="http://schemas.microsoft.com/office/powerpoint/2010/main" val="1193889925"/>
       </p:ext>
     </p:extLst>
   </p:cSld>
@@ -2058,7 +3325,7 @@
           <a:p>
             <a:fld id="{0459C166-16D3-4A25-A2F8-C51E0E346B22}" type="datetimeFigureOut">
               <a:rPr lang="en-US" smtClean="0"/>
-              <a:t>3/23/2017</a:t>
+              <a:t>3/31/2017</a:t>
             </a:fld>
             <a:endParaRPr lang="en-US"/>
           </a:p>
@@ -2153,7 +3420,7 @@
           <a:p>
             <a:fld id="{0459C166-16D3-4A25-A2F8-C51E0E346B22}" type="datetimeFigureOut">
               <a:rPr lang="en-US" smtClean="0"/>
-              <a:t>3/23/2017</a:t>
+              <a:t>3/31/2017</a:t>
             </a:fld>
             <a:endParaRPr lang="en-US"/>
           </a:p>
@@ -2428,7 +3695,7 @@
           <a:p>
             <a:fld id="{0459C166-16D3-4A25-A2F8-C51E0E346B22}" type="datetimeFigureOut">
               <a:rPr lang="en-US" smtClean="0"/>
-              <a:t>3/23/2017</a:t>
+              <a:t>3/31/2017</a:t>
             </a:fld>
             <a:endParaRPr lang="en-US"/>
           </a:p>
@@ -2680,7 +3947,7 @@
           <a:p>
             <a:fld id="{0459C166-16D3-4A25-A2F8-C51E0E346B22}" type="datetimeFigureOut">
               <a:rPr lang="en-US" smtClean="0"/>
-              <a:t>3/23/2017</a:t>
+              <a:t>3/31/2017</a:t>
             </a:fld>
             <a:endParaRPr lang="en-US"/>
           </a:p>
@@ -2848,7 +4115,7 @@
           <a:p>
             <a:fld id="{0459C166-16D3-4A25-A2F8-C51E0E346B22}" type="datetimeFigureOut">
               <a:rPr lang="en-US" smtClean="0"/>
-              <a:t>3/23/2017</a:t>
+              <a:t>3/31/2017</a:t>
             </a:fld>
             <a:endParaRPr lang="en-US"/>
           </a:p>
@@ -3026,7 +4293,7 @@
           <a:p>
             <a:fld id="{0459C166-16D3-4A25-A2F8-C51E0E346B22}" type="datetimeFigureOut">
               <a:rPr lang="en-US" smtClean="0"/>
-              <a:t>3/23/2017</a:t>
+              <a:t>3/31/2017</a:t>
             </a:fld>
             <a:endParaRPr lang="en-US"/>
           </a:p>
@@ -4953,7 +6220,7 @@
           <a:p>
             <a:fld id="{0459C166-16D3-4A25-A2F8-C51E0E346B22}" type="datetimeFigureOut">
               <a:rPr lang="en-US" smtClean="0"/>
-              <a:t>3/23/2017</a:t>
+              <a:t>3/31/2017</a:t>
             </a:fld>
             <a:endParaRPr lang="en-US"/>
           </a:p>
@@ -10580,7 +11847,7 @@
             <a:fld id="{0459C166-16D3-4A25-A2F8-C51E0E346B22}" type="datetimeFigureOut">
               <a:rPr lang="en-US" smtClean="0"/>
               <a:pPr/>
-              <a:t>3/23/2017</a:t>
+              <a:t>3/31/2017</a:t>
             </a:fld>
             <a:endParaRPr lang="en-US"/>
           </a:p>
@@ -14642,7 +15909,7 @@
           <a:p>
             <a:fld id="{0459C166-16D3-4A25-A2F8-C51E0E346B22}" type="datetimeFigureOut">
               <a:rPr lang="en-US" smtClean="0"/>
-              <a:t>3/23/2017</a:t>
+              <a:t>3/31/2017</a:t>
             </a:fld>
             <a:endParaRPr lang="en-US"/>
           </a:p>
@@ -15006,7 +16273,7 @@
           <a:p>
             <a:fld id="{0459C166-16D3-4A25-A2F8-C51E0E346B22}" type="datetimeFigureOut">
               <a:rPr lang="en-US" smtClean="0"/>
-              <a:t>3/23/2017</a:t>
+              <a:t>3/31/2017</a:t>
             </a:fld>
             <a:endParaRPr lang="en-US"/>
           </a:p>
@@ -15123,7 +16390,7 @@
           <a:p>
             <a:fld id="{0459C166-16D3-4A25-A2F8-C51E0E346B22}" type="datetimeFigureOut">
               <a:rPr lang="en-US" smtClean="0"/>
-              <a:t>3/23/2017</a:t>
+              <a:t>3/31/2017</a:t>
             </a:fld>
             <a:endParaRPr lang="en-US"/>
           </a:p>
@@ -15334,7 +16601,7 @@
           <a:p>
             <a:fld id="{0459C166-16D3-4A25-A2F8-C51E0E346B22}" type="datetimeFigureOut">
               <a:rPr lang="en-US" smtClean="0"/>
-              <a:t>3/23/2017</a:t>
+              <a:t>3/31/2017</a:t>
             </a:fld>
             <a:endParaRPr lang="en-US"/>
           </a:p>
@@ -16625,7 +17892,18 @@
           <a:p>
             <a:r>
               <a:rPr lang="en-US" dirty="0" smtClean="0"/>
-              <a:t>Introduction to React</a:t>
+              <a:t>Introduction </a:t>
+            </a:r>
+            <a:r>
+              <a:rPr lang="en-US" dirty="0" smtClean="0"/>
+              <a:t>to</a:t>
+            </a:r>
+            <a:br>
+              <a:rPr lang="en-US" dirty="0" smtClean="0"/>
+            </a:br>
+            <a:r>
+              <a:rPr lang="en-US" dirty="0" smtClean="0"/>
+              <a:t>React and Redux</a:t>
             </a:r>
             <a:endParaRPr lang="en-US" dirty="0"/>
           </a:p>
@@ -16753,42 +18031,45 @@
           <a:lstStyle/>
           <a:p>
             <a:r>
-              <a:rPr lang="en-US" dirty="0"/>
-              <a:t>Originally, JavaScript did not support the usual structures for building large applications such as namespaces or modules</a:t>
-            </a:r>
-          </a:p>
-          <a:p>
-            <a:r>
-              <a:rPr lang="en-US" dirty="0"/>
-              <a:t>Over the course of time, several patterns emerged for organizing applications into modules: AMD (asynchronous module definition) and CommonJS</a:t>
-            </a:r>
-          </a:p>
-          <a:p>
-            <a:r>
-              <a:rPr lang="en-US" dirty="0"/>
-              <a:t>Most developers know of AMD through one of its popular implementations </a:t>
-            </a:r>
-            <a:r>
-              <a:rPr lang="en-US" dirty="0" err="1"/>
-              <a:t>Require.js</a:t>
-            </a:r>
-            <a:r>
-              <a:rPr lang="en-US" dirty="0"/>
-              <a:t>; and CommonJS is used by Node.js</a:t>
-            </a:r>
-          </a:p>
-          <a:p>
-            <a:r>
-              <a:rPr lang="en-US" dirty="0"/>
-              <a:t>While both module systems are still used today, the JavaScript specification (ES2015) now has support for modules which will be referred to as ES2015 Modules</a:t>
-            </a:r>
+              <a:rPr lang="en-US" dirty="0" smtClean="0"/>
+              <a:t>Through the use of Babel and Webpack 2, ES2015 Modules are available to developers</a:t>
+            </a:r>
+          </a:p>
+          <a:p>
+            <a:r>
+              <a:rPr lang="en-US" dirty="0" smtClean="0"/>
+              <a:t>When React is installed in the application via NPM, it can be easily imported using the </a:t>
+            </a:r>
+            <a:r>
+              <a:rPr lang="en-US" b="1" dirty="0" smtClean="0"/>
+              <a:t>import</a:t>
+            </a:r>
+            <a:r>
+              <a:rPr lang="en-US" dirty="0" smtClean="0"/>
+              <a:t> syntax of ES2015 modules</a:t>
+            </a:r>
+          </a:p>
+          <a:p>
+            <a:r>
+              <a:rPr lang="en-US" dirty="0" smtClean="0"/>
+              <a:t>An application grows with numerous component and other classes, each class receives its own file, and can be imported by other files if the class is marked with the </a:t>
+            </a:r>
+            <a:r>
+              <a:rPr lang="en-US" b="1" dirty="0" smtClean="0"/>
+              <a:t>export</a:t>
+            </a:r>
+            <a:r>
+              <a:rPr lang="en-US" dirty="0" smtClean="0"/>
+              <a:t> keyword</a:t>
+            </a:r>
+            <a:endParaRPr lang="en-US" dirty="0"/>
           </a:p>
         </p:txBody>
       </p:sp>
     </p:spTree>
     <p:extLst>
       <p:ext uri="{BB962C8B-B14F-4D97-AF65-F5344CB8AC3E}">
-        <p14:creationId xmlns:p14="http://schemas.microsoft.com/office/powerpoint/2010/main" val="1596085686"/>
+        <p14:creationId xmlns:p14="http://schemas.microsoft.com/office/powerpoint/2010/main" val="966724217"/>
       </p:ext>
     </p:extLst>
   </p:cSld>
@@ -16832,7 +18113,7 @@
           <a:p>
             <a:r>
               <a:rPr lang="en-US" dirty="0" smtClean="0"/>
-              <a:t>ES2015 Modules</a:t>
+              <a:t>Fetch API</a:t>
             </a:r>
             <a:endParaRPr lang="en-US" dirty="0"/>
           </a:p>
@@ -16856,41 +18137,49 @@
         </p:spPr>
         <p:txBody>
           <a:bodyPr>
-            <a:normAutofit/>
+            <a:normAutofit lnSpcReduction="10000"/>
           </a:bodyPr>
           <a:lstStyle/>
           <a:p>
             <a:r>
+              <a:rPr lang="en-US" dirty="0"/>
+              <a:t>To retrieve data from REST services, the fetch API will be used</a:t>
+            </a:r>
+          </a:p>
+          <a:p>
+            <a:r>
+              <a:rPr lang="en-US" dirty="0"/>
+              <a:t>The fetch API is a replacement for the </a:t>
+            </a:r>
+            <a:r>
+              <a:rPr lang="en-US" dirty="0" err="1"/>
+              <a:t>XMLHttpRequest</a:t>
+            </a:r>
+            <a:r>
+              <a:rPr lang="en-US" dirty="0"/>
+              <a:t> (XHR) object</a:t>
+            </a:r>
+          </a:p>
+          <a:p>
+            <a:r>
+              <a:rPr lang="en-US" dirty="0"/>
+              <a:t>The fetch API makes no assumptions about the data transfer format</a:t>
+            </a:r>
+          </a:p>
+          <a:p>
+            <a:r>
+              <a:rPr lang="en-US" dirty="0"/>
+              <a:t>The fetch API is not an official standard yet, but it is supported by many modern browsers, and a polyfill is loaded in our project to make the API available in older </a:t>
+            </a:r>
+            <a:r>
               <a:rPr lang="en-US" dirty="0" smtClean="0"/>
-              <a:t>Through the use of Babel and Webpack 2, ES2015 Modules are available to developers</a:t>
+              <a:t>browsers</a:t>
             </a:r>
           </a:p>
           <a:p>
             <a:r>
               <a:rPr lang="en-US" dirty="0" smtClean="0"/>
-              <a:t>When React is installed in the application via NPM, it can be easily imported using the </a:t>
-            </a:r>
-            <a:r>
-              <a:rPr lang="en-US" b="1" dirty="0" smtClean="0"/>
-              <a:t>import</a:t>
-            </a:r>
-            <a:r>
-              <a:rPr lang="en-US" dirty="0" smtClean="0"/>
-              <a:t> syntax of ES2015 modules</a:t>
-            </a:r>
-          </a:p>
-          <a:p>
-            <a:r>
-              <a:rPr lang="en-US" dirty="0" smtClean="0"/>
-              <a:t>An application grows with numerous component and other classes, each class receives its own file, and can be imported by other files if the class is marked with the </a:t>
-            </a:r>
-            <a:r>
-              <a:rPr lang="en-US" b="1" dirty="0" smtClean="0"/>
-              <a:t>export</a:t>
-            </a:r>
-            <a:r>
-              <a:rPr lang="en-US" dirty="0" smtClean="0"/>
-              <a:t> keyword</a:t>
+              <a:t>The Webpack 2 configuration for the lab project makes a fetch polyfill available for browsers which do not support it natively</a:t>
             </a:r>
             <a:endParaRPr lang="en-US" dirty="0"/>
           </a:p>
@@ -16899,7 +18188,7 @@
     </p:spTree>
     <p:extLst>
       <p:ext uri="{BB962C8B-B14F-4D97-AF65-F5344CB8AC3E}">
-        <p14:creationId xmlns:p14="http://schemas.microsoft.com/office/powerpoint/2010/main" val="966724217"/>
+        <p14:creationId xmlns:p14="http://schemas.microsoft.com/office/powerpoint/2010/main" val="974282346"/>
       </p:ext>
     </p:extLst>
   </p:cSld>
@@ -16943,7 +18232,7 @@
           <a:p>
             <a:r>
               <a:rPr lang="en-US" dirty="0" smtClean="0"/>
-              <a:t>Fetch API</a:t>
+              <a:t>React Component Data</a:t>
             </a:r>
             <a:endParaRPr lang="en-US" dirty="0"/>
           </a:p>
@@ -16967,49 +18256,41 @@
         </p:spPr>
         <p:txBody>
           <a:bodyPr>
-            <a:normAutofit lnSpcReduction="10000"/>
+            <a:normAutofit/>
           </a:bodyPr>
           <a:lstStyle/>
           <a:p>
             <a:r>
+              <a:rPr lang="en-US" dirty="0" smtClean="0"/>
+              <a:t>React Component data is one of the most important aspects of working with React</a:t>
+            </a:r>
+          </a:p>
+          <a:p>
+            <a:r>
+              <a:rPr lang="en-US" dirty="0" smtClean="0"/>
+              <a:t>Components </a:t>
+            </a:r>
+            <a:r>
               <a:rPr lang="en-US" dirty="0"/>
-              <a:t>To retrieve data from REST services, the fetch API will be used</a:t>
+              <a:t>utilize three kinds of data: props, state and context</a:t>
             </a:r>
           </a:p>
           <a:p>
             <a:r>
               <a:rPr lang="en-US" dirty="0"/>
-              <a:t>The fetch API is a replacement for the </a:t>
-            </a:r>
-            <a:r>
-              <a:rPr lang="en-US" dirty="0" err="1"/>
-              <a:t>XMLHttpRequest</a:t>
+              <a:t>Props, state and </a:t>
+            </a:r>
+            <a:r>
+              <a:rPr lang="en-US" dirty="0" smtClean="0"/>
+              <a:t>context </a:t>
             </a:r>
             <a:r>
               <a:rPr lang="en-US" dirty="0"/>
-              <a:t> (XHR) object</a:t>
-            </a:r>
-          </a:p>
-          <a:p>
-            <a:r>
-              <a:rPr lang="en-US" dirty="0"/>
-              <a:t>The fetch API makes no assumptions about the data transfer format</a:t>
-            </a:r>
-          </a:p>
-          <a:p>
-            <a:r>
-              <a:rPr lang="en-US" dirty="0"/>
-              <a:t>The fetch API is not an official standard yet, but it is supported by many modern browsers, and a polyfill is loaded in our project to make the API available in older </a:t>
+              <a:t>indicate the relationship of the component to a particular </a:t>
             </a:r>
             <a:r>
               <a:rPr lang="en-US" dirty="0" smtClean="0"/>
-              <a:t>browsers</a:t>
-            </a:r>
-          </a:p>
-          <a:p>
-            <a:r>
-              <a:rPr lang="en-US" dirty="0" smtClean="0"/>
-              <a:t>The Webpack 2 configuration for the lab project makes a fetch polyfill available for browsers which do not support it natively</a:t>
+              <a:t>data</a:t>
             </a:r>
             <a:endParaRPr lang="en-US" dirty="0"/>
           </a:p>
@@ -17018,7 +18299,7 @@
     </p:spTree>
     <p:extLst>
       <p:ext uri="{BB962C8B-B14F-4D97-AF65-F5344CB8AC3E}">
-        <p14:creationId xmlns:p14="http://schemas.microsoft.com/office/powerpoint/2010/main" val="974282346"/>
+        <p14:creationId xmlns:p14="http://schemas.microsoft.com/office/powerpoint/2010/main" val="1616398199"/>
       </p:ext>
     </p:extLst>
   </p:cSld>
@@ -17080,117 +18361,6 @@
         </p:nvSpPr>
         <p:spPr>
           <a:xfrm>
-            <a:off x="838200" y="1825625"/>
-            <a:ext cx="10515600" cy="4351338"/>
-          </a:xfrm>
-        </p:spPr>
-        <p:txBody>
-          <a:bodyPr>
-            <a:normAutofit/>
-          </a:bodyPr>
-          <a:lstStyle/>
-          <a:p>
-            <a:r>
-              <a:rPr lang="en-US" dirty="0" smtClean="0"/>
-              <a:t>React Component data is one of the most important aspects of working with React</a:t>
-            </a:r>
-          </a:p>
-          <a:p>
-            <a:r>
-              <a:rPr lang="en-US" dirty="0" smtClean="0"/>
-              <a:t>Components </a:t>
-            </a:r>
-            <a:r>
-              <a:rPr lang="en-US" dirty="0"/>
-              <a:t>utilize three kinds of data: props, state and context</a:t>
-            </a:r>
-          </a:p>
-          <a:p>
-            <a:r>
-              <a:rPr lang="en-US" dirty="0"/>
-              <a:t>Props, state and </a:t>
-            </a:r>
-            <a:r>
-              <a:rPr lang="en-US" dirty="0" smtClean="0"/>
-              <a:t>context </a:t>
-            </a:r>
-            <a:r>
-              <a:rPr lang="en-US" dirty="0"/>
-              <a:t>indicate the relationship of the component to a particular </a:t>
-            </a:r>
-            <a:r>
-              <a:rPr lang="en-US" dirty="0" smtClean="0"/>
-              <a:t>data</a:t>
-            </a:r>
-            <a:endParaRPr lang="en-US" dirty="0"/>
-          </a:p>
-        </p:txBody>
-      </p:sp>
-    </p:spTree>
-    <p:extLst>
-      <p:ext uri="{BB962C8B-B14F-4D97-AF65-F5344CB8AC3E}">
-        <p14:creationId xmlns:p14="http://schemas.microsoft.com/office/powerpoint/2010/main" val="1616398199"/>
-      </p:ext>
-    </p:extLst>
-  </p:cSld>
-  <p:clrMapOvr>
-    <a:masterClrMapping/>
-  </p:clrMapOvr>
-</p:sld>
-</file>
-
-<file path=ppt/slides/slide14.xml><?xml version="1.0" encoding="utf-8"?>
-<p:sld xmlns:a="http://schemas.openxmlformats.org/drawingml/2006/main" xmlns:r="http://schemas.openxmlformats.org/officeDocument/2006/relationships" xmlns:p="http://schemas.openxmlformats.org/presentationml/2006/main">
-  <p:cSld>
-    <p:spTree>
-      <p:nvGrpSpPr>
-        <p:cNvPr id="1" name=""/>
-        <p:cNvGrpSpPr/>
-        <p:nvPr/>
-      </p:nvGrpSpPr>
-      <p:grpSpPr>
-        <a:xfrm>
-          <a:off x="0" y="0"/>
-          <a:ext cx="0" cy="0"/>
-          <a:chOff x="0" y="0"/>
-          <a:chExt cx="0" cy="0"/>
-        </a:xfrm>
-      </p:grpSpPr>
-      <p:sp>
-        <p:nvSpPr>
-          <p:cNvPr id="2" name="Title 1"/>
-          <p:cNvSpPr>
-            <a:spLocks noGrp="1"/>
-          </p:cNvSpPr>
-          <p:nvPr>
-            <p:ph type="title"/>
-          </p:nvPr>
-        </p:nvSpPr>
-        <p:spPr/>
-        <p:txBody>
-          <a:bodyPr/>
-          <a:lstStyle/>
-          <a:p>
-            <a:r>
-              <a:rPr lang="en-US" dirty="0" smtClean="0"/>
-              <a:t>React Component Data</a:t>
-            </a:r>
-            <a:endParaRPr lang="en-US" dirty="0"/>
-          </a:p>
-        </p:txBody>
-      </p:sp>
-      <p:sp>
-        <p:nvSpPr>
-          <p:cNvPr id="3" name="Content Placeholder 2"/>
-          <p:cNvSpPr>
-            <a:spLocks noGrp="1"/>
-          </p:cNvSpPr>
-          <p:nvPr>
-            <p:ph idx="1"/>
-          </p:nvPr>
-        </p:nvSpPr>
-        <p:spPr>
-          <a:xfrm>
             <a:off x="838200" y="1690688"/>
             <a:ext cx="10515600" cy="4351338"/>
           </a:xfrm>
@@ -17252,7 +18422,7 @@
 </p:sld>
 </file>
 
-<file path=ppt/slides/slide15.xml><?xml version="1.0" encoding="utf-8"?>
+<file path=ppt/slides/slide14.xml><?xml version="1.0" encoding="utf-8"?>
 <p:sld xmlns:a="http://schemas.openxmlformats.org/drawingml/2006/main" xmlns:r="http://schemas.openxmlformats.org/officeDocument/2006/relationships" xmlns:p="http://schemas.openxmlformats.org/presentationml/2006/main">
   <p:cSld>
     <p:spTree>
@@ -18725,7 +19895,7 @@
 </p:sld>
 </file>
 
-<file path=ppt/slides/slide16.xml><?xml version="1.0" encoding="utf-8"?>
+<file path=ppt/slides/slide15.xml><?xml version="1.0" encoding="utf-8"?>
 <p:sld xmlns:a="http://schemas.openxmlformats.org/drawingml/2006/main" xmlns:r="http://schemas.openxmlformats.org/officeDocument/2006/relationships" xmlns:p="http://schemas.openxmlformats.org/presentationml/2006/main">
   <p:cSld>
     <p:spTree>
@@ -18818,59 +19988,14 @@
             </a:r>
             <a:r>
               <a:rPr lang="en-US" dirty="0" smtClean="0"/>
-              <a:t>arent </a:t>
-            </a:r>
+              <a:t>arent passes data to child component via props; data is immutable to child</a:t>
+            </a:r>
+          </a:p>
+          <a:p>
+            <a:pPr lvl="1"/>
             <a:r>
               <a:rPr lang="en-US" dirty="0" smtClean="0"/>
-              <a:t>passes data </a:t>
-            </a:r>
-            <a:r>
-              <a:rPr lang="en-US" dirty="0" smtClean="0"/>
-              <a:t>to child </a:t>
-            </a:r>
-            <a:r>
-              <a:rPr lang="en-US" dirty="0" smtClean="0"/>
-              <a:t>component via </a:t>
-            </a:r>
-            <a:r>
-              <a:rPr lang="en-US" dirty="0" smtClean="0"/>
-              <a:t>props; data </a:t>
-            </a:r>
-            <a:r>
-              <a:rPr lang="en-US" dirty="0" smtClean="0"/>
-              <a:t>is immutable to </a:t>
-            </a:r>
-            <a:r>
-              <a:rPr lang="en-US" dirty="0" smtClean="0"/>
-              <a:t>child</a:t>
-            </a:r>
-            <a:endParaRPr lang="en-US" dirty="0" smtClean="0"/>
-          </a:p>
-          <a:p>
-            <a:pPr lvl="1"/>
-            <a:r>
-              <a:rPr lang="en-US" dirty="0" smtClean="0"/>
-              <a:t>Child </a:t>
-            </a:r>
-            <a:r>
-              <a:rPr lang="en-US" dirty="0" smtClean="0"/>
-              <a:t>passes data to </a:t>
-            </a:r>
-            <a:r>
-              <a:rPr lang="en-US" dirty="0" smtClean="0"/>
-              <a:t>parent </a:t>
-            </a:r>
-            <a:r>
-              <a:rPr lang="en-US" dirty="0" smtClean="0"/>
-              <a:t>via </a:t>
-            </a:r>
-            <a:r>
-              <a:rPr lang="en-US" dirty="0" smtClean="0"/>
-              <a:t>events; data </a:t>
-            </a:r>
-            <a:r>
-              <a:rPr lang="en-US" dirty="0" smtClean="0"/>
-              <a:t>is used to update the state of the parent, or is passed up the component tree</a:t>
+              <a:t>Child passes data to parent via events; data is used to update the state of the parent, or is passed up the component tree</a:t>
             </a:r>
             <a:endParaRPr lang="en-US" dirty="0"/>
           </a:p>
@@ -18889,7 +20014,7 @@
 </p:sld>
 </file>
 
-<file path=ppt/slides/slide17.xml><?xml version="1.0" encoding="utf-8"?>
+<file path=ppt/slides/slide16.xml><?xml version="1.0" encoding="utf-8"?>
 <p:sld xmlns:a="http://schemas.openxmlformats.org/drawingml/2006/main" xmlns:r="http://schemas.openxmlformats.org/officeDocument/2006/relationships" xmlns:p="http://schemas.openxmlformats.org/presentationml/2006/main">
   <p:cSld>
     <p:spTree>
@@ -19286,6 +20411,196 @@
 </p:sld>
 </file>
 
+<file path=ppt/slides/slide17.xml><?xml version="1.0" encoding="utf-8"?>
+<p:sld xmlns:a="http://schemas.openxmlformats.org/drawingml/2006/main" xmlns:r="http://schemas.openxmlformats.org/officeDocument/2006/relationships" xmlns:p="http://schemas.openxmlformats.org/presentationml/2006/main">
+  <p:cSld>
+    <p:spTree>
+      <p:nvGrpSpPr>
+        <p:cNvPr id="1" name=""/>
+        <p:cNvGrpSpPr/>
+        <p:nvPr/>
+      </p:nvGrpSpPr>
+      <p:grpSpPr>
+        <a:xfrm>
+          <a:off x="0" y="0"/>
+          <a:ext cx="0" cy="0"/>
+          <a:chOff x="0" y="0"/>
+          <a:chExt cx="0" cy="0"/>
+        </a:xfrm>
+      </p:grpSpPr>
+      <p:sp>
+        <p:nvSpPr>
+          <p:cNvPr id="2" name="Title 1"/>
+          <p:cNvSpPr>
+            <a:spLocks noGrp="1"/>
+          </p:cNvSpPr>
+          <p:nvPr>
+            <p:ph type="title"/>
+          </p:nvPr>
+        </p:nvSpPr>
+        <p:spPr/>
+        <p:txBody>
+          <a:bodyPr/>
+          <a:lstStyle/>
+          <a:p>
+            <a:r>
+              <a:rPr lang="en-US" dirty="0" smtClean="0"/>
+              <a:t>Redux</a:t>
+            </a:r>
+            <a:endParaRPr lang="en-US" dirty="0"/>
+          </a:p>
+        </p:txBody>
+      </p:sp>
+      <p:sp>
+        <p:nvSpPr>
+          <p:cNvPr id="3" name="Content Placeholder 2"/>
+          <p:cNvSpPr>
+            <a:spLocks noGrp="1"/>
+          </p:cNvSpPr>
+          <p:nvPr>
+            <p:ph idx="1"/>
+          </p:nvPr>
+        </p:nvSpPr>
+        <p:spPr>
+          <a:xfrm>
+            <a:off x="838200" y="1690688"/>
+            <a:ext cx="6264839" cy="4351338"/>
+          </a:xfrm>
+        </p:spPr>
+        <p:txBody>
+          <a:bodyPr>
+            <a:normAutofit/>
+          </a:bodyPr>
+          <a:lstStyle/>
+          <a:p>
+            <a:r>
+              <a:rPr lang="en-US" dirty="0" smtClean="0"/>
+              <a:t>JavaScript library for managing state</a:t>
+            </a:r>
+          </a:p>
+          <a:p>
+            <a:r>
+              <a:rPr lang="en-US" dirty="0" smtClean="0"/>
+              <a:t>Views execution </a:t>
+            </a:r>
+            <a:r>
+              <a:rPr lang="en-US" dirty="0"/>
+              <a:t>of an </a:t>
+            </a:r>
+            <a:r>
+              <a:rPr lang="en-US" dirty="0" smtClean="0"/>
+              <a:t>app as </a:t>
+            </a:r>
+            <a:r>
+              <a:rPr lang="en-US" dirty="0"/>
+              <a:t>initial state followed by a series of </a:t>
+            </a:r>
+            <a:r>
+              <a:rPr lang="en-US" dirty="0" smtClean="0"/>
+              <a:t>actions</a:t>
+            </a:r>
+          </a:p>
+          <a:p>
+            <a:r>
+              <a:rPr lang="en-US" dirty="0"/>
+              <a:t>Each action reduces </a:t>
+            </a:r>
+            <a:r>
+              <a:rPr lang="en-US" dirty="0" smtClean="0"/>
+              <a:t>state </a:t>
+            </a:r>
+            <a:r>
+              <a:rPr lang="en-US" dirty="0"/>
+              <a:t>to a new predictable </a:t>
+            </a:r>
+            <a:r>
+              <a:rPr lang="en-US" dirty="0" smtClean="0"/>
+              <a:t>state</a:t>
+            </a:r>
+            <a:endParaRPr lang="en-US" dirty="0"/>
+          </a:p>
+          <a:p>
+            <a:r>
+              <a:rPr lang="en-US" dirty="0"/>
+              <a:t>A state container, known as </a:t>
+            </a:r>
+            <a:r>
+              <a:rPr lang="en-US" dirty="0" smtClean="0"/>
+              <a:t>a </a:t>
+            </a:r>
+            <a:r>
+              <a:rPr lang="en-US" u="sng" dirty="0" smtClean="0"/>
+              <a:t>store</a:t>
+            </a:r>
+            <a:r>
+              <a:rPr lang="en-US" dirty="0"/>
+              <a:t>, contains </a:t>
+            </a:r>
+            <a:r>
+              <a:rPr lang="en-US" dirty="0" smtClean="0"/>
+              <a:t>reduction </a:t>
+            </a:r>
+            <a:r>
+              <a:rPr lang="en-US" dirty="0"/>
+              <a:t>logic implemented as pure functions as well as the </a:t>
+            </a:r>
+            <a:r>
+              <a:rPr lang="en-US" dirty="0" smtClean="0"/>
+              <a:t>current </a:t>
+            </a:r>
+            <a:r>
+              <a:rPr lang="en-US" dirty="0"/>
+              <a:t>state</a:t>
+            </a:r>
+          </a:p>
+          <a:p>
+            <a:endParaRPr lang="en-US" dirty="0"/>
+          </a:p>
+        </p:txBody>
+      </p:sp>
+      <p:pic>
+        <p:nvPicPr>
+          <p:cNvPr id="4" name="Picture 3"/>
+          <p:cNvPicPr>
+            <a:picLocks noChangeAspect="1"/>
+          </p:cNvPicPr>
+          <p:nvPr/>
+        </p:nvPicPr>
+        <p:blipFill>
+          <a:blip r:embed="rId3" cstate="print">
+            <a:extLst>
+              <a:ext uri="{28A0092B-C50C-407E-A947-70E740481C1C}">
+                <a14:useLocalDpi xmlns:a14="http://schemas.microsoft.com/office/drawing/2010/main" val="0"/>
+              </a:ext>
+            </a:extLst>
+          </a:blip>
+          <a:stretch>
+            <a:fillRect/>
+          </a:stretch>
+        </p:blipFill>
+        <p:spPr>
+          <a:xfrm>
+            <a:off x="7197690" y="1564640"/>
+            <a:ext cx="4250761" cy="3841749"/>
+          </a:xfrm>
+          <a:prstGeom prst="rect">
+            <a:avLst/>
+          </a:prstGeom>
+        </p:spPr>
+      </p:pic>
+    </p:spTree>
+    <p:extLst>
+      <p:ext uri="{BB962C8B-B14F-4D97-AF65-F5344CB8AC3E}">
+        <p14:creationId xmlns:p14="http://schemas.microsoft.com/office/powerpoint/2010/main" val="972636280"/>
+      </p:ext>
+    </p:extLst>
+  </p:cSld>
+  <p:clrMapOvr>
+    <a:masterClrMapping/>
+  </p:clrMapOvr>
+</p:sld>
+</file>
+
 <file path=ppt/slides/slide18.xml><?xml version="1.0" encoding="utf-8"?>
 <p:sld xmlns:a="http://schemas.openxmlformats.org/drawingml/2006/main" xmlns:r="http://schemas.openxmlformats.org/officeDocument/2006/relationships" xmlns:p="http://schemas.openxmlformats.org/presentationml/2006/main">
   <p:cSld>
@@ -19305,7 +20620,7 @@
       </p:grpSpPr>
       <p:sp>
         <p:nvSpPr>
-          <p:cNvPr id="4" name="Title 3"/>
+          <p:cNvPr id="2" name="Title 1"/>
           <p:cNvSpPr>
             <a:spLocks noGrp="1"/>
           </p:cNvSpPr>
@@ -19319,36 +20634,64 @@
           <a:lstStyle/>
           <a:p>
             <a:r>
-              <a:rPr lang="en-US" dirty="0" smtClean="0"/>
-              <a:t>Hands-On Lab</a:t>
-            </a:r>
+              <a:rPr lang="en-US" dirty="0"/>
+              <a:t>Three Principles of Redux</a:t>
+            </a:r>
+          </a:p>
+        </p:txBody>
+      </p:sp>
+      <p:sp>
+        <p:nvSpPr>
+          <p:cNvPr id="3" name="Content Placeholder 2"/>
+          <p:cNvSpPr>
+            <a:spLocks noGrp="1"/>
+          </p:cNvSpPr>
+          <p:nvPr>
+            <p:ph idx="1"/>
+          </p:nvPr>
+        </p:nvSpPr>
+        <p:spPr>
+          <a:xfrm>
+            <a:off x="838200" y="1690688"/>
+            <a:ext cx="10515600" cy="4351338"/>
+          </a:xfrm>
+        </p:spPr>
+        <p:txBody>
+          <a:bodyPr>
+            <a:normAutofit/>
+          </a:bodyPr>
+          <a:lstStyle/>
+          <a:p>
+            <a:r>
+              <a:rPr lang="en-US" sz="3000" dirty="0"/>
+              <a:t>To enable state changes to be predictable, the following constraints applied to state changes</a:t>
+            </a:r>
+          </a:p>
+          <a:p>
+            <a:pPr lvl="1"/>
+            <a:r>
+              <a:rPr lang="en-US" sz="3000" dirty="0"/>
+              <a:t>Single Source of Truth</a:t>
+            </a:r>
+          </a:p>
+          <a:p>
+            <a:pPr lvl="1"/>
+            <a:r>
+              <a:rPr lang="en-US" sz="3000" dirty="0"/>
+              <a:t>State is Read-Only</a:t>
+            </a:r>
+          </a:p>
+          <a:p>
+            <a:pPr lvl="1"/>
+            <a:r>
+              <a:rPr lang="en-US" sz="3000" dirty="0"/>
+              <a:t>Changes are made with Pure Functions</a:t>
+            </a:r>
+          </a:p>
+          <a:p>
             <a:endParaRPr lang="en-US" dirty="0"/>
           </a:p>
-        </p:txBody>
-      </p:sp>
-      <p:sp>
-        <p:nvSpPr>
-          <p:cNvPr id="5" name="Text Placeholder 4"/>
-          <p:cNvSpPr>
-            <a:spLocks noGrp="1"/>
-          </p:cNvSpPr>
-          <p:nvPr>
-            <p:ph type="body" idx="1"/>
-          </p:nvPr>
-        </p:nvSpPr>
-        <p:spPr/>
-        <p:txBody>
-          <a:bodyPr/>
-          <a:lstStyle/>
-          <a:p>
-            <a:r>
-              <a:rPr lang="en-US" dirty="0" smtClean="0"/>
-              <a:t>Introduction to </a:t>
-            </a:r>
-            <a:r>
-              <a:rPr lang="en-US" dirty="0" err="1" smtClean="0"/>
-              <a:t>React.html</a:t>
-            </a:r>
+          <a:p>
             <a:endParaRPr lang="en-US" dirty="0"/>
           </a:p>
         </p:txBody>
@@ -19356,7 +20699,7 @@
     </p:spTree>
     <p:extLst>
       <p:ext uri="{BB962C8B-B14F-4D97-AF65-F5344CB8AC3E}">
-        <p14:creationId xmlns:p14="http://schemas.microsoft.com/office/powerpoint/2010/main" val="3335184859"/>
+        <p14:creationId xmlns:p14="http://schemas.microsoft.com/office/powerpoint/2010/main" val="1787618285"/>
       </p:ext>
     </p:extLst>
   </p:cSld>
@@ -19367,6 +20710,3044 @@
 </file>
 
 <file path=ppt/slides/slide19.xml><?xml version="1.0" encoding="utf-8"?>
+<p:sld xmlns:a="http://schemas.openxmlformats.org/drawingml/2006/main" xmlns:r="http://schemas.openxmlformats.org/officeDocument/2006/relationships" xmlns:p="http://schemas.openxmlformats.org/presentationml/2006/main">
+  <p:cSld>
+    <p:spTree>
+      <p:nvGrpSpPr>
+        <p:cNvPr id="1" name=""/>
+        <p:cNvGrpSpPr/>
+        <p:nvPr/>
+      </p:nvGrpSpPr>
+      <p:grpSpPr>
+        <a:xfrm>
+          <a:off x="0" y="0"/>
+          <a:ext cx="0" cy="0"/>
+          <a:chOff x="0" y="0"/>
+          <a:chExt cx="0" cy="0"/>
+        </a:xfrm>
+      </p:grpSpPr>
+      <p:sp>
+        <p:nvSpPr>
+          <p:cNvPr id="2" name="Title 1"/>
+          <p:cNvSpPr>
+            <a:spLocks noGrp="1"/>
+          </p:cNvSpPr>
+          <p:nvPr>
+            <p:ph type="title"/>
+          </p:nvPr>
+        </p:nvSpPr>
+        <p:spPr/>
+        <p:txBody>
+          <a:bodyPr/>
+          <a:lstStyle/>
+          <a:p>
+            <a:r>
+              <a:rPr lang="en-US" dirty="0"/>
+              <a:t>Single Source of Truth</a:t>
+            </a:r>
+          </a:p>
+        </p:txBody>
+      </p:sp>
+      <p:sp>
+        <p:nvSpPr>
+          <p:cNvPr id="3" name="Content Placeholder 2"/>
+          <p:cNvSpPr>
+            <a:spLocks noGrp="1"/>
+          </p:cNvSpPr>
+          <p:nvPr>
+            <p:ph idx="1"/>
+          </p:nvPr>
+        </p:nvSpPr>
+        <p:spPr>
+          <a:xfrm>
+            <a:off x="838200" y="1690688"/>
+            <a:ext cx="10515600" cy="4351338"/>
+          </a:xfrm>
+        </p:spPr>
+        <p:txBody>
+          <a:bodyPr>
+            <a:normAutofit/>
+          </a:bodyPr>
+          <a:lstStyle/>
+          <a:p>
+            <a:r>
+              <a:rPr lang="en-US" sz="3000" dirty="0"/>
+              <a:t>Following the pattern of Flux, all data flows through a Redux system in a unidirectional matter</a:t>
+            </a:r>
+          </a:p>
+          <a:p>
+            <a:r>
+              <a:rPr lang="en-US" sz="3000" dirty="0"/>
+              <a:t>All changes to the state comes from actions applied to the state, and all actions are funneled into Redux</a:t>
+            </a:r>
+          </a:p>
+          <a:p>
+            <a:r>
+              <a:rPr lang="en-US" sz="3000" dirty="0"/>
+              <a:t>No part of the system can ever receive data from two sources</a:t>
+            </a:r>
+          </a:p>
+          <a:p>
+            <a:r>
+              <a:rPr lang="en-US" sz="3000" dirty="0"/>
+              <a:t>Additionally, the state managed by Redux is the state of the whole application (with minor exceptions, such as form control entry)</a:t>
+            </a:r>
+          </a:p>
+          <a:p>
+            <a:endParaRPr lang="en-US" dirty="0"/>
+          </a:p>
+          <a:p>
+            <a:endParaRPr lang="en-US" dirty="0"/>
+          </a:p>
+        </p:txBody>
+      </p:sp>
+    </p:spTree>
+    <p:extLst>
+      <p:ext uri="{BB962C8B-B14F-4D97-AF65-F5344CB8AC3E}">
+        <p14:creationId xmlns:p14="http://schemas.microsoft.com/office/powerpoint/2010/main" val="1965280170"/>
+      </p:ext>
+    </p:extLst>
+  </p:cSld>
+  <p:clrMapOvr>
+    <a:masterClrMapping/>
+  </p:clrMapOvr>
+</p:sld>
+</file>
+
+<file path=ppt/slides/slide2.xml><?xml version="1.0" encoding="utf-8"?>
+<p:sld xmlns:a="http://schemas.openxmlformats.org/drawingml/2006/main" xmlns:r="http://schemas.openxmlformats.org/officeDocument/2006/relationships" xmlns:p="http://schemas.openxmlformats.org/presentationml/2006/main">
+  <p:cSld>
+    <p:spTree>
+      <p:nvGrpSpPr>
+        <p:cNvPr id="1" name=""/>
+        <p:cNvGrpSpPr/>
+        <p:nvPr/>
+      </p:nvGrpSpPr>
+      <p:grpSpPr>
+        <a:xfrm>
+          <a:off x="0" y="0"/>
+          <a:ext cx="0" cy="0"/>
+          <a:chOff x="0" y="0"/>
+          <a:chExt cx="0" cy="0"/>
+        </a:xfrm>
+      </p:grpSpPr>
+      <p:sp>
+        <p:nvSpPr>
+          <p:cNvPr id="2" name="Title 1"/>
+          <p:cNvSpPr>
+            <a:spLocks noGrp="1"/>
+          </p:cNvSpPr>
+          <p:nvPr>
+            <p:ph type="title"/>
+          </p:nvPr>
+        </p:nvSpPr>
+        <p:spPr/>
+        <p:txBody>
+          <a:bodyPr/>
+          <a:lstStyle/>
+          <a:p>
+            <a:r>
+              <a:rPr lang="en-US" dirty="0" smtClean="0"/>
+              <a:t>React</a:t>
+            </a:r>
+            <a:endParaRPr lang="en-US" dirty="0"/>
+          </a:p>
+        </p:txBody>
+      </p:sp>
+      <p:sp>
+        <p:nvSpPr>
+          <p:cNvPr id="3" name="Content Placeholder 2"/>
+          <p:cNvSpPr>
+            <a:spLocks noGrp="1"/>
+          </p:cNvSpPr>
+          <p:nvPr>
+            <p:ph idx="1"/>
+          </p:nvPr>
+        </p:nvSpPr>
+        <p:spPr>
+          <a:xfrm>
+            <a:off x="838199" y="1825625"/>
+            <a:ext cx="6064405" cy="4351338"/>
+          </a:xfrm>
+        </p:spPr>
+        <p:txBody>
+          <a:bodyPr>
+            <a:normAutofit/>
+          </a:bodyPr>
+          <a:lstStyle/>
+          <a:p>
+            <a:r>
+              <a:rPr lang="en-US" dirty="0" smtClean="0"/>
+              <a:t>JavaScript </a:t>
+            </a:r>
+            <a:r>
+              <a:rPr lang="en-US" dirty="0"/>
+              <a:t>library for building </a:t>
+            </a:r>
+            <a:r>
+              <a:rPr lang="en-US" dirty="0" smtClean="0"/>
+              <a:t>UIs</a:t>
+            </a:r>
+            <a:endParaRPr lang="en-US" dirty="0"/>
+          </a:p>
+          <a:p>
+            <a:pPr lvl="1"/>
+            <a:r>
+              <a:rPr lang="en-US" dirty="0"/>
+              <a:t>Focus is on </a:t>
+            </a:r>
+            <a:r>
+              <a:rPr lang="en-US" dirty="0" smtClean="0"/>
+              <a:t>code</a:t>
+            </a:r>
+            <a:r>
+              <a:rPr lang="en-US" dirty="0"/>
+              <a:t>, not </a:t>
+            </a:r>
+            <a:r>
+              <a:rPr lang="en-US" dirty="0" smtClean="0"/>
+              <a:t>templates</a:t>
+            </a:r>
+          </a:p>
+          <a:p>
+            <a:pPr lvl="1"/>
+            <a:r>
+              <a:rPr lang="en-US" dirty="0" smtClean="0"/>
+              <a:t>The V in MVC</a:t>
+            </a:r>
+            <a:endParaRPr lang="en-US" dirty="0"/>
+          </a:p>
+          <a:p>
+            <a:r>
+              <a:rPr lang="en-US" dirty="0"/>
+              <a:t>React Components are composable</a:t>
+            </a:r>
+          </a:p>
+          <a:p>
+            <a:r>
+              <a:rPr lang="en-US" dirty="0"/>
+              <a:t>One-way reactive data </a:t>
+            </a:r>
+            <a:r>
+              <a:rPr lang="en-US" dirty="0" smtClean="0"/>
+              <a:t>flow</a:t>
+            </a:r>
+          </a:p>
+          <a:p>
+            <a:pPr lvl="1"/>
+            <a:r>
+              <a:rPr lang="en-US" dirty="0" smtClean="0"/>
+              <a:t>Two-way data binding is supported, but is not the default</a:t>
+            </a:r>
+            <a:endParaRPr lang="en-US" dirty="0"/>
+          </a:p>
+          <a:p>
+            <a:r>
+              <a:rPr lang="en-US" dirty="0" smtClean="0"/>
+              <a:t>Handles </a:t>
+            </a:r>
+            <a:r>
+              <a:rPr lang="en-US" dirty="0"/>
+              <a:t>DOM manipulations </a:t>
+            </a:r>
+            <a:r>
+              <a:rPr lang="en-US" dirty="0" smtClean="0"/>
+              <a:t>efficiently using a virtual DOM</a:t>
+            </a:r>
+            <a:endParaRPr lang="en-US" dirty="0"/>
+          </a:p>
+        </p:txBody>
+      </p:sp>
+      <p:pic>
+        <p:nvPicPr>
+          <p:cNvPr id="4" name="Picture 3"/>
+          <p:cNvPicPr>
+            <a:picLocks noChangeAspect="1"/>
+          </p:cNvPicPr>
+          <p:nvPr/>
+        </p:nvPicPr>
+        <p:blipFill>
+          <a:blip r:embed="rId3">
+            <a:extLst>
+              <a:ext uri="{28A0092B-C50C-407E-A947-70E740481C1C}">
+                <a14:useLocalDpi xmlns:a14="http://schemas.microsoft.com/office/drawing/2010/main" val="0"/>
+              </a:ext>
+            </a:extLst>
+          </a:blip>
+          <a:stretch>
+            <a:fillRect/>
+          </a:stretch>
+        </p:blipFill>
+        <p:spPr>
+          <a:xfrm>
+            <a:off x="7419858" y="2004044"/>
+            <a:ext cx="3933942" cy="3493732"/>
+          </a:xfrm>
+          <a:prstGeom prst="rect">
+            <a:avLst/>
+          </a:prstGeom>
+        </p:spPr>
+      </p:pic>
+    </p:spTree>
+    <p:extLst>
+      <p:ext uri="{BB962C8B-B14F-4D97-AF65-F5344CB8AC3E}">
+        <p14:creationId xmlns:p14="http://schemas.microsoft.com/office/powerpoint/2010/main" val="1233805520"/>
+      </p:ext>
+    </p:extLst>
+  </p:cSld>
+  <p:clrMapOvr>
+    <a:masterClrMapping/>
+  </p:clrMapOvr>
+</p:sld>
+</file>
+
+<file path=ppt/slides/slide20.xml><?xml version="1.0" encoding="utf-8"?>
+<p:sld xmlns:a="http://schemas.openxmlformats.org/drawingml/2006/main" xmlns:r="http://schemas.openxmlformats.org/officeDocument/2006/relationships" xmlns:p="http://schemas.openxmlformats.org/presentationml/2006/main">
+  <p:cSld>
+    <p:spTree>
+      <p:nvGrpSpPr>
+        <p:cNvPr id="1" name=""/>
+        <p:cNvGrpSpPr/>
+        <p:nvPr/>
+      </p:nvGrpSpPr>
+      <p:grpSpPr>
+        <a:xfrm>
+          <a:off x="0" y="0"/>
+          <a:ext cx="0" cy="0"/>
+          <a:chOff x="0" y="0"/>
+          <a:chExt cx="0" cy="0"/>
+        </a:xfrm>
+      </p:grpSpPr>
+      <p:sp>
+        <p:nvSpPr>
+          <p:cNvPr id="2" name="Title 1"/>
+          <p:cNvSpPr>
+            <a:spLocks noGrp="1"/>
+          </p:cNvSpPr>
+          <p:nvPr>
+            <p:ph type="title"/>
+          </p:nvPr>
+        </p:nvSpPr>
+        <p:spPr/>
+        <p:txBody>
+          <a:bodyPr/>
+          <a:lstStyle/>
+          <a:p>
+            <a:r>
+              <a:rPr lang="en-US" dirty="0"/>
+              <a:t>State is Read-Only</a:t>
+            </a:r>
+          </a:p>
+        </p:txBody>
+      </p:sp>
+      <p:sp>
+        <p:nvSpPr>
+          <p:cNvPr id="3" name="Content Placeholder 2"/>
+          <p:cNvSpPr>
+            <a:spLocks noGrp="1"/>
+          </p:cNvSpPr>
+          <p:nvPr>
+            <p:ph idx="1"/>
+          </p:nvPr>
+        </p:nvSpPr>
+        <p:spPr>
+          <a:xfrm>
+            <a:off x="838200" y="1690688"/>
+            <a:ext cx="10515600" cy="4351338"/>
+          </a:xfrm>
+        </p:spPr>
+        <p:txBody>
+          <a:bodyPr>
+            <a:normAutofit/>
+          </a:bodyPr>
+          <a:lstStyle/>
+          <a:p>
+            <a:r>
+              <a:rPr lang="en-US" sz="3000" dirty="0"/>
+              <a:t>State can never be mutated</a:t>
+            </a:r>
+          </a:p>
+          <a:p>
+            <a:r>
+              <a:rPr lang="en-US" sz="3000" dirty="0"/>
+              <a:t>New states are produced by applying an action to the current state (known as reduction) from which a new state object is produced</a:t>
+            </a:r>
+          </a:p>
+          <a:p>
+            <a:r>
+              <a:rPr lang="en-US" sz="3000" dirty="0"/>
+              <a:t>Immutable programming techniques need to be utilized</a:t>
+            </a:r>
+          </a:p>
+          <a:p>
+            <a:endParaRPr lang="en-US" dirty="0"/>
+          </a:p>
+          <a:p>
+            <a:endParaRPr lang="en-US" dirty="0"/>
+          </a:p>
+        </p:txBody>
+      </p:sp>
+    </p:spTree>
+    <p:extLst>
+      <p:ext uri="{BB962C8B-B14F-4D97-AF65-F5344CB8AC3E}">
+        <p14:creationId xmlns:p14="http://schemas.microsoft.com/office/powerpoint/2010/main" val="1381746248"/>
+      </p:ext>
+    </p:extLst>
+  </p:cSld>
+  <p:clrMapOvr>
+    <a:masterClrMapping/>
+  </p:clrMapOvr>
+</p:sld>
+</file>
+
+<file path=ppt/slides/slide21.xml><?xml version="1.0" encoding="utf-8"?>
+<p:sld xmlns:a="http://schemas.openxmlformats.org/drawingml/2006/main" xmlns:r="http://schemas.openxmlformats.org/officeDocument/2006/relationships" xmlns:p="http://schemas.openxmlformats.org/presentationml/2006/main">
+  <p:cSld>
+    <p:spTree>
+      <p:nvGrpSpPr>
+        <p:cNvPr id="1" name=""/>
+        <p:cNvGrpSpPr/>
+        <p:nvPr/>
+      </p:nvGrpSpPr>
+      <p:grpSpPr>
+        <a:xfrm>
+          <a:off x="0" y="0"/>
+          <a:ext cx="0" cy="0"/>
+          <a:chOff x="0" y="0"/>
+          <a:chExt cx="0" cy="0"/>
+        </a:xfrm>
+      </p:grpSpPr>
+      <p:sp>
+        <p:nvSpPr>
+          <p:cNvPr id="2" name="Title 1"/>
+          <p:cNvSpPr>
+            <a:spLocks noGrp="1"/>
+          </p:cNvSpPr>
+          <p:nvPr>
+            <p:ph type="title"/>
+          </p:nvPr>
+        </p:nvSpPr>
+        <p:spPr/>
+        <p:txBody>
+          <a:bodyPr/>
+          <a:lstStyle/>
+          <a:p>
+            <a:r>
+              <a:rPr lang="en-US" dirty="0"/>
+              <a:t>Changes are made with Pure Functions</a:t>
+            </a:r>
+          </a:p>
+        </p:txBody>
+      </p:sp>
+      <p:sp>
+        <p:nvSpPr>
+          <p:cNvPr id="3" name="Content Placeholder 2"/>
+          <p:cNvSpPr>
+            <a:spLocks noGrp="1"/>
+          </p:cNvSpPr>
+          <p:nvPr>
+            <p:ph idx="1"/>
+          </p:nvPr>
+        </p:nvSpPr>
+        <p:spPr>
+          <a:xfrm>
+            <a:off x="838200" y="1690688"/>
+            <a:ext cx="10515600" cy="4351338"/>
+          </a:xfrm>
+        </p:spPr>
+        <p:txBody>
+          <a:bodyPr>
+            <a:normAutofit/>
+          </a:bodyPr>
+          <a:lstStyle/>
+          <a:p>
+            <a:r>
+              <a:rPr lang="en-US" sz="3000" dirty="0"/>
+              <a:t>Pure functions accept inputs, and using only those inputs produce a single </a:t>
+            </a:r>
+            <a:r>
+              <a:rPr lang="en-US" sz="3000" dirty="0" smtClean="0"/>
+              <a:t>output</a:t>
+            </a:r>
+          </a:p>
+          <a:p>
+            <a:r>
+              <a:rPr lang="en-US" sz="3000" dirty="0" smtClean="0"/>
+              <a:t>Do not modify the input parameters</a:t>
+            </a:r>
+            <a:endParaRPr lang="en-US" sz="3000" dirty="0"/>
+          </a:p>
+          <a:p>
+            <a:r>
+              <a:rPr lang="en-US" sz="3000" dirty="0"/>
+              <a:t>The function produces no side </a:t>
+            </a:r>
+            <a:r>
+              <a:rPr lang="en-US" sz="3000" dirty="0" smtClean="0"/>
+              <a:t>effects</a:t>
+            </a:r>
+          </a:p>
+          <a:p>
+            <a:r>
+              <a:rPr lang="en-US" sz="3000" dirty="0" smtClean="0"/>
+              <a:t>The only output is what is returned from the function</a:t>
+            </a:r>
+            <a:endParaRPr lang="en-US" sz="3000" dirty="0"/>
+          </a:p>
+          <a:p>
+            <a:r>
+              <a:rPr lang="en-US" sz="3000" dirty="0"/>
+              <a:t>Many pure functions can be composed together to process different parts of the state tree</a:t>
+            </a:r>
+          </a:p>
+          <a:p>
+            <a:endParaRPr lang="en-US" dirty="0"/>
+          </a:p>
+          <a:p>
+            <a:endParaRPr lang="en-US" dirty="0"/>
+          </a:p>
+        </p:txBody>
+      </p:sp>
+    </p:spTree>
+    <p:extLst>
+      <p:ext uri="{BB962C8B-B14F-4D97-AF65-F5344CB8AC3E}">
+        <p14:creationId xmlns:p14="http://schemas.microsoft.com/office/powerpoint/2010/main" val="509037037"/>
+      </p:ext>
+    </p:extLst>
+  </p:cSld>
+  <p:clrMapOvr>
+    <a:masterClrMapping/>
+  </p:clrMapOvr>
+</p:sld>
+</file>
+
+<file path=ppt/slides/slide22.xml><?xml version="1.0" encoding="utf-8"?>
+<p:sld xmlns:a="http://schemas.openxmlformats.org/drawingml/2006/main" xmlns:r="http://schemas.openxmlformats.org/officeDocument/2006/relationships" xmlns:p="http://schemas.openxmlformats.org/presentationml/2006/main">
+  <p:cSld>
+    <p:spTree>
+      <p:nvGrpSpPr>
+        <p:cNvPr id="1" name=""/>
+        <p:cNvGrpSpPr/>
+        <p:nvPr/>
+      </p:nvGrpSpPr>
+      <p:grpSpPr>
+        <a:xfrm>
+          <a:off x="0" y="0"/>
+          <a:ext cx="0" cy="0"/>
+          <a:chOff x="0" y="0"/>
+          <a:chExt cx="0" cy="0"/>
+        </a:xfrm>
+      </p:grpSpPr>
+      <p:sp>
+        <p:nvSpPr>
+          <p:cNvPr id="2" name="Title 1"/>
+          <p:cNvSpPr>
+            <a:spLocks noGrp="1"/>
+          </p:cNvSpPr>
+          <p:nvPr>
+            <p:ph type="title"/>
+          </p:nvPr>
+        </p:nvSpPr>
+        <p:spPr/>
+        <p:txBody>
+          <a:bodyPr/>
+          <a:lstStyle/>
+          <a:p>
+            <a:r>
+              <a:rPr lang="en-US" dirty="0"/>
+              <a:t>Definition of Redux</a:t>
+            </a:r>
+          </a:p>
+        </p:txBody>
+      </p:sp>
+      <p:sp>
+        <p:nvSpPr>
+          <p:cNvPr id="3" name="Content Placeholder 2"/>
+          <p:cNvSpPr>
+            <a:spLocks noGrp="1"/>
+          </p:cNvSpPr>
+          <p:nvPr>
+            <p:ph idx="1"/>
+          </p:nvPr>
+        </p:nvSpPr>
+        <p:spPr>
+          <a:xfrm>
+            <a:off x="838200" y="1690688"/>
+            <a:ext cx="10515600" cy="4351338"/>
+          </a:xfrm>
+        </p:spPr>
+        <p:txBody>
+          <a:bodyPr>
+            <a:normAutofit/>
+          </a:bodyPr>
+          <a:lstStyle/>
+          <a:p>
+            <a:r>
+              <a:rPr lang="en-US" sz="3000" dirty="0"/>
+              <a:t>From the Redux website, "Redux is a predictable state container for JavaScript apps."</a:t>
+            </a:r>
+          </a:p>
+          <a:p>
+            <a:r>
+              <a:rPr lang="en-US" sz="3000" dirty="0"/>
+              <a:t>Predictable – state changes follow the three principles</a:t>
+            </a:r>
+          </a:p>
+          <a:p>
+            <a:r>
+              <a:rPr lang="en-US" sz="3000" dirty="0"/>
+              <a:t>State – the application's data, including data related to the UI itself</a:t>
+            </a:r>
+          </a:p>
+          <a:p>
+            <a:r>
+              <a:rPr lang="en-US" sz="3000" dirty="0"/>
+              <a:t>Container – Redux is the container which applies actions to the pure reducer functions to return a new state</a:t>
+            </a:r>
+          </a:p>
+          <a:p>
+            <a:r>
+              <a:rPr lang="en-US" sz="3000" dirty="0"/>
+              <a:t>Redux has been designed for JavaScript applications</a:t>
+            </a:r>
+          </a:p>
+          <a:p>
+            <a:endParaRPr lang="en-US" dirty="0"/>
+          </a:p>
+          <a:p>
+            <a:endParaRPr lang="en-US" dirty="0"/>
+          </a:p>
+        </p:txBody>
+      </p:sp>
+    </p:spTree>
+    <p:extLst>
+      <p:ext uri="{BB962C8B-B14F-4D97-AF65-F5344CB8AC3E}">
+        <p14:creationId xmlns:p14="http://schemas.microsoft.com/office/powerpoint/2010/main" val="787007571"/>
+      </p:ext>
+    </p:extLst>
+  </p:cSld>
+  <p:clrMapOvr>
+    <a:masterClrMapping/>
+  </p:clrMapOvr>
+</p:sld>
+</file>
+
+<file path=ppt/slides/slide23.xml><?xml version="1.0" encoding="utf-8"?>
+<p:sld xmlns:a="http://schemas.openxmlformats.org/drawingml/2006/main" xmlns:r="http://schemas.openxmlformats.org/officeDocument/2006/relationships" xmlns:p="http://schemas.openxmlformats.org/presentationml/2006/main">
+  <p:cSld>
+    <p:spTree>
+      <p:nvGrpSpPr>
+        <p:cNvPr id="1" name=""/>
+        <p:cNvGrpSpPr/>
+        <p:nvPr/>
+      </p:nvGrpSpPr>
+      <p:grpSpPr>
+        <a:xfrm>
+          <a:off x="0" y="0"/>
+          <a:ext cx="0" cy="0"/>
+          <a:chOff x="0" y="0"/>
+          <a:chExt cx="0" cy="0"/>
+        </a:xfrm>
+      </p:grpSpPr>
+      <p:sp>
+        <p:nvSpPr>
+          <p:cNvPr id="2" name="Title 1"/>
+          <p:cNvSpPr>
+            <a:spLocks noGrp="1"/>
+          </p:cNvSpPr>
+          <p:nvPr>
+            <p:ph type="title"/>
+          </p:nvPr>
+        </p:nvSpPr>
+        <p:spPr/>
+        <p:txBody>
+          <a:bodyPr/>
+          <a:lstStyle/>
+          <a:p>
+            <a:r>
+              <a:rPr lang="en-US" dirty="0"/>
+              <a:t>Differences from Flux</a:t>
+            </a:r>
+          </a:p>
+        </p:txBody>
+      </p:sp>
+      <p:sp>
+        <p:nvSpPr>
+          <p:cNvPr id="3" name="Content Placeholder 2"/>
+          <p:cNvSpPr>
+            <a:spLocks noGrp="1"/>
+          </p:cNvSpPr>
+          <p:nvPr>
+            <p:ph idx="1"/>
+          </p:nvPr>
+        </p:nvSpPr>
+        <p:spPr>
+          <a:xfrm>
+            <a:off x="838200" y="1690688"/>
+            <a:ext cx="10515600" cy="4351338"/>
+          </a:xfrm>
+        </p:spPr>
+        <p:txBody>
+          <a:bodyPr>
+            <a:normAutofit/>
+          </a:bodyPr>
+          <a:lstStyle/>
+          <a:p>
+            <a:r>
+              <a:rPr lang="en-US" sz="3000" dirty="0"/>
+              <a:t>While Redux and Flux share similar concepts and principles, there are some differences</a:t>
+            </a:r>
+          </a:p>
+          <a:p>
+            <a:r>
+              <a:rPr lang="en-US" sz="3000" dirty="0"/>
+              <a:t>Flux differentiates between the dispatcher and store, this is because Flux supports multiple stores</a:t>
+            </a:r>
+          </a:p>
+          <a:p>
+            <a:r>
+              <a:rPr lang="en-US" sz="3000" dirty="0"/>
+              <a:t>Redux limits the application to one store which means the store and dispatcher can be combined into one </a:t>
+            </a:r>
+            <a:r>
+              <a:rPr lang="en-US" sz="3000" dirty="0" smtClean="0"/>
+              <a:t>dispatcher-store</a:t>
+            </a:r>
+            <a:endParaRPr lang="en-US" dirty="0"/>
+          </a:p>
+          <a:p>
+            <a:endParaRPr lang="en-US" dirty="0"/>
+          </a:p>
+        </p:txBody>
+      </p:sp>
+    </p:spTree>
+    <p:extLst>
+      <p:ext uri="{BB962C8B-B14F-4D97-AF65-F5344CB8AC3E}">
+        <p14:creationId xmlns:p14="http://schemas.microsoft.com/office/powerpoint/2010/main" val="303366134"/>
+      </p:ext>
+    </p:extLst>
+  </p:cSld>
+  <p:clrMapOvr>
+    <a:masterClrMapping/>
+  </p:clrMapOvr>
+</p:sld>
+</file>
+
+<file path=ppt/slides/slide24.xml><?xml version="1.0" encoding="utf-8"?>
+<p:sld xmlns:a="http://schemas.openxmlformats.org/drawingml/2006/main" xmlns:r="http://schemas.openxmlformats.org/officeDocument/2006/relationships" xmlns:p="http://schemas.openxmlformats.org/presentationml/2006/main">
+  <p:cSld>
+    <p:spTree>
+      <p:nvGrpSpPr>
+        <p:cNvPr id="1" name=""/>
+        <p:cNvGrpSpPr/>
+        <p:nvPr/>
+      </p:nvGrpSpPr>
+      <p:grpSpPr>
+        <a:xfrm>
+          <a:off x="0" y="0"/>
+          <a:ext cx="0" cy="0"/>
+          <a:chOff x="0" y="0"/>
+          <a:chExt cx="0" cy="0"/>
+        </a:xfrm>
+      </p:grpSpPr>
+      <p:sp>
+        <p:nvSpPr>
+          <p:cNvPr id="2" name="Title 1"/>
+          <p:cNvSpPr>
+            <a:spLocks noGrp="1"/>
+          </p:cNvSpPr>
+          <p:nvPr>
+            <p:ph type="title"/>
+          </p:nvPr>
+        </p:nvSpPr>
+        <p:spPr/>
+        <p:txBody>
+          <a:bodyPr/>
+          <a:lstStyle/>
+          <a:p>
+            <a:r>
+              <a:rPr lang="en-US" dirty="0"/>
+              <a:t>Reducer Functions</a:t>
+            </a:r>
+          </a:p>
+        </p:txBody>
+      </p:sp>
+      <p:sp>
+        <p:nvSpPr>
+          <p:cNvPr id="3" name="Content Placeholder 2"/>
+          <p:cNvSpPr>
+            <a:spLocks noGrp="1"/>
+          </p:cNvSpPr>
+          <p:nvPr>
+            <p:ph idx="1"/>
+          </p:nvPr>
+        </p:nvSpPr>
+        <p:spPr>
+          <a:xfrm>
+            <a:off x="838200" y="1690688"/>
+            <a:ext cx="10515600" cy="4351338"/>
+          </a:xfrm>
+        </p:spPr>
+        <p:txBody>
+          <a:bodyPr>
+            <a:normAutofit/>
+          </a:bodyPr>
+          <a:lstStyle/>
+          <a:p>
+            <a:r>
+              <a:rPr lang="en-US" sz="3000" dirty="0"/>
+              <a:t>Follows the pattern of the reduce function available on the Array prototype in JavaScript</a:t>
+            </a:r>
+          </a:p>
+          <a:p>
+            <a:r>
+              <a:rPr lang="en-US" sz="3000" dirty="0"/>
+              <a:t>Receives the current state and an action, the function produces a new state based upon the type of action, and its associated data</a:t>
+            </a:r>
+          </a:p>
+          <a:p>
+            <a:r>
+              <a:rPr lang="en-US" sz="3000" dirty="0"/>
+              <a:t>Pure function – output results from inputs only, no side-effects</a:t>
+            </a:r>
+          </a:p>
+          <a:p>
+            <a:r>
+              <a:rPr lang="en-US" sz="3000" dirty="0"/>
+              <a:t>Should be configured to create an initial state during the first run</a:t>
+            </a:r>
+          </a:p>
+        </p:txBody>
+      </p:sp>
+    </p:spTree>
+    <p:extLst>
+      <p:ext uri="{BB962C8B-B14F-4D97-AF65-F5344CB8AC3E}">
+        <p14:creationId xmlns:p14="http://schemas.microsoft.com/office/powerpoint/2010/main" val="1472095092"/>
+      </p:ext>
+    </p:extLst>
+  </p:cSld>
+  <p:clrMapOvr>
+    <a:masterClrMapping/>
+  </p:clrMapOvr>
+</p:sld>
+</file>
+
+<file path=ppt/slides/slide25.xml><?xml version="1.0" encoding="utf-8"?>
+<p:sld xmlns:a="http://schemas.openxmlformats.org/drawingml/2006/main" xmlns:r="http://schemas.openxmlformats.org/officeDocument/2006/relationships" xmlns:p="http://schemas.openxmlformats.org/presentationml/2006/main">
+  <p:cSld>
+    <p:spTree>
+      <p:nvGrpSpPr>
+        <p:cNvPr id="1" name=""/>
+        <p:cNvGrpSpPr/>
+        <p:nvPr/>
+      </p:nvGrpSpPr>
+      <p:grpSpPr>
+        <a:xfrm>
+          <a:off x="0" y="0"/>
+          <a:ext cx="0" cy="0"/>
+          <a:chOff x="0" y="0"/>
+          <a:chExt cx="0" cy="0"/>
+        </a:xfrm>
+      </p:grpSpPr>
+      <p:sp>
+        <p:nvSpPr>
+          <p:cNvPr id="2" name="Title 1"/>
+          <p:cNvSpPr>
+            <a:spLocks noGrp="1"/>
+          </p:cNvSpPr>
+          <p:nvPr>
+            <p:ph type="title"/>
+          </p:nvPr>
+        </p:nvSpPr>
+        <p:spPr/>
+        <p:txBody>
+          <a:bodyPr/>
+          <a:lstStyle/>
+          <a:p>
+            <a:r>
+              <a:rPr lang="en-US" dirty="0"/>
+              <a:t>Working with Stores</a:t>
+            </a:r>
+          </a:p>
+        </p:txBody>
+      </p:sp>
+      <p:sp>
+        <p:nvSpPr>
+          <p:cNvPr id="3" name="Content Placeholder 2"/>
+          <p:cNvSpPr>
+            <a:spLocks noGrp="1"/>
+          </p:cNvSpPr>
+          <p:nvPr>
+            <p:ph idx="1"/>
+          </p:nvPr>
+        </p:nvSpPr>
+        <p:spPr>
+          <a:xfrm>
+            <a:off x="838200" y="1690688"/>
+            <a:ext cx="10515600" cy="4351338"/>
+          </a:xfrm>
+        </p:spPr>
+        <p:txBody>
+          <a:bodyPr>
+            <a:normAutofit/>
+          </a:bodyPr>
+          <a:lstStyle/>
+          <a:p>
+            <a:r>
+              <a:rPr lang="en-US" sz="3000" dirty="0"/>
+              <a:t>Stores are the container for applying the action to the state using the reducer function, and they contain the current state</a:t>
+            </a:r>
+          </a:p>
+          <a:p>
+            <a:r>
+              <a:rPr lang="en-US" sz="3000" dirty="0"/>
+              <a:t>Created with the createStore function</a:t>
+            </a:r>
+          </a:p>
+          <a:p>
+            <a:r>
+              <a:rPr lang="en-US" sz="3000" dirty="0"/>
+              <a:t>The first parameter is the reducer function</a:t>
+            </a:r>
+          </a:p>
+          <a:p>
+            <a:r>
+              <a:rPr lang="en-US" sz="3000" dirty="0"/>
+              <a:t>The second parameter is an optional initial state, if this is not provided the default state initialized by the reducer function will be used on the first run-through</a:t>
+            </a:r>
+          </a:p>
+        </p:txBody>
+      </p:sp>
+    </p:spTree>
+    <p:extLst>
+      <p:ext uri="{BB962C8B-B14F-4D97-AF65-F5344CB8AC3E}">
+        <p14:creationId xmlns:p14="http://schemas.microsoft.com/office/powerpoint/2010/main" val="726044504"/>
+      </p:ext>
+    </p:extLst>
+  </p:cSld>
+  <p:clrMapOvr>
+    <a:masterClrMapping/>
+  </p:clrMapOvr>
+</p:sld>
+</file>
+
+<file path=ppt/slides/slide26.xml><?xml version="1.0" encoding="utf-8"?>
+<p:sld xmlns:a="http://schemas.openxmlformats.org/drawingml/2006/main" xmlns:r="http://schemas.openxmlformats.org/officeDocument/2006/relationships" xmlns:p="http://schemas.openxmlformats.org/presentationml/2006/main">
+  <p:cSld>
+    <p:spTree>
+      <p:nvGrpSpPr>
+        <p:cNvPr id="1" name=""/>
+        <p:cNvGrpSpPr/>
+        <p:nvPr/>
+      </p:nvGrpSpPr>
+      <p:grpSpPr>
+        <a:xfrm>
+          <a:off x="0" y="0"/>
+          <a:ext cx="0" cy="0"/>
+          <a:chOff x="0" y="0"/>
+          <a:chExt cx="0" cy="0"/>
+        </a:xfrm>
+      </p:grpSpPr>
+      <p:sp>
+        <p:nvSpPr>
+          <p:cNvPr id="2" name="Title 1"/>
+          <p:cNvSpPr>
+            <a:spLocks noGrp="1"/>
+          </p:cNvSpPr>
+          <p:nvPr>
+            <p:ph type="title"/>
+          </p:nvPr>
+        </p:nvSpPr>
+        <p:spPr/>
+        <p:txBody>
+          <a:bodyPr/>
+          <a:lstStyle/>
+          <a:p>
+            <a:r>
+              <a:rPr lang="en-US" dirty="0"/>
+              <a:t>Handling Actions with the Store</a:t>
+            </a:r>
+          </a:p>
+        </p:txBody>
+      </p:sp>
+      <p:sp>
+        <p:nvSpPr>
+          <p:cNvPr id="3" name="Content Placeholder 2"/>
+          <p:cNvSpPr>
+            <a:spLocks noGrp="1"/>
+          </p:cNvSpPr>
+          <p:nvPr>
+            <p:ph idx="1"/>
+          </p:nvPr>
+        </p:nvSpPr>
+        <p:spPr>
+          <a:xfrm>
+            <a:off x="838200" y="1690688"/>
+            <a:ext cx="10515600" cy="4351338"/>
+          </a:xfrm>
+        </p:spPr>
+        <p:txBody>
+          <a:bodyPr>
+            <a:normAutofit/>
+          </a:bodyPr>
+          <a:lstStyle/>
+          <a:p>
+            <a:r>
+              <a:rPr lang="en-US" sz="3000" dirty="0"/>
+              <a:t>Actions are sent to the store using the dispatch function</a:t>
+            </a:r>
+          </a:p>
+          <a:p>
+            <a:r>
+              <a:rPr lang="en-US" sz="3000" dirty="0"/>
+              <a:t>The dispatch function accepts the action object as an argument</a:t>
+            </a:r>
+          </a:p>
+          <a:p>
+            <a:r>
+              <a:rPr lang="en-US" sz="3000" dirty="0"/>
+              <a:t>The action object must have a type property to identify what the action is, additional properties with other relevant data may be specified as well</a:t>
+            </a:r>
+          </a:p>
+        </p:txBody>
+      </p:sp>
+    </p:spTree>
+    <p:extLst>
+      <p:ext uri="{BB962C8B-B14F-4D97-AF65-F5344CB8AC3E}">
+        <p14:creationId xmlns:p14="http://schemas.microsoft.com/office/powerpoint/2010/main" val="321397160"/>
+      </p:ext>
+    </p:extLst>
+  </p:cSld>
+  <p:clrMapOvr>
+    <a:masterClrMapping/>
+  </p:clrMapOvr>
+</p:sld>
+</file>
+
+<file path=ppt/slides/slide27.xml><?xml version="1.0" encoding="utf-8"?>
+<p:sld xmlns:a="http://schemas.openxmlformats.org/drawingml/2006/main" xmlns:r="http://schemas.openxmlformats.org/officeDocument/2006/relationships" xmlns:p="http://schemas.openxmlformats.org/presentationml/2006/main">
+  <p:cSld>
+    <p:spTree>
+      <p:nvGrpSpPr>
+        <p:cNvPr id="1" name=""/>
+        <p:cNvGrpSpPr/>
+        <p:nvPr/>
+      </p:nvGrpSpPr>
+      <p:grpSpPr>
+        <a:xfrm>
+          <a:off x="0" y="0"/>
+          <a:ext cx="0" cy="0"/>
+          <a:chOff x="0" y="0"/>
+          <a:chExt cx="0" cy="0"/>
+        </a:xfrm>
+      </p:grpSpPr>
+      <p:sp>
+        <p:nvSpPr>
+          <p:cNvPr id="2" name="Title 1"/>
+          <p:cNvSpPr>
+            <a:spLocks noGrp="1"/>
+          </p:cNvSpPr>
+          <p:nvPr>
+            <p:ph type="title"/>
+          </p:nvPr>
+        </p:nvSpPr>
+        <p:spPr/>
+        <p:txBody>
+          <a:bodyPr/>
+          <a:lstStyle/>
+          <a:p>
+            <a:r>
+              <a:rPr lang="en-US" dirty="0"/>
+              <a:t>Distributing the New State</a:t>
+            </a:r>
+          </a:p>
+        </p:txBody>
+      </p:sp>
+      <p:sp>
+        <p:nvSpPr>
+          <p:cNvPr id="3" name="Content Placeholder 2"/>
+          <p:cNvSpPr>
+            <a:spLocks noGrp="1"/>
+          </p:cNvSpPr>
+          <p:nvPr>
+            <p:ph idx="1"/>
+          </p:nvPr>
+        </p:nvSpPr>
+        <p:spPr>
+          <a:xfrm>
+            <a:off x="838200" y="1690688"/>
+            <a:ext cx="10515600" cy="4351338"/>
+          </a:xfrm>
+        </p:spPr>
+        <p:txBody>
+          <a:bodyPr>
+            <a:normAutofit/>
+          </a:bodyPr>
+          <a:lstStyle/>
+          <a:p>
+            <a:r>
+              <a:rPr lang="en-US" sz="3000" dirty="0"/>
+              <a:t>To distribute the new state produced from a dispatched action, a publisher/subscriber model is used through a subscribe function available on the store</a:t>
+            </a:r>
+          </a:p>
+          <a:p>
+            <a:r>
+              <a:rPr lang="en-US" sz="3000" dirty="0"/>
+              <a:t>When actions are dispatched, they are processed by the reducer producing a new state, then all of the subscriber functions are invoked so they can process the new state</a:t>
+            </a:r>
+          </a:p>
+          <a:p>
+            <a:r>
+              <a:rPr lang="en-US" sz="3000" dirty="0"/>
+              <a:t>The new state is retrieved in the subscriber function through the getState function on the store</a:t>
+            </a:r>
+          </a:p>
+        </p:txBody>
+      </p:sp>
+    </p:spTree>
+    <p:extLst>
+      <p:ext uri="{BB962C8B-B14F-4D97-AF65-F5344CB8AC3E}">
+        <p14:creationId xmlns:p14="http://schemas.microsoft.com/office/powerpoint/2010/main" val="1163711303"/>
+      </p:ext>
+    </p:extLst>
+  </p:cSld>
+  <p:clrMapOvr>
+    <a:masterClrMapping/>
+  </p:clrMapOvr>
+</p:sld>
+</file>
+
+<file path=ppt/slides/slide28.xml><?xml version="1.0" encoding="utf-8"?>
+<p:sld xmlns:a="http://schemas.openxmlformats.org/drawingml/2006/main" xmlns:r="http://schemas.openxmlformats.org/officeDocument/2006/relationships" xmlns:p="http://schemas.openxmlformats.org/presentationml/2006/main">
+  <p:cSld>
+    <p:spTree>
+      <p:nvGrpSpPr>
+        <p:cNvPr id="1" name=""/>
+        <p:cNvGrpSpPr/>
+        <p:nvPr/>
+      </p:nvGrpSpPr>
+      <p:grpSpPr>
+        <a:xfrm>
+          <a:off x="0" y="0"/>
+          <a:ext cx="0" cy="0"/>
+          <a:chOff x="0" y="0"/>
+          <a:chExt cx="0" cy="0"/>
+        </a:xfrm>
+      </p:grpSpPr>
+      <p:sp>
+        <p:nvSpPr>
+          <p:cNvPr id="2" name="Title 1"/>
+          <p:cNvSpPr>
+            <a:spLocks noGrp="1"/>
+          </p:cNvSpPr>
+          <p:nvPr>
+            <p:ph type="title"/>
+          </p:nvPr>
+        </p:nvSpPr>
+        <p:spPr/>
+        <p:txBody>
+          <a:bodyPr/>
+          <a:lstStyle/>
+          <a:p>
+            <a:r>
+              <a:rPr lang="en-US" dirty="0"/>
+              <a:t>Integration with React and Asynchronous Programming</a:t>
+            </a:r>
+          </a:p>
+        </p:txBody>
+      </p:sp>
+      <p:sp>
+        <p:nvSpPr>
+          <p:cNvPr id="3" name="Content Placeholder 2"/>
+          <p:cNvSpPr>
+            <a:spLocks noGrp="1"/>
+          </p:cNvSpPr>
+          <p:nvPr>
+            <p:ph idx="1"/>
+          </p:nvPr>
+        </p:nvSpPr>
+        <p:spPr>
+          <a:xfrm>
+            <a:off x="838200" y="1690688"/>
+            <a:ext cx="10515600" cy="4351338"/>
+          </a:xfrm>
+        </p:spPr>
+        <p:txBody>
+          <a:bodyPr>
+            <a:normAutofit/>
+          </a:bodyPr>
+          <a:lstStyle/>
+          <a:p>
+            <a:r>
+              <a:rPr lang="en-US" sz="3000" dirty="0"/>
+              <a:t>Redux works great with React, but Redux is not limited to only working React</a:t>
+            </a:r>
+          </a:p>
+          <a:p>
+            <a:r>
+              <a:rPr lang="en-US" sz="3000" dirty="0"/>
+              <a:t>Nevertheless, the React/Redux combination is so popular there are special libraries for tying the two together and there are lots of resources online which explore this common combination of libraries</a:t>
+            </a:r>
+          </a:p>
+          <a:p>
+            <a:r>
+              <a:rPr lang="en-US" sz="3000" dirty="0"/>
+              <a:t>Asynchronous programming introduces additional complexities to managing state</a:t>
+            </a:r>
+          </a:p>
+        </p:txBody>
+      </p:sp>
+    </p:spTree>
+    <p:extLst>
+      <p:ext uri="{BB962C8B-B14F-4D97-AF65-F5344CB8AC3E}">
+        <p14:creationId xmlns:p14="http://schemas.microsoft.com/office/powerpoint/2010/main" val="1790618977"/>
+      </p:ext>
+    </p:extLst>
+  </p:cSld>
+  <p:clrMapOvr>
+    <a:masterClrMapping/>
+  </p:clrMapOvr>
+</p:sld>
+</file>
+
+<file path=ppt/slides/slide29.xml><?xml version="1.0" encoding="utf-8"?>
+<p:sld xmlns:a="http://schemas.openxmlformats.org/drawingml/2006/main" xmlns:r="http://schemas.openxmlformats.org/officeDocument/2006/relationships" xmlns:p="http://schemas.openxmlformats.org/presentationml/2006/main">
+  <p:cSld>
+    <p:spTree>
+      <p:nvGrpSpPr>
+        <p:cNvPr id="1" name=""/>
+        <p:cNvGrpSpPr/>
+        <p:nvPr/>
+      </p:nvGrpSpPr>
+      <p:grpSpPr>
+        <a:xfrm>
+          <a:off x="0" y="0"/>
+          <a:ext cx="0" cy="0"/>
+          <a:chOff x="0" y="0"/>
+          <a:chExt cx="0" cy="0"/>
+        </a:xfrm>
+      </p:grpSpPr>
+      <p:sp>
+        <p:nvSpPr>
+          <p:cNvPr id="2" name="Title 1"/>
+          <p:cNvSpPr>
+            <a:spLocks noGrp="1"/>
+          </p:cNvSpPr>
+          <p:nvPr>
+            <p:ph type="title"/>
+          </p:nvPr>
+        </p:nvSpPr>
+        <p:spPr/>
+        <p:txBody>
+          <a:bodyPr/>
+          <a:lstStyle/>
+          <a:p>
+            <a:r>
+              <a:rPr lang="en-US" dirty="0"/>
+              <a:t>Integration with React</a:t>
+            </a:r>
+          </a:p>
+        </p:txBody>
+      </p:sp>
+      <p:sp>
+        <p:nvSpPr>
+          <p:cNvPr id="3" name="Content Placeholder 2"/>
+          <p:cNvSpPr>
+            <a:spLocks noGrp="1"/>
+          </p:cNvSpPr>
+          <p:nvPr>
+            <p:ph idx="1"/>
+          </p:nvPr>
+        </p:nvSpPr>
+        <p:spPr>
+          <a:xfrm>
+            <a:off x="838200" y="1690688"/>
+            <a:ext cx="10515600" cy="4351338"/>
+          </a:xfrm>
+        </p:spPr>
+        <p:txBody>
+          <a:bodyPr>
+            <a:normAutofit fontScale="92500" lnSpcReduction="20000"/>
+          </a:bodyPr>
+          <a:lstStyle/>
+          <a:p>
+            <a:r>
+              <a:rPr lang="en-US" sz="3000" dirty="0"/>
+              <a:t>Because of React's notion of state versus props, and Redux's approach to application state and the changing of it, React and Redux work together in a very natural, easy, and powerful way</a:t>
+            </a:r>
+          </a:p>
+          <a:p>
+            <a:r>
+              <a:rPr lang="en-US" sz="3000" dirty="0"/>
+              <a:t>Redux is used to manage the application's state, not each component's state</a:t>
+            </a:r>
+          </a:p>
+          <a:p>
+            <a:r>
+              <a:rPr lang="en-US" sz="3000" dirty="0"/>
+              <a:t>The application's state and action creator functions are passed as props to presentational components through container components</a:t>
+            </a:r>
+          </a:p>
+          <a:p>
+            <a:r>
+              <a:rPr lang="en-US" sz="3000" dirty="0"/>
+              <a:t>The presentational components invoke the action creator functions triggering the Redux store to update the application state and propagate the new state through the container components to the presentational </a:t>
+            </a:r>
+            <a:r>
+              <a:rPr lang="en-US" sz="3000" dirty="0" smtClean="0"/>
+              <a:t>components</a:t>
+            </a:r>
+            <a:endParaRPr lang="en-US" sz="3000" dirty="0"/>
+          </a:p>
+        </p:txBody>
+      </p:sp>
+    </p:spTree>
+    <p:extLst>
+      <p:ext uri="{BB962C8B-B14F-4D97-AF65-F5344CB8AC3E}">
+        <p14:creationId xmlns:p14="http://schemas.microsoft.com/office/powerpoint/2010/main" val="2100614585"/>
+      </p:ext>
+    </p:extLst>
+  </p:cSld>
+  <p:clrMapOvr>
+    <a:masterClrMapping/>
+  </p:clrMapOvr>
+</p:sld>
+</file>
+
+<file path=ppt/slides/slide3.xml><?xml version="1.0" encoding="utf-8"?>
+<p:sld xmlns:a="http://schemas.openxmlformats.org/drawingml/2006/main" xmlns:r="http://schemas.openxmlformats.org/officeDocument/2006/relationships" xmlns:p="http://schemas.openxmlformats.org/presentationml/2006/main">
+  <p:cSld>
+    <p:spTree>
+      <p:nvGrpSpPr>
+        <p:cNvPr id="1" name=""/>
+        <p:cNvGrpSpPr/>
+        <p:nvPr/>
+      </p:nvGrpSpPr>
+      <p:grpSpPr>
+        <a:xfrm>
+          <a:off x="0" y="0"/>
+          <a:ext cx="0" cy="0"/>
+          <a:chOff x="0" y="0"/>
+          <a:chExt cx="0" cy="0"/>
+        </a:xfrm>
+      </p:grpSpPr>
+      <p:sp>
+        <p:nvSpPr>
+          <p:cNvPr id="2" name="Title 1"/>
+          <p:cNvSpPr>
+            <a:spLocks noGrp="1"/>
+          </p:cNvSpPr>
+          <p:nvPr>
+            <p:ph type="title"/>
+          </p:nvPr>
+        </p:nvSpPr>
+        <p:spPr/>
+        <p:txBody>
+          <a:bodyPr/>
+          <a:lstStyle/>
+          <a:p>
+            <a:r>
+              <a:rPr lang="en-US" dirty="0" smtClean="0"/>
+              <a:t>ES2017, ES2016, ES2015</a:t>
+            </a:r>
+            <a:r>
+              <a:rPr lang="mr-IN" dirty="0" smtClean="0"/>
+              <a:t>…</a:t>
+            </a:r>
+            <a:endParaRPr lang="en-US" dirty="0"/>
+          </a:p>
+        </p:txBody>
+      </p:sp>
+      <p:sp>
+        <p:nvSpPr>
+          <p:cNvPr id="3" name="Content Placeholder 2"/>
+          <p:cNvSpPr>
+            <a:spLocks noGrp="1"/>
+          </p:cNvSpPr>
+          <p:nvPr>
+            <p:ph idx="1"/>
+          </p:nvPr>
+        </p:nvSpPr>
+        <p:spPr>
+          <a:xfrm>
+            <a:off x="838200" y="1825625"/>
+            <a:ext cx="10515600" cy="4351338"/>
+          </a:xfrm>
+        </p:spPr>
+        <p:txBody>
+          <a:bodyPr>
+            <a:normAutofit/>
+          </a:bodyPr>
+          <a:lstStyle/>
+          <a:p>
+            <a:r>
+              <a:rPr lang="en-US" dirty="0" smtClean="0"/>
+              <a:t>Typically, React development is done with the latest and greatest JavaScript features</a:t>
+            </a:r>
+          </a:p>
+          <a:p>
+            <a:r>
+              <a:rPr lang="en-US" dirty="0" smtClean="0"/>
+              <a:t>Support for these cutting-edge features, especially when running React applications in older browsers, is provided by a transpiler such as Babel or TypeScript</a:t>
+            </a:r>
+          </a:p>
+          <a:p>
+            <a:r>
+              <a:rPr lang="en-US" dirty="0" smtClean="0"/>
+              <a:t>Because JSX, a little language which simplifies the development of components, requires a transpiler, it makes sense to use the transpiler for the whole application to gain access to the latest JavaScript  features such as ES2015 modules, arrow functions, classes, etc</a:t>
+            </a:r>
+            <a:r>
+              <a:rPr lang="mr-IN" dirty="0" smtClean="0"/>
+              <a:t>…</a:t>
+            </a:r>
+            <a:endParaRPr lang="en-US" dirty="0"/>
+          </a:p>
+          <a:p>
+            <a:endParaRPr lang="en-US" dirty="0"/>
+          </a:p>
+        </p:txBody>
+      </p:sp>
+    </p:spTree>
+    <p:extLst>
+      <p:ext uri="{BB962C8B-B14F-4D97-AF65-F5344CB8AC3E}">
+        <p14:creationId xmlns:p14="http://schemas.microsoft.com/office/powerpoint/2010/main" val="310266093"/>
+      </p:ext>
+    </p:extLst>
+  </p:cSld>
+  <p:clrMapOvr>
+    <a:masterClrMapping/>
+  </p:clrMapOvr>
+</p:sld>
+</file>
+
+<file path=ppt/slides/slide30.xml><?xml version="1.0" encoding="utf-8"?>
+<p:sld xmlns:a="http://schemas.openxmlformats.org/drawingml/2006/main" xmlns:r="http://schemas.openxmlformats.org/officeDocument/2006/relationships" xmlns:p="http://schemas.openxmlformats.org/presentationml/2006/main">
+  <p:cSld>
+    <p:spTree>
+      <p:nvGrpSpPr>
+        <p:cNvPr id="1" name=""/>
+        <p:cNvGrpSpPr/>
+        <p:nvPr/>
+      </p:nvGrpSpPr>
+      <p:grpSpPr>
+        <a:xfrm>
+          <a:off x="0" y="0"/>
+          <a:ext cx="0" cy="0"/>
+          <a:chOff x="0" y="0"/>
+          <a:chExt cx="0" cy="0"/>
+        </a:xfrm>
+      </p:grpSpPr>
+      <p:sp>
+        <p:nvSpPr>
+          <p:cNvPr id="3" name="Title 2"/>
+          <p:cNvSpPr>
+            <a:spLocks noGrp="1"/>
+          </p:cNvSpPr>
+          <p:nvPr>
+            <p:ph type="title"/>
+          </p:nvPr>
+        </p:nvSpPr>
+        <p:spPr>
+          <a:xfrm>
+            <a:off x="828263" y="553481"/>
+            <a:ext cx="10515600" cy="1325563"/>
+          </a:xfrm>
+        </p:spPr>
+        <p:txBody>
+          <a:bodyPr>
+            <a:normAutofit fontScale="90000"/>
+          </a:bodyPr>
+          <a:lstStyle/>
+          <a:p>
+            <a:r>
+              <a:rPr lang="en-US" dirty="0"/>
+              <a:t>Presentational versus Container Components</a:t>
+            </a:r>
+            <a:br>
+              <a:rPr lang="en-US" dirty="0"/>
+            </a:br>
+            <a:r>
+              <a:rPr lang="en-US" sz="3600" dirty="0">
+                <a:gradFill>
+                  <a:gsLst>
+                    <a:gs pos="0">
+                      <a:schemeClr val="tx2"/>
+                    </a:gs>
+                    <a:gs pos="100000">
+                      <a:schemeClr val="tx2"/>
+                    </a:gs>
+                  </a:gsLst>
+                  <a:lin ang="5400000" scaled="0"/>
+                </a:gradFill>
+              </a:rPr>
+              <a:t>Connecting State and Components without a Container</a:t>
+            </a:r>
+          </a:p>
+        </p:txBody>
+      </p:sp>
+      <p:sp>
+        <p:nvSpPr>
+          <p:cNvPr id="4" name="Rounded Rectangle 3"/>
+          <p:cNvSpPr/>
+          <p:nvPr/>
+        </p:nvSpPr>
+        <p:spPr bwMode="auto">
+          <a:xfrm>
+            <a:off x="5088683" y="4272062"/>
+            <a:ext cx="2465168" cy="1269935"/>
+          </a:xfrm>
+          <a:prstGeom prst="roundRect">
+            <a:avLst/>
+          </a:prstGeom>
+          <a:solidFill>
+            <a:srgbClr val="004562"/>
+          </a:solidFill>
+          <a:ln>
+            <a:noFill/>
+            <a:headEnd type="none" w="med" len="med"/>
+            <a:tailEnd type="none" w="med" len="med"/>
+          </a:ln>
+          <a:effectLst/>
+        </p:spPr>
+        <p:style>
+          <a:lnRef idx="1">
+            <a:schemeClr val="accent2"/>
+          </a:lnRef>
+          <a:fillRef idx="3">
+            <a:schemeClr val="accent2"/>
+          </a:fillRef>
+          <a:effectRef idx="2">
+            <a:schemeClr val="accent2"/>
+          </a:effectRef>
+          <a:fontRef idx="minor">
+            <a:schemeClr val="lt1"/>
+          </a:fontRef>
+        </p:style>
+        <p:txBody>
+          <a:bodyPr rot="0" spcFirstLastPara="0" vertOverflow="overflow" horzOverflow="overflow" vert="horz" wrap="square" lIns="179285" tIns="143428" rIns="179285" bIns="143428" numCol="1" spcCol="0" rtlCol="0" fromWordArt="0" anchor="ctr" anchorCtr="0" forceAA="0" compatLnSpc="1">
+            <a:prstTxWarp prst="textNoShape">
+              <a:avLst/>
+            </a:prstTxWarp>
+            <a:noAutofit/>
+          </a:bodyPr>
+          <a:lstStyle/>
+          <a:p>
+            <a:pPr algn="ctr" defTabSz="914102" fontAlgn="base">
+              <a:lnSpc>
+                <a:spcPct val="90000"/>
+              </a:lnSpc>
+              <a:spcBef>
+                <a:spcPct val="0"/>
+              </a:spcBef>
+              <a:spcAft>
+                <a:spcPct val="0"/>
+              </a:spcAft>
+            </a:pPr>
+            <a:r>
+              <a:rPr lang="en-US" sz="2353" dirty="0">
+                <a:gradFill>
+                  <a:gsLst>
+                    <a:gs pos="0">
+                      <a:srgbClr val="FFFFFF"/>
+                    </a:gs>
+                    <a:gs pos="100000">
+                      <a:srgbClr val="FFFFFF"/>
+                    </a:gs>
+                  </a:gsLst>
+                  <a:lin ang="5400000" scaled="0"/>
+                </a:gradFill>
+                <a:latin typeface="Calibri Regular" charset="0"/>
+                <a:ea typeface="Calibri Regular" charset="0"/>
+                <a:cs typeface="Calibri Regular" charset="0"/>
+              </a:rPr>
+              <a:t>Presentational Component</a:t>
+            </a:r>
+          </a:p>
+          <a:p>
+            <a:pPr algn="ctr" defTabSz="914102" fontAlgn="base">
+              <a:lnSpc>
+                <a:spcPct val="90000"/>
+              </a:lnSpc>
+              <a:spcBef>
+                <a:spcPct val="0"/>
+              </a:spcBef>
+              <a:spcAft>
+                <a:spcPct val="0"/>
+              </a:spcAft>
+            </a:pPr>
+            <a:r>
+              <a:rPr lang="en-US" sz="2353" dirty="0">
+                <a:gradFill>
+                  <a:gsLst>
+                    <a:gs pos="0">
+                      <a:srgbClr val="FFFFFF"/>
+                    </a:gs>
+                    <a:gs pos="100000">
+                      <a:srgbClr val="FFFFFF"/>
+                    </a:gs>
+                  </a:gsLst>
+                  <a:lin ang="5400000" scaled="0"/>
+                </a:gradFill>
+                <a:latin typeface="Calibri Regular" charset="0"/>
+                <a:ea typeface="Calibri Regular" charset="0"/>
+                <a:cs typeface="Calibri Regular" charset="0"/>
+              </a:rPr>
+              <a:t>(React)</a:t>
+            </a:r>
+          </a:p>
+        </p:txBody>
+      </p:sp>
+      <p:sp>
+        <p:nvSpPr>
+          <p:cNvPr id="7" name="Rounded Rectangle 6"/>
+          <p:cNvSpPr/>
+          <p:nvPr/>
+        </p:nvSpPr>
+        <p:spPr bwMode="auto">
+          <a:xfrm>
+            <a:off x="1278877" y="4272062"/>
+            <a:ext cx="2241062" cy="1269935"/>
+          </a:xfrm>
+          <a:prstGeom prst="roundRect">
+            <a:avLst/>
+          </a:prstGeom>
+          <a:solidFill>
+            <a:srgbClr val="004562"/>
+          </a:solidFill>
+          <a:ln>
+            <a:noFill/>
+            <a:headEnd type="none" w="med" len="med"/>
+            <a:tailEnd type="none" w="med" len="med"/>
+          </a:ln>
+          <a:effectLst/>
+        </p:spPr>
+        <p:style>
+          <a:lnRef idx="1">
+            <a:schemeClr val="accent2"/>
+          </a:lnRef>
+          <a:fillRef idx="3">
+            <a:schemeClr val="accent2"/>
+          </a:fillRef>
+          <a:effectRef idx="2">
+            <a:schemeClr val="accent2"/>
+          </a:effectRef>
+          <a:fontRef idx="minor">
+            <a:schemeClr val="lt1"/>
+          </a:fontRef>
+        </p:style>
+        <p:txBody>
+          <a:bodyPr rot="0" spcFirstLastPara="0" vertOverflow="overflow" horzOverflow="overflow" vert="horz" wrap="square" lIns="179285" tIns="143428" rIns="179285" bIns="143428" numCol="1" spcCol="0" rtlCol="0" fromWordArt="0" anchor="ctr" anchorCtr="0" forceAA="0" compatLnSpc="1">
+            <a:prstTxWarp prst="textNoShape">
+              <a:avLst/>
+            </a:prstTxWarp>
+            <a:noAutofit/>
+          </a:bodyPr>
+          <a:lstStyle/>
+          <a:p>
+            <a:pPr algn="ctr" defTabSz="914102" fontAlgn="base">
+              <a:lnSpc>
+                <a:spcPct val="90000"/>
+              </a:lnSpc>
+              <a:spcBef>
+                <a:spcPct val="0"/>
+              </a:spcBef>
+              <a:spcAft>
+                <a:spcPct val="0"/>
+              </a:spcAft>
+            </a:pPr>
+            <a:r>
+              <a:rPr lang="en-US" sz="2353" dirty="0">
+                <a:gradFill>
+                  <a:gsLst>
+                    <a:gs pos="0">
+                      <a:srgbClr val="FFFFFF"/>
+                    </a:gs>
+                    <a:gs pos="100000">
+                      <a:srgbClr val="FFFFFF"/>
+                    </a:gs>
+                  </a:gsLst>
+                  <a:lin ang="5400000" scaled="0"/>
+                </a:gradFill>
+                <a:latin typeface="Calibri Regular" charset="0"/>
+                <a:ea typeface="Calibri Regular" charset="0"/>
+                <a:cs typeface="Calibri Regular" charset="0"/>
+              </a:rPr>
+              <a:t>Application State Store</a:t>
+            </a:r>
+          </a:p>
+          <a:p>
+            <a:pPr algn="ctr" defTabSz="914102" fontAlgn="base">
+              <a:lnSpc>
+                <a:spcPct val="90000"/>
+              </a:lnSpc>
+              <a:spcBef>
+                <a:spcPct val="0"/>
+              </a:spcBef>
+              <a:spcAft>
+                <a:spcPct val="0"/>
+              </a:spcAft>
+            </a:pPr>
+            <a:r>
+              <a:rPr lang="en-US" sz="2353" dirty="0">
+                <a:gradFill>
+                  <a:gsLst>
+                    <a:gs pos="0">
+                      <a:srgbClr val="FFFFFF"/>
+                    </a:gs>
+                    <a:gs pos="100000">
+                      <a:srgbClr val="FFFFFF"/>
+                    </a:gs>
+                  </a:gsLst>
+                  <a:lin ang="5400000" scaled="0"/>
+                </a:gradFill>
+                <a:latin typeface="Calibri Regular" charset="0"/>
+                <a:ea typeface="Calibri Regular" charset="0"/>
+                <a:cs typeface="Calibri Regular" charset="0"/>
+              </a:rPr>
+              <a:t>(Redux)</a:t>
+            </a:r>
+          </a:p>
+        </p:txBody>
+      </p:sp>
+      <p:cxnSp>
+        <p:nvCxnSpPr>
+          <p:cNvPr id="8" name="Straight Arrow Connector 7"/>
+          <p:cNvCxnSpPr>
+            <a:cxnSpLocks/>
+            <a:endCxn id="4" idx="1"/>
+          </p:cNvCxnSpPr>
+          <p:nvPr/>
+        </p:nvCxnSpPr>
+        <p:spPr>
+          <a:xfrm>
+            <a:off x="3519940" y="4907029"/>
+            <a:ext cx="1568743" cy="0"/>
+          </a:xfrm>
+          <a:prstGeom prst="straightConnector1">
+            <a:avLst/>
+          </a:prstGeom>
+          <a:ln>
+            <a:solidFill>
+              <a:schemeClr val="tx1"/>
+            </a:solidFill>
+            <a:headEnd type="none"/>
+            <a:tailEnd type="triangle"/>
+          </a:ln>
+        </p:spPr>
+        <p:style>
+          <a:lnRef idx="1">
+            <a:schemeClr val="accent1"/>
+          </a:lnRef>
+          <a:fillRef idx="0">
+            <a:schemeClr val="accent1"/>
+          </a:fillRef>
+          <a:effectRef idx="0">
+            <a:schemeClr val="accent1"/>
+          </a:effectRef>
+          <a:fontRef idx="minor">
+            <a:schemeClr val="tx1"/>
+          </a:fontRef>
+        </p:style>
+      </p:cxnSp>
+      <p:sp>
+        <p:nvSpPr>
+          <p:cNvPr id="9" name="Rounded Rectangle 8"/>
+          <p:cNvSpPr/>
+          <p:nvPr/>
+        </p:nvSpPr>
+        <p:spPr bwMode="auto">
+          <a:xfrm>
+            <a:off x="3295833" y="2552246"/>
+            <a:ext cx="2241062" cy="1269935"/>
+          </a:xfrm>
+          <a:prstGeom prst="roundRect">
+            <a:avLst/>
+          </a:prstGeom>
+          <a:solidFill>
+            <a:srgbClr val="004562"/>
+          </a:solidFill>
+          <a:ln>
+            <a:noFill/>
+            <a:headEnd type="none" w="med" len="med"/>
+            <a:tailEnd type="none" w="med" len="med"/>
+          </a:ln>
+          <a:effectLst/>
+        </p:spPr>
+        <p:style>
+          <a:lnRef idx="1">
+            <a:schemeClr val="accent2"/>
+          </a:lnRef>
+          <a:fillRef idx="3">
+            <a:schemeClr val="accent2"/>
+          </a:fillRef>
+          <a:effectRef idx="2">
+            <a:schemeClr val="accent2"/>
+          </a:effectRef>
+          <a:fontRef idx="minor">
+            <a:schemeClr val="lt1"/>
+          </a:fontRef>
+        </p:style>
+        <p:txBody>
+          <a:bodyPr rot="0" spcFirstLastPara="0" vertOverflow="overflow" horzOverflow="overflow" vert="horz" wrap="square" lIns="179285" tIns="143428" rIns="179285" bIns="143428" numCol="1" spcCol="0" rtlCol="0" fromWordArt="0" anchor="ctr" anchorCtr="0" forceAA="0" compatLnSpc="1">
+            <a:prstTxWarp prst="textNoShape">
+              <a:avLst/>
+            </a:prstTxWarp>
+            <a:noAutofit/>
+          </a:bodyPr>
+          <a:lstStyle/>
+          <a:p>
+            <a:pPr algn="ctr" defTabSz="914102" fontAlgn="base">
+              <a:lnSpc>
+                <a:spcPct val="90000"/>
+              </a:lnSpc>
+              <a:spcBef>
+                <a:spcPct val="0"/>
+              </a:spcBef>
+              <a:spcAft>
+                <a:spcPct val="0"/>
+              </a:spcAft>
+            </a:pPr>
+            <a:r>
+              <a:rPr lang="en-US" sz="2353" dirty="0">
+                <a:gradFill>
+                  <a:gsLst>
+                    <a:gs pos="0">
+                      <a:srgbClr val="FFFFFF"/>
+                    </a:gs>
+                    <a:gs pos="100000">
+                      <a:srgbClr val="FFFFFF"/>
+                    </a:gs>
+                  </a:gsLst>
+                  <a:lin ang="5400000" scaled="0"/>
+                </a:gradFill>
+                <a:latin typeface="Calibri Regular" charset="0"/>
+                <a:ea typeface="Calibri Regular" charset="0"/>
+                <a:cs typeface="Calibri Regular" charset="0"/>
+              </a:rPr>
+              <a:t>Actions</a:t>
+            </a:r>
+          </a:p>
+        </p:txBody>
+      </p:sp>
+      <p:cxnSp>
+        <p:nvCxnSpPr>
+          <p:cNvPr id="11" name="Straight Arrow Connector 10"/>
+          <p:cNvCxnSpPr>
+            <a:cxnSpLocks/>
+            <a:stCxn id="4" idx="0"/>
+            <a:endCxn id="9" idx="3"/>
+          </p:cNvCxnSpPr>
+          <p:nvPr/>
+        </p:nvCxnSpPr>
+        <p:spPr>
+          <a:xfrm rot="16200000" flipV="1">
+            <a:off x="5386657" y="3337452"/>
+            <a:ext cx="1084849" cy="784372"/>
+          </a:xfrm>
+          <a:prstGeom prst="bentConnector2">
+            <a:avLst/>
+          </a:prstGeom>
+          <a:ln>
+            <a:solidFill>
+              <a:schemeClr val="tx1"/>
+            </a:solidFill>
+            <a:headEnd type="none"/>
+            <a:tailEnd type="triangle"/>
+          </a:ln>
+        </p:spPr>
+        <p:style>
+          <a:lnRef idx="1">
+            <a:schemeClr val="accent1"/>
+          </a:lnRef>
+          <a:fillRef idx="0">
+            <a:schemeClr val="accent1"/>
+          </a:fillRef>
+          <a:effectRef idx="0">
+            <a:schemeClr val="accent1"/>
+          </a:effectRef>
+          <a:fontRef idx="minor">
+            <a:schemeClr val="tx1"/>
+          </a:fontRef>
+        </p:style>
+      </p:cxnSp>
+      <p:cxnSp>
+        <p:nvCxnSpPr>
+          <p:cNvPr id="13" name="Straight Arrow Connector 12"/>
+          <p:cNvCxnSpPr>
+            <a:stCxn id="9" idx="1"/>
+            <a:endCxn id="7" idx="0"/>
+          </p:cNvCxnSpPr>
+          <p:nvPr/>
+        </p:nvCxnSpPr>
+        <p:spPr>
+          <a:xfrm rot="10800000" flipV="1">
+            <a:off x="2399408" y="3187213"/>
+            <a:ext cx="896425" cy="1084849"/>
+          </a:xfrm>
+          <a:prstGeom prst="bentConnector2">
+            <a:avLst/>
+          </a:prstGeom>
+          <a:ln>
+            <a:solidFill>
+              <a:schemeClr val="tx1"/>
+            </a:solidFill>
+            <a:headEnd type="none"/>
+            <a:tailEnd type="triangle"/>
+          </a:ln>
+        </p:spPr>
+        <p:style>
+          <a:lnRef idx="1">
+            <a:schemeClr val="accent1"/>
+          </a:lnRef>
+          <a:fillRef idx="0">
+            <a:schemeClr val="accent1"/>
+          </a:fillRef>
+          <a:effectRef idx="0">
+            <a:schemeClr val="accent1"/>
+          </a:effectRef>
+          <a:fontRef idx="minor">
+            <a:schemeClr val="tx1"/>
+          </a:fontRef>
+        </p:style>
+      </p:cxnSp>
+      <p:sp>
+        <p:nvSpPr>
+          <p:cNvPr id="14" name="TextBox 13"/>
+          <p:cNvSpPr txBox="1"/>
+          <p:nvPr/>
+        </p:nvSpPr>
+        <p:spPr>
+          <a:xfrm>
+            <a:off x="7777957" y="2383171"/>
+            <a:ext cx="3472485" cy="3005144"/>
+          </a:xfrm>
+          <a:prstGeom prst="rect">
+            <a:avLst/>
+          </a:prstGeom>
+          <a:noFill/>
+        </p:spPr>
+        <p:txBody>
+          <a:bodyPr wrap="square" lIns="179285" tIns="143428" rIns="179285" bIns="143428" rtlCol="0">
+            <a:spAutoFit/>
+          </a:bodyPr>
+          <a:lstStyle/>
+          <a:p>
+            <a:pPr>
+              <a:lnSpc>
+                <a:spcPct val="90000"/>
+              </a:lnSpc>
+              <a:spcAft>
+                <a:spcPts val="588"/>
+              </a:spcAft>
+            </a:pPr>
+            <a:r>
+              <a:rPr lang="en-US" sz="1961" dirty="0">
+                <a:gradFill>
+                  <a:gsLst>
+                    <a:gs pos="2917">
+                      <a:schemeClr val="tx1"/>
+                    </a:gs>
+                    <a:gs pos="30000">
+                      <a:schemeClr val="tx1"/>
+                    </a:gs>
+                  </a:gsLst>
+                  <a:lin ang="5400000" scaled="0"/>
+                </a:gradFill>
+                <a:latin typeface="Calibri Regular" charset="0"/>
+              </a:rPr>
+              <a:t>The presentational component requires knowledge of the store and how to dispatch actions. This tightly couples the presentational component to the application environment. Because of this coupling, the presentational components cannot be easily reused.</a:t>
+            </a:r>
+          </a:p>
+        </p:txBody>
+      </p:sp>
+      <p:sp>
+        <p:nvSpPr>
+          <p:cNvPr id="15" name="TextBox 14"/>
+          <p:cNvSpPr txBox="1"/>
+          <p:nvPr/>
+        </p:nvSpPr>
+        <p:spPr>
+          <a:xfrm rot="2579416">
+            <a:off x="5766928" y="2723100"/>
+            <a:ext cx="1391336" cy="615522"/>
+          </a:xfrm>
+          <a:prstGeom prst="rect">
+            <a:avLst/>
+          </a:prstGeom>
+          <a:noFill/>
+        </p:spPr>
+        <p:txBody>
+          <a:bodyPr wrap="none" lIns="179285" tIns="143428" rIns="179285" bIns="143428" rtlCol="0">
+            <a:spAutoFit/>
+          </a:bodyPr>
+          <a:lstStyle/>
+          <a:p>
+            <a:pPr>
+              <a:lnSpc>
+                <a:spcPct val="90000"/>
+              </a:lnSpc>
+              <a:spcAft>
+                <a:spcPts val="588"/>
+              </a:spcAft>
+            </a:pPr>
+            <a:r>
+              <a:rPr lang="en-US" sz="2353" dirty="0">
+                <a:solidFill>
+                  <a:srgbClr val="FC6439"/>
+                </a:solidFill>
+                <a:latin typeface="Calibri Regular" charset="0"/>
+              </a:rPr>
+              <a:t>dispatch</a:t>
+            </a:r>
+          </a:p>
+        </p:txBody>
+      </p:sp>
+      <p:sp>
+        <p:nvSpPr>
+          <p:cNvPr id="16" name="TextBox 15"/>
+          <p:cNvSpPr txBox="1"/>
+          <p:nvPr/>
+        </p:nvSpPr>
+        <p:spPr>
+          <a:xfrm>
+            <a:off x="3598905" y="4830434"/>
+            <a:ext cx="1376564" cy="615522"/>
+          </a:xfrm>
+          <a:prstGeom prst="rect">
+            <a:avLst/>
+          </a:prstGeom>
+          <a:noFill/>
+        </p:spPr>
+        <p:txBody>
+          <a:bodyPr wrap="none" lIns="179285" tIns="143428" rIns="179285" bIns="143428" rtlCol="0">
+            <a:spAutoFit/>
+          </a:bodyPr>
+          <a:lstStyle/>
+          <a:p>
+            <a:pPr algn="ctr">
+              <a:lnSpc>
+                <a:spcPct val="90000"/>
+              </a:lnSpc>
+              <a:spcAft>
+                <a:spcPts val="588"/>
+              </a:spcAft>
+            </a:pPr>
+            <a:r>
+              <a:rPr lang="en-US" sz="2353" dirty="0" err="1">
+                <a:solidFill>
+                  <a:srgbClr val="FC6439"/>
+                </a:solidFill>
+                <a:latin typeface="Calibri Regular" charset="0"/>
+              </a:rPr>
+              <a:t>getState</a:t>
+            </a:r>
+            <a:endParaRPr lang="en-US" sz="2353" dirty="0">
+              <a:solidFill>
+                <a:srgbClr val="FC6439"/>
+              </a:solidFill>
+              <a:latin typeface="Calibri Regular" charset="0"/>
+            </a:endParaRPr>
+          </a:p>
+        </p:txBody>
+      </p:sp>
+    </p:spTree>
+    <p:extLst>
+      <p:ext uri="{BB962C8B-B14F-4D97-AF65-F5344CB8AC3E}">
+        <p14:creationId xmlns:p14="http://schemas.microsoft.com/office/powerpoint/2010/main" val="518701108"/>
+      </p:ext>
+    </p:extLst>
+  </p:cSld>
+  <p:clrMapOvr>
+    <a:masterClrMapping/>
+  </p:clrMapOvr>
+  <mc:AlternateContent xmlns:mc="http://schemas.openxmlformats.org/markup-compatibility/2006" xmlns:p14="http://schemas.microsoft.com/office/powerpoint/2010/main">
+    <mc:Choice Requires="p14">
+      <p:transition spd="slow" p14:dur="2000"/>
+    </mc:Choice>
+    <mc:Fallback xmlns="">
+      <p:transition spd="slow"/>
+    </mc:Fallback>
+  </mc:AlternateContent>
+  <p:timing>
+    <p:tnLst>
+      <p:par>
+        <p:cTn id="1" dur="indefinite" restart="never" nodeType="tmRoot"/>
+      </p:par>
+    </p:tnLst>
+  </p:timing>
+</p:sld>
+</file>
+
+<file path=ppt/slides/slide31.xml><?xml version="1.0" encoding="utf-8"?>
+<p:sld xmlns:a="http://schemas.openxmlformats.org/drawingml/2006/main" xmlns:r="http://schemas.openxmlformats.org/officeDocument/2006/relationships" xmlns:p="http://schemas.openxmlformats.org/presentationml/2006/main">
+  <p:cSld>
+    <p:spTree>
+      <p:nvGrpSpPr>
+        <p:cNvPr id="1" name=""/>
+        <p:cNvGrpSpPr/>
+        <p:nvPr/>
+      </p:nvGrpSpPr>
+      <p:grpSpPr>
+        <a:xfrm>
+          <a:off x="0" y="0"/>
+          <a:ext cx="0" cy="0"/>
+          <a:chOff x="0" y="0"/>
+          <a:chExt cx="0" cy="0"/>
+        </a:xfrm>
+      </p:grpSpPr>
+      <p:sp>
+        <p:nvSpPr>
+          <p:cNvPr id="3" name="Title 2"/>
+          <p:cNvSpPr>
+            <a:spLocks noGrp="1"/>
+          </p:cNvSpPr>
+          <p:nvPr>
+            <p:ph type="title"/>
+          </p:nvPr>
+        </p:nvSpPr>
+        <p:spPr>
+          <a:xfrm>
+            <a:off x="936896" y="566681"/>
+            <a:ext cx="11655840" cy="899537"/>
+          </a:xfrm>
+        </p:spPr>
+        <p:txBody>
+          <a:bodyPr>
+            <a:noAutofit/>
+          </a:bodyPr>
+          <a:lstStyle/>
+          <a:p>
+            <a:r>
+              <a:rPr lang="en-US" dirty="0"/>
+              <a:t>Presentational versus Container Components</a:t>
+            </a:r>
+            <a:r>
+              <a:rPr lang="en-US" sz="4000" dirty="0"/>
+              <a:t/>
+            </a:r>
+            <a:br>
+              <a:rPr lang="en-US" sz="4000" dirty="0"/>
+            </a:br>
+            <a:r>
+              <a:rPr lang="en-US" sz="3600" dirty="0">
+                <a:gradFill>
+                  <a:gsLst>
+                    <a:gs pos="0">
+                      <a:schemeClr val="tx2"/>
+                    </a:gs>
+                    <a:gs pos="100000">
+                      <a:schemeClr val="tx2"/>
+                    </a:gs>
+                  </a:gsLst>
+                  <a:lin ang="5400000" scaled="0"/>
+                </a:gradFill>
+              </a:rPr>
+              <a:t>Connecting State and Components with a Container</a:t>
+            </a:r>
+          </a:p>
+        </p:txBody>
+      </p:sp>
+      <p:sp>
+        <p:nvSpPr>
+          <p:cNvPr id="7" name="Rounded Rectangle 6"/>
+          <p:cNvSpPr/>
+          <p:nvPr/>
+        </p:nvSpPr>
+        <p:spPr bwMode="auto">
+          <a:xfrm>
+            <a:off x="808097" y="4104535"/>
+            <a:ext cx="2241062" cy="1269935"/>
+          </a:xfrm>
+          <a:prstGeom prst="roundRect">
+            <a:avLst/>
+          </a:prstGeom>
+          <a:solidFill>
+            <a:srgbClr val="004562"/>
+          </a:solidFill>
+          <a:ln>
+            <a:noFill/>
+            <a:headEnd type="none" w="med" len="med"/>
+            <a:tailEnd type="none" w="med" len="med"/>
+          </a:ln>
+          <a:effectLst/>
+        </p:spPr>
+        <p:style>
+          <a:lnRef idx="1">
+            <a:schemeClr val="accent2"/>
+          </a:lnRef>
+          <a:fillRef idx="3">
+            <a:schemeClr val="accent2"/>
+          </a:fillRef>
+          <a:effectRef idx="2">
+            <a:schemeClr val="accent2"/>
+          </a:effectRef>
+          <a:fontRef idx="minor">
+            <a:schemeClr val="lt1"/>
+          </a:fontRef>
+        </p:style>
+        <p:txBody>
+          <a:bodyPr rot="0" spcFirstLastPara="0" vertOverflow="overflow" horzOverflow="overflow" vert="horz" wrap="square" lIns="179285" tIns="143428" rIns="179285" bIns="143428" numCol="1" spcCol="0" rtlCol="0" fromWordArt="0" anchor="ctr" anchorCtr="0" forceAA="0" compatLnSpc="1">
+            <a:prstTxWarp prst="textNoShape">
+              <a:avLst/>
+            </a:prstTxWarp>
+            <a:noAutofit/>
+          </a:bodyPr>
+          <a:lstStyle/>
+          <a:p>
+            <a:pPr algn="ctr" defTabSz="914102" fontAlgn="base">
+              <a:lnSpc>
+                <a:spcPct val="90000"/>
+              </a:lnSpc>
+              <a:spcBef>
+                <a:spcPct val="0"/>
+              </a:spcBef>
+              <a:spcAft>
+                <a:spcPct val="0"/>
+              </a:spcAft>
+            </a:pPr>
+            <a:r>
+              <a:rPr lang="en-US" sz="2353" dirty="0">
+                <a:gradFill>
+                  <a:gsLst>
+                    <a:gs pos="0">
+                      <a:srgbClr val="FFFFFF"/>
+                    </a:gs>
+                    <a:gs pos="100000">
+                      <a:srgbClr val="FFFFFF"/>
+                    </a:gs>
+                  </a:gsLst>
+                  <a:lin ang="5400000" scaled="0"/>
+                </a:gradFill>
+                <a:latin typeface="Calibri Regular" charset="0"/>
+                <a:ea typeface="Calibri Regular" charset="0"/>
+                <a:cs typeface="Calibri Regular" charset="0"/>
+              </a:rPr>
+              <a:t>Application State Store</a:t>
+            </a:r>
+          </a:p>
+          <a:p>
+            <a:pPr algn="ctr" defTabSz="914102" fontAlgn="base">
+              <a:lnSpc>
+                <a:spcPct val="90000"/>
+              </a:lnSpc>
+              <a:spcBef>
+                <a:spcPct val="0"/>
+              </a:spcBef>
+              <a:spcAft>
+                <a:spcPct val="0"/>
+              </a:spcAft>
+            </a:pPr>
+            <a:r>
+              <a:rPr lang="en-US" sz="2353" dirty="0">
+                <a:gradFill>
+                  <a:gsLst>
+                    <a:gs pos="0">
+                      <a:srgbClr val="FFFFFF"/>
+                    </a:gs>
+                    <a:gs pos="100000">
+                      <a:srgbClr val="FFFFFF"/>
+                    </a:gs>
+                  </a:gsLst>
+                  <a:lin ang="5400000" scaled="0"/>
+                </a:gradFill>
+                <a:latin typeface="Calibri Regular" charset="0"/>
+                <a:ea typeface="Calibri Regular" charset="0"/>
+                <a:cs typeface="Calibri Regular" charset="0"/>
+              </a:rPr>
+              <a:t>(Redux)</a:t>
+            </a:r>
+          </a:p>
+        </p:txBody>
+      </p:sp>
+      <p:sp>
+        <p:nvSpPr>
+          <p:cNvPr id="9" name="Rounded Rectangle 8"/>
+          <p:cNvSpPr/>
+          <p:nvPr/>
+        </p:nvSpPr>
+        <p:spPr bwMode="auto">
+          <a:xfrm>
+            <a:off x="2302138" y="2084363"/>
+            <a:ext cx="2241062" cy="1269935"/>
+          </a:xfrm>
+          <a:prstGeom prst="roundRect">
+            <a:avLst/>
+          </a:prstGeom>
+          <a:solidFill>
+            <a:srgbClr val="004562"/>
+          </a:solidFill>
+          <a:ln>
+            <a:noFill/>
+            <a:headEnd type="none" w="med" len="med"/>
+            <a:tailEnd type="none" w="med" len="med"/>
+          </a:ln>
+          <a:effectLst/>
+        </p:spPr>
+        <p:style>
+          <a:lnRef idx="1">
+            <a:schemeClr val="accent2"/>
+          </a:lnRef>
+          <a:fillRef idx="3">
+            <a:schemeClr val="accent2"/>
+          </a:fillRef>
+          <a:effectRef idx="2">
+            <a:schemeClr val="accent2"/>
+          </a:effectRef>
+          <a:fontRef idx="minor">
+            <a:schemeClr val="lt1"/>
+          </a:fontRef>
+        </p:style>
+        <p:txBody>
+          <a:bodyPr rot="0" spcFirstLastPara="0" vertOverflow="overflow" horzOverflow="overflow" vert="horz" wrap="square" lIns="179285" tIns="143428" rIns="179285" bIns="143428" numCol="1" spcCol="0" rtlCol="0" fromWordArt="0" anchor="ctr" anchorCtr="0" forceAA="0" compatLnSpc="1">
+            <a:prstTxWarp prst="textNoShape">
+              <a:avLst/>
+            </a:prstTxWarp>
+            <a:noAutofit/>
+          </a:bodyPr>
+          <a:lstStyle/>
+          <a:p>
+            <a:pPr algn="ctr" defTabSz="914102" fontAlgn="base">
+              <a:lnSpc>
+                <a:spcPct val="90000"/>
+              </a:lnSpc>
+              <a:spcBef>
+                <a:spcPct val="0"/>
+              </a:spcBef>
+              <a:spcAft>
+                <a:spcPct val="0"/>
+              </a:spcAft>
+            </a:pPr>
+            <a:r>
+              <a:rPr lang="en-US" sz="2353" dirty="0">
+                <a:gradFill>
+                  <a:gsLst>
+                    <a:gs pos="0">
+                      <a:srgbClr val="FFFFFF"/>
+                    </a:gs>
+                    <a:gs pos="100000">
+                      <a:srgbClr val="FFFFFF"/>
+                    </a:gs>
+                  </a:gsLst>
+                  <a:lin ang="5400000" scaled="0"/>
+                </a:gradFill>
+                <a:latin typeface="Calibri Regular" charset="0"/>
+                <a:ea typeface="Calibri Regular" charset="0"/>
+                <a:cs typeface="Calibri Regular" charset="0"/>
+              </a:rPr>
+              <a:t>Actions</a:t>
+            </a:r>
+          </a:p>
+        </p:txBody>
+      </p:sp>
+      <p:cxnSp>
+        <p:nvCxnSpPr>
+          <p:cNvPr id="13" name="Straight Arrow Connector 12"/>
+          <p:cNvCxnSpPr>
+            <a:stCxn id="9" idx="1"/>
+            <a:endCxn id="7" idx="0"/>
+          </p:cNvCxnSpPr>
+          <p:nvPr/>
+        </p:nvCxnSpPr>
+        <p:spPr>
+          <a:xfrm rot="10800000" flipV="1">
+            <a:off x="1928628" y="2719330"/>
+            <a:ext cx="373510" cy="1385205"/>
+          </a:xfrm>
+          <a:prstGeom prst="bentConnector2">
+            <a:avLst/>
+          </a:prstGeom>
+          <a:ln>
+            <a:solidFill>
+              <a:schemeClr val="tx1"/>
+            </a:solidFill>
+            <a:headEnd type="none"/>
+            <a:tailEnd type="triangle"/>
+          </a:ln>
+        </p:spPr>
+        <p:style>
+          <a:lnRef idx="1">
+            <a:schemeClr val="accent1"/>
+          </a:lnRef>
+          <a:fillRef idx="0">
+            <a:schemeClr val="accent1"/>
+          </a:fillRef>
+          <a:effectRef idx="0">
+            <a:schemeClr val="accent1"/>
+          </a:effectRef>
+          <a:fontRef idx="minor">
+            <a:schemeClr val="tx1"/>
+          </a:fontRef>
+        </p:style>
+      </p:cxnSp>
+      <p:sp>
+        <p:nvSpPr>
+          <p:cNvPr id="14" name="TextBox 13"/>
+          <p:cNvSpPr txBox="1"/>
+          <p:nvPr/>
+        </p:nvSpPr>
+        <p:spPr>
+          <a:xfrm>
+            <a:off x="7949925" y="2341215"/>
+            <a:ext cx="3748730" cy="3548242"/>
+          </a:xfrm>
+          <a:prstGeom prst="rect">
+            <a:avLst/>
+          </a:prstGeom>
+          <a:noFill/>
+        </p:spPr>
+        <p:txBody>
+          <a:bodyPr wrap="square" lIns="179285" tIns="143428" rIns="179285" bIns="143428" rtlCol="0">
+            <a:spAutoFit/>
+          </a:bodyPr>
+          <a:lstStyle/>
+          <a:p>
+            <a:pPr>
+              <a:lnSpc>
+                <a:spcPct val="90000"/>
+              </a:lnSpc>
+              <a:spcAft>
+                <a:spcPts val="588"/>
+              </a:spcAft>
+            </a:pPr>
+            <a:r>
+              <a:rPr lang="en-US" sz="1961" dirty="0">
+                <a:gradFill>
+                  <a:gsLst>
+                    <a:gs pos="2917">
+                      <a:schemeClr val="tx1"/>
+                    </a:gs>
+                    <a:gs pos="30000">
+                      <a:schemeClr val="tx1"/>
+                    </a:gs>
+                  </a:gsLst>
+                  <a:lin ang="5400000" scaled="0"/>
+                </a:gradFill>
+                <a:latin typeface="Calibri Regular" charset="0"/>
+              </a:rPr>
+              <a:t>The presentational component no longer requires knowledge of the store or how to dispatch actions. The container component will map the application state and actions to the presentational component props. This allows the presentational component to be loosely coupled the application environment, and makes it more reusable.</a:t>
+            </a:r>
+          </a:p>
+        </p:txBody>
+      </p:sp>
+      <p:sp>
+        <p:nvSpPr>
+          <p:cNvPr id="15" name="TextBox 14"/>
+          <p:cNvSpPr txBox="1"/>
+          <p:nvPr/>
+        </p:nvSpPr>
+        <p:spPr>
+          <a:xfrm>
+            <a:off x="4805336" y="2205436"/>
+            <a:ext cx="1391336" cy="615522"/>
+          </a:xfrm>
+          <a:prstGeom prst="rect">
+            <a:avLst/>
+          </a:prstGeom>
+          <a:noFill/>
+        </p:spPr>
+        <p:txBody>
+          <a:bodyPr wrap="none" lIns="179285" tIns="143428" rIns="179285" bIns="143428" rtlCol="0">
+            <a:spAutoFit/>
+          </a:bodyPr>
+          <a:lstStyle/>
+          <a:p>
+            <a:pPr>
+              <a:lnSpc>
+                <a:spcPct val="90000"/>
+              </a:lnSpc>
+              <a:spcAft>
+                <a:spcPts val="588"/>
+              </a:spcAft>
+            </a:pPr>
+            <a:r>
+              <a:rPr lang="en-US" sz="2353" dirty="0">
+                <a:solidFill>
+                  <a:srgbClr val="FC6439"/>
+                </a:solidFill>
+                <a:latin typeface="Calibri Regular" charset="0"/>
+              </a:rPr>
+              <a:t>dispatch</a:t>
+            </a:r>
+          </a:p>
+        </p:txBody>
+      </p:sp>
+      <p:sp>
+        <p:nvSpPr>
+          <p:cNvPr id="16" name="TextBox 15"/>
+          <p:cNvSpPr txBox="1"/>
+          <p:nvPr/>
+        </p:nvSpPr>
+        <p:spPr>
+          <a:xfrm>
+            <a:off x="3300097" y="4624233"/>
+            <a:ext cx="1376564" cy="615522"/>
+          </a:xfrm>
+          <a:prstGeom prst="rect">
+            <a:avLst/>
+          </a:prstGeom>
+          <a:noFill/>
+        </p:spPr>
+        <p:txBody>
+          <a:bodyPr wrap="none" lIns="179285" tIns="143428" rIns="179285" bIns="143428" rtlCol="0">
+            <a:spAutoFit/>
+          </a:bodyPr>
+          <a:lstStyle/>
+          <a:p>
+            <a:pPr>
+              <a:lnSpc>
+                <a:spcPct val="90000"/>
+              </a:lnSpc>
+              <a:spcAft>
+                <a:spcPts val="588"/>
+              </a:spcAft>
+            </a:pPr>
+            <a:r>
+              <a:rPr lang="en-US" sz="2353" dirty="0" err="1">
+                <a:solidFill>
+                  <a:srgbClr val="FC6439"/>
+                </a:solidFill>
+                <a:latin typeface="Calibri Regular" charset="0"/>
+              </a:rPr>
+              <a:t>getState</a:t>
+            </a:r>
+            <a:endParaRPr lang="en-US" sz="2353" dirty="0">
+              <a:solidFill>
+                <a:srgbClr val="FC6439"/>
+              </a:solidFill>
+              <a:latin typeface="Calibri Regular" charset="0"/>
+            </a:endParaRPr>
+          </a:p>
+        </p:txBody>
+      </p:sp>
+      <p:grpSp>
+        <p:nvGrpSpPr>
+          <p:cNvPr id="10" name="Group 9"/>
+          <p:cNvGrpSpPr/>
+          <p:nvPr/>
+        </p:nvGrpSpPr>
+        <p:grpSpPr>
+          <a:xfrm>
+            <a:off x="5124873" y="3538108"/>
+            <a:ext cx="2667867" cy="2443829"/>
+            <a:chOff x="5818779" y="4357229"/>
+            <a:chExt cx="2514600" cy="2492833"/>
+          </a:xfrm>
+        </p:grpSpPr>
+        <p:sp>
+          <p:nvSpPr>
+            <p:cNvPr id="5" name="Rounded Rectangle 4"/>
+            <p:cNvSpPr/>
+            <p:nvPr/>
+          </p:nvSpPr>
+          <p:spPr bwMode="auto">
+            <a:xfrm>
+              <a:off x="5818779" y="4357229"/>
+              <a:ext cx="2514600" cy="2492833"/>
+            </a:xfrm>
+            <a:prstGeom prst="roundRect">
+              <a:avLst/>
+            </a:prstGeom>
+            <a:solidFill>
+              <a:srgbClr val="FC6439"/>
+            </a:solidFill>
+            <a:ln>
+              <a:noFill/>
+              <a:headEnd type="none" w="med" len="med"/>
+              <a:tailEnd type="none" w="med" len="med"/>
+            </a:ln>
+            <a:effectLst/>
+          </p:spPr>
+          <p:style>
+            <a:lnRef idx="1">
+              <a:schemeClr val="accent2"/>
+            </a:lnRef>
+            <a:fillRef idx="3">
+              <a:schemeClr val="accent2"/>
+            </a:fillRef>
+            <a:effectRef idx="2">
+              <a:schemeClr val="accent2"/>
+            </a:effectRef>
+            <a:fontRef idx="minor">
+              <a:schemeClr val="lt1"/>
+            </a:fontRef>
+          </p:style>
+          <p:txBody>
+            <a:bodyPr rot="0" spcFirstLastPara="0" vertOverflow="overflow" horzOverflow="overflow" vert="horz" wrap="square" lIns="179285" tIns="143428" rIns="179285" bIns="143428" numCol="1" spcCol="0" rtlCol="0" fromWordArt="0" anchor="t" anchorCtr="0" forceAA="0" compatLnSpc="1">
+              <a:prstTxWarp prst="textNoShape">
+                <a:avLst/>
+              </a:prstTxWarp>
+              <a:noAutofit/>
+            </a:bodyPr>
+            <a:lstStyle/>
+            <a:p>
+              <a:pPr algn="ctr" defTabSz="914102" fontAlgn="base">
+                <a:lnSpc>
+                  <a:spcPct val="90000"/>
+                </a:lnSpc>
+                <a:spcBef>
+                  <a:spcPct val="0"/>
+                </a:spcBef>
+                <a:spcAft>
+                  <a:spcPct val="0"/>
+                </a:spcAft>
+              </a:pPr>
+              <a:r>
+                <a:rPr lang="en-US" sz="2353" dirty="0">
+                  <a:gradFill>
+                    <a:gsLst>
+                      <a:gs pos="0">
+                        <a:srgbClr val="FFFFFF"/>
+                      </a:gs>
+                      <a:gs pos="100000">
+                        <a:srgbClr val="FFFFFF"/>
+                      </a:gs>
+                    </a:gsLst>
+                    <a:lin ang="5400000" scaled="0"/>
+                  </a:gradFill>
+                  <a:latin typeface="Calibri Regular" charset="0"/>
+                  <a:ea typeface="Calibri Regular" charset="0"/>
+                  <a:cs typeface="Calibri Regular" charset="0"/>
+                </a:rPr>
+                <a:t>Container Component</a:t>
+              </a:r>
+            </a:p>
+          </p:txBody>
+        </p:sp>
+        <p:sp>
+          <p:nvSpPr>
+            <p:cNvPr id="4" name="Rounded Rectangle 3"/>
+            <p:cNvSpPr/>
+            <p:nvPr/>
+          </p:nvSpPr>
+          <p:spPr bwMode="auto">
+            <a:xfrm>
+              <a:off x="5933079" y="5446556"/>
+              <a:ext cx="2286000" cy="1295400"/>
+            </a:xfrm>
+            <a:prstGeom prst="roundRect">
+              <a:avLst/>
+            </a:prstGeom>
+            <a:solidFill>
+              <a:srgbClr val="004562"/>
+            </a:solidFill>
+            <a:ln>
+              <a:noFill/>
+              <a:headEnd type="none" w="med" len="med"/>
+              <a:tailEnd type="none" w="med" len="med"/>
+            </a:ln>
+            <a:effectLst/>
+          </p:spPr>
+          <p:style>
+            <a:lnRef idx="1">
+              <a:schemeClr val="accent2"/>
+            </a:lnRef>
+            <a:fillRef idx="3">
+              <a:schemeClr val="accent2"/>
+            </a:fillRef>
+            <a:effectRef idx="2">
+              <a:schemeClr val="accent2"/>
+            </a:effectRef>
+            <a:fontRef idx="minor">
+              <a:schemeClr val="lt1"/>
+            </a:fontRef>
+          </p:style>
+          <p:txBody>
+            <a:bodyPr rot="0" spcFirstLastPara="0" vertOverflow="overflow" horzOverflow="overflow" vert="horz" wrap="square" lIns="179285" tIns="143428" rIns="179285" bIns="143428" numCol="1" spcCol="0" rtlCol="0" fromWordArt="0" anchor="ctr" anchorCtr="0" forceAA="0" compatLnSpc="1">
+              <a:prstTxWarp prst="textNoShape">
+                <a:avLst/>
+              </a:prstTxWarp>
+              <a:noAutofit/>
+            </a:bodyPr>
+            <a:lstStyle/>
+            <a:p>
+              <a:pPr algn="ctr" defTabSz="914102" fontAlgn="base">
+                <a:lnSpc>
+                  <a:spcPct val="90000"/>
+                </a:lnSpc>
+                <a:spcBef>
+                  <a:spcPct val="0"/>
+                </a:spcBef>
+                <a:spcAft>
+                  <a:spcPct val="0"/>
+                </a:spcAft>
+              </a:pPr>
+              <a:r>
+                <a:rPr lang="en-US" sz="2353" dirty="0">
+                  <a:gradFill>
+                    <a:gsLst>
+                      <a:gs pos="0">
+                        <a:srgbClr val="FFFFFF"/>
+                      </a:gs>
+                      <a:gs pos="100000">
+                        <a:srgbClr val="FFFFFF"/>
+                      </a:gs>
+                    </a:gsLst>
+                    <a:lin ang="5400000" scaled="0"/>
+                  </a:gradFill>
+                  <a:latin typeface="Calibri Regular" charset="0"/>
+                  <a:ea typeface="Calibri Regular" charset="0"/>
+                  <a:cs typeface="Calibri Regular" charset="0"/>
+                </a:rPr>
+                <a:t>Presentational Component</a:t>
+              </a:r>
+            </a:p>
+            <a:p>
+              <a:pPr algn="ctr" defTabSz="914102" fontAlgn="base">
+                <a:lnSpc>
+                  <a:spcPct val="90000"/>
+                </a:lnSpc>
+                <a:spcBef>
+                  <a:spcPct val="0"/>
+                </a:spcBef>
+                <a:spcAft>
+                  <a:spcPct val="0"/>
+                </a:spcAft>
+              </a:pPr>
+              <a:r>
+                <a:rPr lang="en-US" sz="2353" dirty="0">
+                  <a:gradFill>
+                    <a:gsLst>
+                      <a:gs pos="0">
+                        <a:srgbClr val="FFFFFF"/>
+                      </a:gs>
+                      <a:gs pos="100000">
+                        <a:srgbClr val="FFFFFF"/>
+                      </a:gs>
+                    </a:gsLst>
+                    <a:lin ang="5400000" scaled="0"/>
+                  </a:gradFill>
+                  <a:latin typeface="Calibri Regular" charset="0"/>
+                  <a:ea typeface="Calibri Regular" charset="0"/>
+                  <a:cs typeface="Calibri Regular" charset="0"/>
+                </a:rPr>
+                <a:t>(React)</a:t>
+              </a:r>
+            </a:p>
+          </p:txBody>
+        </p:sp>
+      </p:grpSp>
+      <p:cxnSp>
+        <p:nvCxnSpPr>
+          <p:cNvPr id="29" name="Straight Arrow Connector 28"/>
+          <p:cNvCxnSpPr>
+            <a:stCxn id="7" idx="3"/>
+            <a:endCxn id="5" idx="1"/>
+          </p:cNvCxnSpPr>
+          <p:nvPr/>
+        </p:nvCxnSpPr>
+        <p:spPr>
+          <a:xfrm>
+            <a:off x="3049159" y="4739503"/>
+            <a:ext cx="2075715" cy="20520"/>
+          </a:xfrm>
+          <a:prstGeom prst="straightConnector1">
+            <a:avLst/>
+          </a:prstGeom>
+          <a:ln>
+            <a:solidFill>
+              <a:schemeClr val="tx1"/>
+            </a:solidFill>
+            <a:headEnd type="none"/>
+            <a:tailEnd type="triangle"/>
+          </a:ln>
+        </p:spPr>
+        <p:style>
+          <a:lnRef idx="1">
+            <a:schemeClr val="accent1"/>
+          </a:lnRef>
+          <a:fillRef idx="0">
+            <a:schemeClr val="accent1"/>
+          </a:fillRef>
+          <a:effectRef idx="0">
+            <a:schemeClr val="accent1"/>
+          </a:effectRef>
+          <a:fontRef idx="minor">
+            <a:schemeClr val="tx1"/>
+          </a:fontRef>
+        </p:style>
+      </p:cxnSp>
+      <p:cxnSp>
+        <p:nvCxnSpPr>
+          <p:cNvPr id="31" name="Straight Arrow Connector 30"/>
+          <p:cNvCxnSpPr>
+            <a:cxnSpLocks/>
+            <a:stCxn id="5" idx="0"/>
+            <a:endCxn id="9" idx="3"/>
+          </p:cNvCxnSpPr>
+          <p:nvPr/>
+        </p:nvCxnSpPr>
+        <p:spPr>
+          <a:xfrm rot="16200000" flipV="1">
+            <a:off x="5091616" y="2170916"/>
+            <a:ext cx="818777" cy="1915607"/>
+          </a:xfrm>
+          <a:prstGeom prst="bentConnector2">
+            <a:avLst/>
+          </a:prstGeom>
+          <a:ln>
+            <a:solidFill>
+              <a:schemeClr val="tx1"/>
+            </a:solidFill>
+            <a:headEnd type="none"/>
+            <a:tailEnd type="triangle"/>
+          </a:ln>
+        </p:spPr>
+        <p:style>
+          <a:lnRef idx="1">
+            <a:schemeClr val="accent1"/>
+          </a:lnRef>
+          <a:fillRef idx="0">
+            <a:schemeClr val="accent1"/>
+          </a:fillRef>
+          <a:effectRef idx="0">
+            <a:schemeClr val="accent1"/>
+          </a:effectRef>
+          <a:fontRef idx="minor">
+            <a:schemeClr val="tx1"/>
+          </a:fontRef>
+        </p:style>
+      </p:cxnSp>
+    </p:spTree>
+    <p:extLst>
+      <p:ext uri="{BB962C8B-B14F-4D97-AF65-F5344CB8AC3E}">
+        <p14:creationId xmlns:p14="http://schemas.microsoft.com/office/powerpoint/2010/main" val="1173398983"/>
+      </p:ext>
+    </p:extLst>
+  </p:cSld>
+  <p:clrMapOvr>
+    <a:masterClrMapping/>
+  </p:clrMapOvr>
+  <mc:AlternateContent xmlns:mc="http://schemas.openxmlformats.org/markup-compatibility/2006" xmlns:p14="http://schemas.microsoft.com/office/powerpoint/2010/main">
+    <mc:Choice Requires="p14">
+      <p:transition spd="slow" p14:dur="2000"/>
+    </mc:Choice>
+    <mc:Fallback xmlns="">
+      <p:transition spd="slow"/>
+    </mc:Fallback>
+  </mc:AlternateContent>
+  <p:timing>
+    <p:tnLst>
+      <p:par>
+        <p:cTn id="1" dur="indefinite" restart="never" nodeType="tmRoot"/>
+      </p:par>
+    </p:tnLst>
+  </p:timing>
+</p:sld>
+</file>
+
+<file path=ppt/slides/slide32.xml><?xml version="1.0" encoding="utf-8"?>
+<p:sld xmlns:a="http://schemas.openxmlformats.org/drawingml/2006/main" xmlns:r="http://schemas.openxmlformats.org/officeDocument/2006/relationships" xmlns:p="http://schemas.openxmlformats.org/presentationml/2006/main">
+  <p:cSld>
+    <p:spTree>
+      <p:nvGrpSpPr>
+        <p:cNvPr id="1" name=""/>
+        <p:cNvGrpSpPr/>
+        <p:nvPr/>
+      </p:nvGrpSpPr>
+      <p:grpSpPr>
+        <a:xfrm>
+          <a:off x="0" y="0"/>
+          <a:ext cx="0" cy="0"/>
+          <a:chOff x="0" y="0"/>
+          <a:chExt cx="0" cy="0"/>
+        </a:xfrm>
+      </p:grpSpPr>
+      <p:sp>
+        <p:nvSpPr>
+          <p:cNvPr id="3" name="Title 2"/>
+          <p:cNvSpPr>
+            <a:spLocks noGrp="1"/>
+          </p:cNvSpPr>
+          <p:nvPr>
+            <p:ph type="title"/>
+          </p:nvPr>
+        </p:nvSpPr>
+        <p:spPr/>
+        <p:txBody>
+          <a:bodyPr>
+            <a:normAutofit/>
+          </a:bodyPr>
+          <a:lstStyle/>
+          <a:p>
+            <a:r>
+              <a:rPr lang="en-US" sz="4900" dirty="0"/>
+              <a:t>Connecting React to Redux</a:t>
+            </a:r>
+            <a:r>
+              <a:rPr lang="en-US" sz="4313" dirty="0"/>
+              <a:t/>
+            </a:r>
+            <a:br>
+              <a:rPr lang="en-US" sz="4313" dirty="0"/>
+            </a:br>
+            <a:r>
+              <a:rPr lang="en-US" sz="4000" dirty="0">
+                <a:gradFill>
+                  <a:gsLst>
+                    <a:gs pos="0">
+                      <a:schemeClr val="tx2"/>
+                    </a:gs>
+                    <a:gs pos="100000">
+                      <a:schemeClr val="tx2"/>
+                    </a:gs>
+                  </a:gsLst>
+                  <a:lin ang="5400000" scaled="0"/>
+                </a:gradFill>
+              </a:rPr>
+              <a:t>Wrapping a presentational component</a:t>
+            </a:r>
+            <a:endParaRPr lang="en-US" sz="3529" dirty="0">
+              <a:gradFill>
+                <a:gsLst>
+                  <a:gs pos="0">
+                    <a:schemeClr val="tx2"/>
+                  </a:gs>
+                  <a:gs pos="100000">
+                    <a:schemeClr val="tx2"/>
+                  </a:gs>
+                </a:gsLst>
+                <a:lin ang="5400000" scaled="0"/>
+              </a:gradFill>
+            </a:endParaRPr>
+          </a:p>
+        </p:txBody>
+      </p:sp>
+      <p:sp>
+        <p:nvSpPr>
+          <p:cNvPr id="6" name="Text Placeholder 2"/>
+          <p:cNvSpPr>
+            <a:spLocks noGrp="1"/>
+          </p:cNvSpPr>
+          <p:nvPr>
+            <p:ph idx="1"/>
+          </p:nvPr>
+        </p:nvSpPr>
+        <p:spPr/>
+        <p:txBody>
+          <a:bodyPr anchor="t">
+            <a:noAutofit/>
+          </a:bodyPr>
+          <a:lstStyle/>
+          <a:p>
+            <a:pPr marL="457200" indent="-457200">
+              <a:buFont typeface="Arial" charset="0"/>
+              <a:buChar char="•"/>
+              <a:tabLst>
+                <a:tab pos="6796088" algn="l"/>
+              </a:tabLst>
+            </a:pPr>
+            <a:r>
+              <a:rPr lang="en-US" sz="2800" dirty="0">
+                <a:solidFill>
+                  <a:schemeClr val="tx1"/>
+                </a:solidFill>
+                <a:latin typeface="Calibri Regular" charset="0"/>
+              </a:rPr>
+              <a:t>The </a:t>
+            </a:r>
+            <a:r>
+              <a:rPr lang="en-US" sz="2800" b="1" dirty="0">
+                <a:solidFill>
+                  <a:schemeClr val="tx1"/>
+                </a:solidFill>
+                <a:latin typeface="Calibri Regular" charset="0"/>
+              </a:rPr>
+              <a:t>react-redux</a:t>
+            </a:r>
+            <a:r>
+              <a:rPr lang="en-US" sz="2800" dirty="0">
+                <a:solidFill>
+                  <a:schemeClr val="tx1"/>
+                </a:solidFill>
+                <a:latin typeface="Calibri Regular" charset="0"/>
+              </a:rPr>
+              <a:t> package provides helper functions to wrap presentational components with programmatically-created container components which are connected to the application's Redux store</a:t>
+            </a:r>
+          </a:p>
+          <a:p>
+            <a:pPr marL="457200" indent="-457200">
+              <a:buFont typeface="Arial" charset="0"/>
+              <a:buChar char="•"/>
+            </a:pPr>
+            <a:r>
+              <a:rPr lang="en-US" sz="2800" dirty="0">
+                <a:solidFill>
+                  <a:schemeClr val="tx1"/>
+                </a:solidFill>
+                <a:latin typeface="Calibri Regular" charset="0"/>
+              </a:rPr>
+              <a:t>The </a:t>
+            </a:r>
+            <a:r>
+              <a:rPr lang="en-US" sz="2800" b="1" dirty="0">
+                <a:solidFill>
+                  <a:schemeClr val="tx1"/>
+                </a:solidFill>
+                <a:latin typeface="Calibri Regular" charset="0"/>
+              </a:rPr>
+              <a:t>connect</a:t>
+            </a:r>
+            <a:r>
+              <a:rPr lang="en-US" sz="2800" dirty="0">
+                <a:solidFill>
+                  <a:schemeClr val="tx1"/>
+                </a:solidFill>
+                <a:latin typeface="Calibri Regular" charset="0"/>
+              </a:rPr>
+              <a:t> function provides the wrapping mechanism, but requires mappings between the Redux store and the presentational component's props</a:t>
+            </a:r>
+          </a:p>
+          <a:p>
+            <a:pPr marL="793345" lvl="1" indent="-457200">
+              <a:buFont typeface="Arial" charset="0"/>
+              <a:buChar char="•"/>
+            </a:pPr>
+            <a:r>
+              <a:rPr lang="en-US" sz="2800" dirty="0"/>
+              <a:t>Maps the application state to the wrapped presentational component's props</a:t>
+            </a:r>
+          </a:p>
+          <a:p>
+            <a:pPr marL="793345" lvl="1" indent="-457200">
+              <a:buFont typeface="Arial" charset="0"/>
+              <a:buChar char="•"/>
+            </a:pPr>
+            <a:r>
+              <a:rPr lang="en-US" sz="2800" dirty="0"/>
+              <a:t>Configures the actions that will be available in the component tree, and how to dispatch them to the store</a:t>
+            </a:r>
+          </a:p>
+        </p:txBody>
+      </p:sp>
+    </p:spTree>
+    <p:extLst>
+      <p:ext uri="{BB962C8B-B14F-4D97-AF65-F5344CB8AC3E}">
+        <p14:creationId xmlns:p14="http://schemas.microsoft.com/office/powerpoint/2010/main" val="1789413785"/>
+      </p:ext>
+    </p:extLst>
+  </p:cSld>
+  <p:clrMapOvr>
+    <a:masterClrMapping/>
+  </p:clrMapOvr>
+  <mc:AlternateContent xmlns:mc="http://schemas.openxmlformats.org/markup-compatibility/2006" xmlns:p14="http://schemas.microsoft.com/office/powerpoint/2010/main">
+    <mc:Choice Requires="p14">
+      <p:transition spd="slow" p14:dur="2000"/>
+    </mc:Choice>
+    <mc:Fallback xmlns="">
+      <p:transition spd="slow"/>
+    </mc:Fallback>
+  </mc:AlternateContent>
+  <p:timing>
+    <p:tnLst>
+      <p:par>
+        <p:cTn id="1" dur="indefinite" restart="never" nodeType="tmRoot"/>
+      </p:par>
+    </p:tnLst>
+  </p:timing>
+</p:sld>
+</file>
+
+<file path=ppt/slides/slide33.xml><?xml version="1.0" encoding="utf-8"?>
 <p:sld xmlns:a="http://schemas.openxmlformats.org/drawingml/2006/main" xmlns:r="http://schemas.openxmlformats.org/officeDocument/2006/relationships" xmlns:p="http://schemas.openxmlformats.org/presentationml/2006/main">
   <p:cSld>
     <p:spTree>
@@ -19406,278 +23787,6 @@
 </p:sld>
 </file>
 
-<file path=ppt/slides/slide2.xml><?xml version="1.0" encoding="utf-8"?>
-<p:sld xmlns:a="http://schemas.openxmlformats.org/drawingml/2006/main" xmlns:r="http://schemas.openxmlformats.org/officeDocument/2006/relationships" xmlns:p="http://schemas.openxmlformats.org/presentationml/2006/main">
-  <p:cSld>
-    <p:spTree>
-      <p:nvGrpSpPr>
-        <p:cNvPr id="1" name=""/>
-        <p:cNvGrpSpPr/>
-        <p:nvPr/>
-      </p:nvGrpSpPr>
-      <p:grpSpPr>
-        <a:xfrm>
-          <a:off x="0" y="0"/>
-          <a:ext cx="0" cy="0"/>
-          <a:chOff x="0" y="0"/>
-          <a:chExt cx="0" cy="0"/>
-        </a:xfrm>
-      </p:grpSpPr>
-      <p:sp>
-        <p:nvSpPr>
-          <p:cNvPr id="2" name="Title 1"/>
-          <p:cNvSpPr>
-            <a:spLocks noGrp="1"/>
-          </p:cNvSpPr>
-          <p:nvPr>
-            <p:ph type="title"/>
-          </p:nvPr>
-        </p:nvSpPr>
-        <p:spPr/>
-        <p:txBody>
-          <a:bodyPr/>
-          <a:lstStyle/>
-          <a:p>
-            <a:r>
-              <a:rPr lang="en-US" dirty="0"/>
-              <a:t>What is React?</a:t>
-            </a:r>
-          </a:p>
-        </p:txBody>
-      </p:sp>
-      <p:sp>
-        <p:nvSpPr>
-          <p:cNvPr id="3" name="Content Placeholder 2"/>
-          <p:cNvSpPr>
-            <a:spLocks noGrp="1"/>
-          </p:cNvSpPr>
-          <p:nvPr>
-            <p:ph idx="1"/>
-          </p:nvPr>
-        </p:nvSpPr>
-        <p:spPr>
-          <a:xfrm>
-            <a:off x="838200" y="1825625"/>
-            <a:ext cx="10515600" cy="4351338"/>
-          </a:xfrm>
-        </p:spPr>
-        <p:txBody>
-          <a:bodyPr>
-            <a:normAutofit/>
-          </a:bodyPr>
-          <a:lstStyle/>
-          <a:p>
-            <a:r>
-              <a:rPr lang="en-US" dirty="0"/>
-              <a:t>React is "a JavaScript library for building user interfaces"</a:t>
-            </a:r>
-          </a:p>
-          <a:p>
-            <a:r>
-              <a:rPr lang="en-US" dirty="0"/>
-              <a:t>Focus is on JavaScript code, not HTML templates</a:t>
-            </a:r>
-          </a:p>
-          <a:p>
-            <a:r>
-              <a:rPr lang="en-US" dirty="0"/>
-              <a:t>React Components are composable</a:t>
-            </a:r>
-          </a:p>
-          <a:p>
-            <a:r>
-              <a:rPr lang="en-US" dirty="0"/>
-              <a:t>One-way reactive data flow, does not perform two-way data binding by default</a:t>
-            </a:r>
-          </a:p>
-          <a:p>
-            <a:r>
-              <a:rPr lang="en-US" dirty="0"/>
-              <a:t>Efficiently handles DOM manipulations through a Virtual DOM using an algorithm which determines the optimal set of manipulations based upon the changes needed</a:t>
-            </a:r>
-          </a:p>
-          <a:p>
-            <a:r>
-              <a:rPr lang="en-US" dirty="0"/>
-              <a:t>Represents the "V" in MVC</a:t>
-            </a:r>
-          </a:p>
-          <a:p>
-            <a:endParaRPr lang="en-US" dirty="0"/>
-          </a:p>
-        </p:txBody>
-      </p:sp>
-    </p:spTree>
-    <p:extLst>
-      <p:ext uri="{BB962C8B-B14F-4D97-AF65-F5344CB8AC3E}">
-        <p14:creationId xmlns:p14="http://schemas.microsoft.com/office/powerpoint/2010/main" val="2718515395"/>
-      </p:ext>
-    </p:extLst>
-  </p:cSld>
-  <p:clrMapOvr>
-    <a:masterClrMapping/>
-  </p:clrMapOvr>
-</p:sld>
-</file>
-
-<file path=ppt/slides/slide3.xml><?xml version="1.0" encoding="utf-8"?>
-<p:sld xmlns:a="http://schemas.openxmlformats.org/drawingml/2006/main" xmlns:r="http://schemas.openxmlformats.org/officeDocument/2006/relationships" xmlns:p="http://schemas.openxmlformats.org/presentationml/2006/main">
-  <p:cSld>
-    <p:spTree>
-      <p:nvGrpSpPr>
-        <p:cNvPr id="1" name=""/>
-        <p:cNvGrpSpPr/>
-        <p:nvPr/>
-      </p:nvGrpSpPr>
-      <p:grpSpPr>
-        <a:xfrm>
-          <a:off x="0" y="0"/>
-          <a:ext cx="0" cy="0"/>
-          <a:chOff x="0" y="0"/>
-          <a:chExt cx="0" cy="0"/>
-        </a:xfrm>
-      </p:grpSpPr>
-      <p:sp>
-        <p:nvSpPr>
-          <p:cNvPr id="2" name="Title 1"/>
-          <p:cNvSpPr>
-            <a:spLocks noGrp="1"/>
-          </p:cNvSpPr>
-          <p:nvPr>
-            <p:ph type="title"/>
-          </p:nvPr>
-        </p:nvSpPr>
-        <p:spPr/>
-        <p:txBody>
-          <a:bodyPr/>
-          <a:lstStyle/>
-          <a:p>
-            <a:r>
-              <a:rPr lang="en-US" dirty="0"/>
-              <a:t>What is React?</a:t>
-            </a:r>
-          </a:p>
-        </p:txBody>
-      </p:sp>
-      <p:sp>
-        <p:nvSpPr>
-          <p:cNvPr id="3" name="Content Placeholder 2"/>
-          <p:cNvSpPr>
-            <a:spLocks noGrp="1"/>
-          </p:cNvSpPr>
-          <p:nvPr>
-            <p:ph idx="1"/>
-          </p:nvPr>
-        </p:nvSpPr>
-        <p:spPr>
-          <a:xfrm>
-            <a:off x="838200" y="1825625"/>
-            <a:ext cx="10515600" cy="4351338"/>
-          </a:xfrm>
-        </p:spPr>
-        <p:txBody>
-          <a:bodyPr>
-            <a:normAutofit/>
-          </a:bodyPr>
-          <a:lstStyle/>
-          <a:p>
-            <a:r>
-              <a:rPr lang="en-US" dirty="0"/>
-              <a:t>React is not a framework, it only provides support coding UI </a:t>
-            </a:r>
-            <a:r>
-              <a:rPr lang="en-US" dirty="0" smtClean="0"/>
-              <a:t>elements</a:t>
-            </a:r>
-            <a:endParaRPr lang="en-US" dirty="0"/>
-          </a:p>
-          <a:p>
-            <a:r>
-              <a:rPr lang="en-US" dirty="0"/>
-              <a:t>React does </a:t>
-            </a:r>
-            <a:r>
-              <a:rPr lang="en-US" dirty="0" smtClean="0"/>
-              <a:t>NOT:</a:t>
-            </a:r>
-            <a:endParaRPr lang="en-US" dirty="0"/>
-          </a:p>
-          <a:p>
-            <a:pPr lvl="1"/>
-            <a:r>
-              <a:rPr lang="en-US" dirty="0"/>
-              <a:t>Manage application state</a:t>
-            </a:r>
-          </a:p>
-          <a:p>
-            <a:pPr lvl="1"/>
-            <a:r>
-              <a:rPr lang="en-US" dirty="0"/>
-              <a:t>Manage asynchronous operations</a:t>
-            </a:r>
-          </a:p>
-          <a:p>
-            <a:pPr lvl="1"/>
-            <a:r>
-              <a:rPr lang="en-US" dirty="0"/>
-              <a:t>Process business logic</a:t>
-            </a:r>
-          </a:p>
-          <a:p>
-            <a:pPr lvl="1"/>
-            <a:r>
-              <a:rPr lang="en-US" dirty="0"/>
-              <a:t>Provide a controller, routing or other such similar features</a:t>
-            </a:r>
-          </a:p>
-          <a:p>
-            <a:pPr lvl="1"/>
-            <a:r>
-              <a:rPr lang="en-US" dirty="0"/>
-              <a:t>Provides </a:t>
-            </a:r>
-            <a:r>
-              <a:rPr lang="en-US" dirty="0" smtClean="0"/>
-              <a:t>local </a:t>
-            </a:r>
-            <a:r>
-              <a:rPr lang="en-US" dirty="0"/>
-              <a:t>storage mechanisms</a:t>
-            </a:r>
-          </a:p>
-          <a:p>
-            <a:pPr lvl="1"/>
-            <a:r>
-              <a:rPr lang="en-US" dirty="0"/>
-              <a:t>Provides a</a:t>
-            </a:r>
-            <a:r>
-              <a:rPr lang="en-US" dirty="0" smtClean="0"/>
-              <a:t> </a:t>
-            </a:r>
-            <a:r>
-              <a:rPr lang="en-US" dirty="0"/>
-              <a:t>mechanism for services and dependency injection</a:t>
-            </a:r>
-          </a:p>
-          <a:p>
-            <a:endParaRPr lang="en-US" dirty="0"/>
-          </a:p>
-        </p:txBody>
-      </p:sp>
-    </p:spTree>
-    <p:extLst>
-      <p:ext uri="{BB962C8B-B14F-4D97-AF65-F5344CB8AC3E}">
-        <p14:creationId xmlns:p14="http://schemas.microsoft.com/office/powerpoint/2010/main" val="2054478511"/>
-      </p:ext>
-    </p:extLst>
-  </p:cSld>
-  <p:clrMapOvr>
-    <a:masterClrMapping/>
-  </p:clrMapOvr>
-</p:sld>
-</file>
-
 <file path=ppt/slides/slide4.xml><?xml version="1.0" encoding="utf-8"?>
 <p:sld xmlns:a="http://schemas.openxmlformats.org/drawingml/2006/main" xmlns:r="http://schemas.openxmlformats.org/officeDocument/2006/relationships" xmlns:p="http://schemas.openxmlformats.org/presentationml/2006/main">
   <p:cSld>
@@ -19746,23 +23855,25 @@
           <a:p>
             <a:r>
               <a:rPr lang="en-US" dirty="0" smtClean="0"/>
-              <a:t>Typically, React development is done with the latest and greatest JavaScript features</a:t>
+              <a:t>While Babel is very popular (and used in this class), the TypeScript transpiler provides the same benefits plus strong-typing</a:t>
             </a:r>
           </a:p>
           <a:p>
             <a:r>
               <a:rPr lang="en-US" dirty="0" smtClean="0"/>
-              <a:t>Support for these cutting-edge features, especially when running React applications in older browsers, is provided by a transpiler such as Babel or TypeScript</a:t>
+              <a:t>Transpilers have become an essential part of the development tool chain in modern JavaScript development</a:t>
             </a:r>
           </a:p>
           <a:p>
             <a:r>
               <a:rPr lang="en-US" dirty="0" smtClean="0"/>
-              <a:t>Because JSX, a little language which simplifies the development of components, requires a transpiler, it makes sense to use the transpiler for the whole application to gain access to the latest JavaScript  features such as ES2015 modules, arrow functions, classes, etc</a:t>
-            </a:r>
-            <a:r>
-              <a:rPr lang="mr-IN" dirty="0" smtClean="0"/>
-              <a:t>…</a:t>
+              <a:t>Annually, new JavaScript features are released</a:t>
+            </a:r>
+          </a:p>
+          <a:p>
+            <a:r>
+              <a:rPr lang="en-US" dirty="0" smtClean="0"/>
+              <a:t>Usually, before a new feature is released, transpiler support for the feature provides a mean to use it in an older browser, even before the new feature is a standard</a:t>
             </a:r>
             <a:endParaRPr lang="en-US" dirty="0"/>
           </a:p>
@@ -19774,7 +23885,7 @@
     </p:spTree>
     <p:extLst>
       <p:ext uri="{BB962C8B-B14F-4D97-AF65-F5344CB8AC3E}">
-        <p14:creationId xmlns:p14="http://schemas.microsoft.com/office/powerpoint/2010/main" val="310266093"/>
+        <p14:creationId xmlns:p14="http://schemas.microsoft.com/office/powerpoint/2010/main" val="764908943"/>
       </p:ext>
     </p:extLst>
   </p:cSld>
@@ -19818,11 +23929,7 @@
           <a:p>
             <a:r>
               <a:rPr lang="en-US" dirty="0" smtClean="0"/>
-              <a:t>ES2017, ES2016, ES2015</a:t>
-            </a:r>
-            <a:r>
-              <a:rPr lang="mr-IN" dirty="0" smtClean="0"/>
-              <a:t>…</a:t>
+              <a:t>Visual Studio Code</a:t>
             </a:r>
             <a:endParaRPr lang="en-US" dirty="0"/>
           </a:p>
@@ -19841,48 +23948,133 @@
         <p:spPr>
           <a:xfrm>
             <a:off x="838200" y="1825625"/>
-            <a:ext cx="10515600" cy="4351338"/>
+            <a:ext cx="5538216" cy="4351338"/>
           </a:xfrm>
         </p:spPr>
         <p:txBody>
           <a:bodyPr>
-            <a:normAutofit/>
+            <a:normAutofit lnSpcReduction="10000"/>
           </a:bodyPr>
           <a:lstStyle/>
           <a:p>
             <a:r>
               <a:rPr lang="en-US" dirty="0" smtClean="0"/>
-              <a:t>While Babel is very popular (and used in this class), the TypeScript transpiler provides the same benefits plus strong-typing</a:t>
+              <a:t>Visual Studio Code is among the most popular editors for coding JavaScript applications</a:t>
             </a:r>
           </a:p>
           <a:p>
             <a:r>
               <a:rPr lang="en-US" dirty="0" smtClean="0"/>
-              <a:t>Transpilers have become an essential part of the development tool chain in modern JavaScript development</a:t>
+              <a:t>Simply referred to as Code, it provides out-of-the-box support for JSX</a:t>
             </a:r>
           </a:p>
           <a:p>
             <a:r>
               <a:rPr lang="en-US" dirty="0" smtClean="0"/>
-              <a:t>Annually, new JavaScript features are released</a:t>
+              <a:t>Code itself is an Electron-based editor coded with Chromium and Node.js using HTML/CSS/JavaScript</a:t>
             </a:r>
           </a:p>
           <a:p>
             <a:r>
               <a:rPr lang="en-US" dirty="0" smtClean="0"/>
-              <a:t>Usually, before a new feature is released, transpiler support for the feature provides a mean to use it in an older browser, even before the new feature is a standard</a:t>
+              <a:t>Code is an open-source project</a:t>
             </a:r>
             <a:endParaRPr lang="en-US" dirty="0"/>
           </a:p>
           <a:p>
             <a:endParaRPr lang="en-US" dirty="0"/>
+          </a:p>
+        </p:txBody>
+      </p:sp>
+      <p:pic>
+        <p:nvPicPr>
+          <p:cNvPr id="4" name="Picture 3"/>
+          <p:cNvPicPr>
+            <a:picLocks noChangeAspect="1"/>
+          </p:cNvPicPr>
+          <p:nvPr/>
+        </p:nvPicPr>
+        <p:blipFill>
+          <a:blip r:embed="rId3"/>
+          <a:stretch>
+            <a:fillRect/>
+          </a:stretch>
+        </p:blipFill>
+        <p:spPr>
+          <a:xfrm>
+            <a:off x="6504495" y="1916461"/>
+            <a:ext cx="4843011" cy="2772844"/>
+          </a:xfrm>
+          <a:prstGeom prst="rect">
+            <a:avLst/>
+          </a:prstGeom>
+        </p:spPr>
+      </p:pic>
+      <p:sp>
+        <p:nvSpPr>
+          <p:cNvPr id="5" name="TextBox 4"/>
+          <p:cNvSpPr txBox="1"/>
+          <p:nvPr/>
+        </p:nvSpPr>
+        <p:spPr>
+          <a:xfrm>
+            <a:off x="6726936" y="4689305"/>
+            <a:ext cx="4398127" cy="1261884"/>
+          </a:xfrm>
+          <a:prstGeom prst="rect">
+            <a:avLst/>
+          </a:prstGeom>
+          <a:noFill/>
+        </p:spPr>
+        <p:txBody>
+          <a:bodyPr wrap="none" rtlCol="0">
+            <a:spAutoFit/>
+          </a:bodyPr>
+          <a:lstStyle/>
+          <a:p>
+            <a:pPr algn="ctr"/>
+            <a:r>
+              <a:rPr lang="en-US" sz="2800" dirty="0" smtClean="0"/>
+              <a:t>http://</a:t>
+            </a:r>
+            <a:r>
+              <a:rPr lang="en-US" sz="2800" dirty="0" err="1" smtClean="0"/>
+              <a:t>code.visualstudio.com</a:t>
+            </a:r>
+            <a:r>
+              <a:rPr lang="en-US" sz="2800" dirty="0" smtClean="0"/>
+              <a:t/>
+            </a:r>
+            <a:br>
+              <a:rPr lang="en-US" sz="2800" dirty="0" smtClean="0"/>
+            </a:br>
+            <a:r>
+              <a:rPr lang="en-US" sz="2800" dirty="0" smtClean="0"/>
+              <a:t/>
+            </a:r>
+            <a:br>
+              <a:rPr lang="en-US" sz="2800" dirty="0" smtClean="0"/>
+            </a:br>
+            <a:r>
+              <a:rPr lang="en-US" sz="2000" dirty="0" smtClean="0"/>
+              <a:t>(runs on Windows, </a:t>
+            </a:r>
+            <a:r>
+              <a:rPr lang="en-US" sz="2000" dirty="0" err="1" smtClean="0"/>
+              <a:t>MacOS</a:t>
+            </a:r>
+            <a:r>
+              <a:rPr lang="en-US" sz="2000" dirty="0" smtClean="0"/>
+              <a:t> &amp; Linux)</a:t>
+            </a:r>
+            <a:endParaRPr lang="en-US" sz="2000" dirty="0"/>
           </a:p>
         </p:txBody>
       </p:sp>
     </p:spTree>
     <p:extLst>
       <p:ext uri="{BB962C8B-B14F-4D97-AF65-F5344CB8AC3E}">
-        <p14:creationId xmlns:p14="http://schemas.microsoft.com/office/powerpoint/2010/main" val="764908943"/>
+        <p14:creationId xmlns:p14="http://schemas.microsoft.com/office/powerpoint/2010/main" val="1059025597"/>
       </p:ext>
     </p:extLst>
   </p:cSld>
@@ -19926,7 +24118,7 @@
           <a:p>
             <a:r>
               <a:rPr lang="en-US" dirty="0" smtClean="0"/>
-              <a:t>Visual Studio Code</a:t>
+              <a:t>Node.js and NPM</a:t>
             </a:r>
             <a:endParaRPr lang="en-US" dirty="0"/>
           </a:p>
@@ -19945,133 +24137,53 @@
         <p:spPr>
           <a:xfrm>
             <a:off x="838200" y="1825625"/>
-            <a:ext cx="5538216" cy="4351338"/>
+            <a:ext cx="10515600" cy="4351338"/>
           </a:xfrm>
         </p:spPr>
         <p:txBody>
           <a:bodyPr>
-            <a:normAutofit lnSpcReduction="10000"/>
+            <a:normAutofit/>
           </a:bodyPr>
           <a:lstStyle/>
           <a:p>
             <a:r>
               <a:rPr lang="en-US" dirty="0" smtClean="0"/>
-              <a:t>Visual Studio Code is among the most popular editors for coding JavaScript applications</a:t>
+              <a:t>Node.js is server-side JavaScript</a:t>
             </a:r>
           </a:p>
           <a:p>
             <a:r>
               <a:rPr lang="en-US" dirty="0" smtClean="0"/>
-              <a:t>Simply referred to as Code, it provides out-of-the-box support for JSX</a:t>
+              <a:t>Node.js and its package manager, NPM, are used to manage the JavaScript packages needed for the development tool chain including React itself</a:t>
             </a:r>
           </a:p>
           <a:p>
             <a:r>
               <a:rPr lang="en-US" dirty="0" smtClean="0"/>
-              <a:t>Code itself is an Electron-based editor coded with Chromium and Node.js using HTML/CSS/JavaScript</a:t>
+              <a:t>React and the application's JavaScript files are bundled with a tool named Webpack 2</a:t>
             </a:r>
           </a:p>
           <a:p>
             <a:r>
               <a:rPr lang="en-US" dirty="0" smtClean="0"/>
-              <a:t>Code is an open-source project</a:t>
-            </a:r>
+              <a:t>When bundling the files, Webpack 2 runs the files though specially configured loaders such as Babel to transpile the code</a:t>
+            </a:r>
+          </a:p>
+          <a:p>
+            <a:r>
+              <a:rPr lang="en-US" dirty="0" smtClean="0"/>
+              <a:t>Webpack 2 also provides the web development server</a:t>
+            </a:r>
+          </a:p>
+          <a:p>
             <a:endParaRPr lang="en-US" dirty="0"/>
-          </a:p>
-          <a:p>
-            <a:endParaRPr lang="en-US" dirty="0"/>
-          </a:p>
-        </p:txBody>
-      </p:sp>
-      <p:pic>
-        <p:nvPicPr>
-          <p:cNvPr id="4" name="Picture 3"/>
-          <p:cNvPicPr>
-            <a:picLocks noChangeAspect="1"/>
-          </p:cNvPicPr>
-          <p:nvPr/>
-        </p:nvPicPr>
-        <p:blipFill>
-          <a:blip r:embed="rId3"/>
-          <a:stretch>
-            <a:fillRect/>
-          </a:stretch>
-        </p:blipFill>
-        <p:spPr>
-          <a:xfrm>
-            <a:off x="6504495" y="1916461"/>
-            <a:ext cx="4843011" cy="2772844"/>
-          </a:xfrm>
-          <a:prstGeom prst="rect">
-            <a:avLst/>
-          </a:prstGeom>
-        </p:spPr>
-      </p:pic>
-      <p:sp>
-        <p:nvSpPr>
-          <p:cNvPr id="5" name="TextBox 4"/>
-          <p:cNvSpPr txBox="1"/>
-          <p:nvPr/>
-        </p:nvSpPr>
-        <p:spPr>
-          <a:xfrm>
-            <a:off x="6726936" y="4689305"/>
-            <a:ext cx="4398127" cy="1261884"/>
-          </a:xfrm>
-          <a:prstGeom prst="rect">
-            <a:avLst/>
-          </a:prstGeom>
-          <a:noFill/>
-        </p:spPr>
-        <p:txBody>
-          <a:bodyPr wrap="none" rtlCol="0">
-            <a:spAutoFit/>
-          </a:bodyPr>
-          <a:lstStyle/>
-          <a:p>
-            <a:pPr algn="ctr"/>
-            <a:r>
-              <a:rPr lang="en-US" sz="2800" dirty="0" smtClean="0"/>
-              <a:t>http://</a:t>
-            </a:r>
-            <a:r>
-              <a:rPr lang="en-US" sz="2800" dirty="0" err="1" smtClean="0"/>
-              <a:t>code.visualstudio.com</a:t>
-            </a:r>
-            <a:r>
-              <a:rPr lang="en-US" sz="2800" dirty="0" smtClean="0"/>
-              <a:t/>
-            </a:r>
-            <a:br>
-              <a:rPr lang="en-US" sz="2800" dirty="0" smtClean="0"/>
-            </a:br>
-            <a:r>
-              <a:rPr lang="en-US" sz="2800" dirty="0" smtClean="0"/>
-              <a:t/>
-            </a:r>
-            <a:br>
-              <a:rPr lang="en-US" sz="2800" dirty="0" smtClean="0"/>
-            </a:br>
-            <a:r>
-              <a:rPr lang="en-US" sz="2000" dirty="0" smtClean="0"/>
-              <a:t>(runs on Windows, </a:t>
-            </a:r>
-            <a:r>
-              <a:rPr lang="en-US" sz="2000" dirty="0" err="1" smtClean="0"/>
-              <a:t>MacOS</a:t>
-            </a:r>
-            <a:r>
-              <a:rPr lang="en-US" sz="2000" dirty="0" smtClean="0"/>
-              <a:t> &amp; Linux)</a:t>
-            </a:r>
-            <a:endParaRPr lang="en-US" sz="2000" dirty="0"/>
           </a:p>
         </p:txBody>
       </p:sp>
     </p:spTree>
     <p:extLst>
       <p:ext uri="{BB962C8B-B14F-4D97-AF65-F5344CB8AC3E}">
-        <p14:creationId xmlns:p14="http://schemas.microsoft.com/office/powerpoint/2010/main" val="1059025597"/>
+        <p14:creationId xmlns:p14="http://schemas.microsoft.com/office/powerpoint/2010/main" val="394190506"/>
       </p:ext>
     </p:extLst>
   </p:cSld>
@@ -20145,115 +24257,6 @@
           <a:p>
             <a:r>
               <a:rPr lang="en-US" dirty="0" smtClean="0"/>
-              <a:t>Node.js is server-side JavaScript</a:t>
-            </a:r>
-          </a:p>
-          <a:p>
-            <a:r>
-              <a:rPr lang="en-US" dirty="0" smtClean="0"/>
-              <a:t>Node.js and its package manager, NPM, are used to manage the JavaScript packages needed for the development tool chain including React itself</a:t>
-            </a:r>
-          </a:p>
-          <a:p>
-            <a:r>
-              <a:rPr lang="en-US" dirty="0" smtClean="0"/>
-              <a:t>React and the application's JavaScript files are bundled with a tool named Webpack 2</a:t>
-            </a:r>
-          </a:p>
-          <a:p>
-            <a:r>
-              <a:rPr lang="en-US" dirty="0" smtClean="0"/>
-              <a:t>When bundling the files, Webpack 2 runs the files though specially configured loaders such as Babel to transpile the code</a:t>
-            </a:r>
-          </a:p>
-          <a:p>
-            <a:r>
-              <a:rPr lang="en-US" dirty="0" smtClean="0"/>
-              <a:t>Webpack 2 also provides the web development server</a:t>
-            </a:r>
-          </a:p>
-          <a:p>
-            <a:endParaRPr lang="en-US" dirty="0"/>
-          </a:p>
-        </p:txBody>
-      </p:sp>
-    </p:spTree>
-    <p:extLst>
-      <p:ext uri="{BB962C8B-B14F-4D97-AF65-F5344CB8AC3E}">
-        <p14:creationId xmlns:p14="http://schemas.microsoft.com/office/powerpoint/2010/main" val="394190506"/>
-      </p:ext>
-    </p:extLst>
-  </p:cSld>
-  <p:clrMapOvr>
-    <a:masterClrMapping/>
-  </p:clrMapOvr>
-</p:sld>
-</file>
-
-<file path=ppt/slides/slide8.xml><?xml version="1.0" encoding="utf-8"?>
-<p:sld xmlns:a="http://schemas.openxmlformats.org/drawingml/2006/main" xmlns:r="http://schemas.openxmlformats.org/officeDocument/2006/relationships" xmlns:p="http://schemas.openxmlformats.org/presentationml/2006/main">
-  <p:cSld>
-    <p:spTree>
-      <p:nvGrpSpPr>
-        <p:cNvPr id="1" name=""/>
-        <p:cNvGrpSpPr/>
-        <p:nvPr/>
-      </p:nvGrpSpPr>
-      <p:grpSpPr>
-        <a:xfrm>
-          <a:off x="0" y="0"/>
-          <a:ext cx="0" cy="0"/>
-          <a:chOff x="0" y="0"/>
-          <a:chExt cx="0" cy="0"/>
-        </a:xfrm>
-      </p:grpSpPr>
-      <p:sp>
-        <p:nvSpPr>
-          <p:cNvPr id="2" name="Title 1"/>
-          <p:cNvSpPr>
-            <a:spLocks noGrp="1"/>
-          </p:cNvSpPr>
-          <p:nvPr>
-            <p:ph type="title"/>
-          </p:nvPr>
-        </p:nvSpPr>
-        <p:spPr/>
-        <p:txBody>
-          <a:bodyPr/>
-          <a:lstStyle/>
-          <a:p>
-            <a:r>
-              <a:rPr lang="en-US" dirty="0" smtClean="0"/>
-              <a:t>Node.js and NPM</a:t>
-            </a:r>
-            <a:endParaRPr lang="en-US" dirty="0"/>
-          </a:p>
-        </p:txBody>
-      </p:sp>
-      <p:sp>
-        <p:nvSpPr>
-          <p:cNvPr id="3" name="Content Placeholder 2"/>
-          <p:cNvSpPr>
-            <a:spLocks noGrp="1"/>
-          </p:cNvSpPr>
-          <p:nvPr>
-            <p:ph idx="1"/>
-          </p:nvPr>
-        </p:nvSpPr>
-        <p:spPr>
-          <a:xfrm>
-            <a:off x="838200" y="1825625"/>
-            <a:ext cx="10515600" cy="4351338"/>
-          </a:xfrm>
-        </p:spPr>
-        <p:txBody>
-          <a:bodyPr>
-            <a:normAutofit/>
-          </a:bodyPr>
-          <a:lstStyle/>
-          <a:p>
-            <a:r>
-              <a:rPr lang="en-US" dirty="0" smtClean="0"/>
               <a:t>REST Services are provided by the JSON Server</a:t>
             </a:r>
           </a:p>
@@ -20282,7 +24285,7 @@
 </p:sld>
 </file>
 
-<file path=ppt/slides/slide9.xml><?xml version="1.0" encoding="utf-8"?>
+<file path=ppt/slides/slide8.xml><?xml version="1.0" encoding="utf-8"?>
 <p:sld xmlns:a="http://schemas.openxmlformats.org/drawingml/2006/main" xmlns:r="http://schemas.openxmlformats.org/officeDocument/2006/relationships" xmlns:p="http://schemas.openxmlformats.org/presentationml/2006/main">
   <p:cSld>
     <p:spTree>
@@ -20542,6 +24545,114 @@
     <p:extLst>
       <p:ext uri="{BB962C8B-B14F-4D97-AF65-F5344CB8AC3E}">
         <p14:creationId xmlns:p14="http://schemas.microsoft.com/office/powerpoint/2010/main" val="574119336"/>
+      </p:ext>
+    </p:extLst>
+  </p:cSld>
+  <p:clrMapOvr>
+    <a:masterClrMapping/>
+  </p:clrMapOvr>
+</p:sld>
+</file>
+
+<file path=ppt/slides/slide9.xml><?xml version="1.0" encoding="utf-8"?>
+<p:sld xmlns:a="http://schemas.openxmlformats.org/drawingml/2006/main" xmlns:r="http://schemas.openxmlformats.org/officeDocument/2006/relationships" xmlns:p="http://schemas.openxmlformats.org/presentationml/2006/main">
+  <p:cSld>
+    <p:spTree>
+      <p:nvGrpSpPr>
+        <p:cNvPr id="1" name=""/>
+        <p:cNvGrpSpPr/>
+        <p:nvPr/>
+      </p:nvGrpSpPr>
+      <p:grpSpPr>
+        <a:xfrm>
+          <a:off x="0" y="0"/>
+          <a:ext cx="0" cy="0"/>
+          <a:chOff x="0" y="0"/>
+          <a:chExt cx="0" cy="0"/>
+        </a:xfrm>
+      </p:grpSpPr>
+      <p:sp>
+        <p:nvSpPr>
+          <p:cNvPr id="2" name="Title 1"/>
+          <p:cNvSpPr>
+            <a:spLocks noGrp="1"/>
+          </p:cNvSpPr>
+          <p:nvPr>
+            <p:ph type="title"/>
+          </p:nvPr>
+        </p:nvSpPr>
+        <p:spPr/>
+        <p:txBody>
+          <a:bodyPr/>
+          <a:lstStyle/>
+          <a:p>
+            <a:r>
+              <a:rPr lang="en-US" dirty="0" smtClean="0"/>
+              <a:t>ES2015 Modules</a:t>
+            </a:r>
+            <a:endParaRPr lang="en-US" dirty="0"/>
+          </a:p>
+        </p:txBody>
+      </p:sp>
+      <p:sp>
+        <p:nvSpPr>
+          <p:cNvPr id="3" name="Content Placeholder 2"/>
+          <p:cNvSpPr>
+            <a:spLocks noGrp="1"/>
+          </p:cNvSpPr>
+          <p:nvPr>
+            <p:ph idx="1"/>
+          </p:nvPr>
+        </p:nvSpPr>
+        <p:spPr>
+          <a:xfrm>
+            <a:off x="838200" y="1825625"/>
+            <a:ext cx="10515600" cy="4351338"/>
+          </a:xfrm>
+        </p:spPr>
+        <p:txBody>
+          <a:bodyPr>
+            <a:normAutofit/>
+          </a:bodyPr>
+          <a:lstStyle/>
+          <a:p>
+            <a:r>
+              <a:rPr lang="en-US" dirty="0"/>
+              <a:t>Originally, JavaScript did not support the usual structures for building large applications such as namespaces or modules</a:t>
+            </a:r>
+          </a:p>
+          <a:p>
+            <a:r>
+              <a:rPr lang="en-US" dirty="0"/>
+              <a:t>Over the course of time, several patterns emerged for organizing applications into modules: AMD (asynchronous module definition) and CommonJS</a:t>
+            </a:r>
+          </a:p>
+          <a:p>
+            <a:r>
+              <a:rPr lang="en-US" dirty="0"/>
+              <a:t>Most developers know of AMD through one of its popular implementations </a:t>
+            </a:r>
+            <a:r>
+              <a:rPr lang="en-US" dirty="0" err="1"/>
+              <a:t>Require.js</a:t>
+            </a:r>
+            <a:r>
+              <a:rPr lang="en-US" dirty="0"/>
+              <a:t>; and CommonJS is used by Node.js</a:t>
+            </a:r>
+          </a:p>
+          <a:p>
+            <a:r>
+              <a:rPr lang="en-US" dirty="0"/>
+              <a:t>While both module systems are still used today, the JavaScript specification (ES2015) now has support for modules which will be referred to as ES2015 Modules</a:t>
+            </a:r>
+          </a:p>
+        </p:txBody>
+      </p:sp>
+    </p:spTree>
+    <p:extLst>
+      <p:ext uri="{BB962C8B-B14F-4D97-AF65-F5344CB8AC3E}">
+        <p14:creationId xmlns:p14="http://schemas.microsoft.com/office/powerpoint/2010/main" val="1596085686"/>
       </p:ext>
     </p:extLst>
   </p:cSld>
